--- a/docs/aligning_whole_genomes_with_cactus.pptx
+++ b/docs/aligning_whole_genomes_with_cactus.pptx
@@ -18,6 +18,18 @@
     <p:sldId id="263" r:id="rId12"/>
     <p:sldId id="264" r:id="rId13"/>
     <p:sldId id="265" r:id="rId14"/>
+    <p:sldId id="278" r:id="rId15"/>
+    <p:sldId id="269" r:id="rId16"/>
+    <p:sldId id="270" r:id="rId17"/>
+    <p:sldId id="271" r:id="rId18"/>
+    <p:sldId id="272" r:id="rId19"/>
+    <p:sldId id="273" r:id="rId20"/>
+    <p:sldId id="279" r:id="rId21"/>
+    <p:sldId id="274" r:id="rId22"/>
+    <p:sldId id="275" r:id="rId23"/>
+    <p:sldId id="277" r:id="rId24"/>
+    <p:sldId id="276" r:id="rId25"/>
+    <p:sldId id="280" r:id="rId26"/>
   </p:sldIdLst>
   <p:sldSz cx="12192000" cy="6858000"/>
   <p:notesSz cx="6858000" cy="9144000"/>
@@ -370,7 +382,7 @@
             <a:fld id="{B61BEF0D-F0BB-DE4B-95CE-6DB70DBA9567}" type="datetimeFigureOut">
               <a:rPr lang="en-US" dirty="0"/>
               <a:pPr/>
-              <a:t>9/22/23</a:t>
+              <a:t>9/28/23</a:t>
             </a:fld>
             <a:endParaRPr lang="en-US" dirty="0"/>
           </a:p>
@@ -629,7 +641,7 @@
             <a:fld id="{B61BEF0D-F0BB-DE4B-95CE-6DB70DBA9567}" type="datetimeFigureOut">
               <a:rPr lang="en-US" dirty="0"/>
               <a:pPr/>
-              <a:t>9/22/23</a:t>
+              <a:t>9/28/23</a:t>
             </a:fld>
             <a:endParaRPr lang="en-US" dirty="0"/>
           </a:p>
@@ -861,7 +873,7 @@
             <a:fld id="{B61BEF0D-F0BB-DE4B-95CE-6DB70DBA9567}" type="datetimeFigureOut">
               <a:rPr lang="en-US" dirty="0"/>
               <a:pPr/>
-              <a:t>9/22/23</a:t>
+              <a:t>9/28/23</a:t>
             </a:fld>
             <a:endParaRPr lang="en-US" dirty="0"/>
           </a:p>
@@ -1098,7 +1110,7 @@
             <a:fld id="{B61BEF0D-F0BB-DE4B-95CE-6DB70DBA9567}" type="datetimeFigureOut">
               <a:rPr lang="en-US" dirty="0"/>
               <a:pPr/>
-              <a:t>9/22/23</a:t>
+              <a:t>9/28/23</a:t>
             </a:fld>
             <a:endParaRPr lang="en-US" dirty="0"/>
           </a:p>
@@ -1402,7 +1414,7 @@
             <a:fld id="{B61BEF0D-F0BB-DE4B-95CE-6DB70DBA9567}" type="datetimeFigureOut">
               <a:rPr lang="en-US" dirty="0"/>
               <a:pPr/>
-              <a:t>9/22/23</a:t>
+              <a:t>9/28/23</a:t>
             </a:fld>
             <a:endParaRPr lang="en-US" dirty="0"/>
           </a:p>
@@ -1701,7 +1713,7 @@
             <a:fld id="{B61BEF0D-F0BB-DE4B-95CE-6DB70DBA9567}" type="datetimeFigureOut">
               <a:rPr lang="en-US" dirty="0"/>
               <a:pPr/>
-              <a:t>9/22/23</a:t>
+              <a:t>9/28/23</a:t>
             </a:fld>
             <a:endParaRPr lang="en-US" dirty="0"/>
           </a:p>
@@ -2120,7 +2132,7 @@
             <a:fld id="{B61BEF0D-F0BB-DE4B-95CE-6DB70DBA9567}" type="datetimeFigureOut">
               <a:rPr lang="en-US" dirty="0"/>
               <a:pPr/>
-              <a:t>9/22/23</a:t>
+              <a:t>9/28/23</a:t>
             </a:fld>
             <a:endParaRPr lang="en-US" dirty="0"/>
           </a:p>
@@ -2279,7 +2291,7 @@
             <a:fld id="{B61BEF0D-F0BB-DE4B-95CE-6DB70DBA9567}" type="datetimeFigureOut">
               <a:rPr lang="en-US" dirty="0"/>
               <a:pPr/>
-              <a:t>9/22/23</a:t>
+              <a:t>9/28/23</a:t>
             </a:fld>
             <a:endParaRPr lang="en-US" dirty="0"/>
           </a:p>
@@ -2371,7 +2383,7 @@
             <a:fld id="{B61BEF0D-F0BB-DE4B-95CE-6DB70DBA9567}" type="datetimeFigureOut">
               <a:rPr lang="en-US" dirty="0"/>
               <a:pPr/>
-              <a:t>9/22/23</a:t>
+              <a:t>9/28/23</a:t>
             </a:fld>
             <a:endParaRPr lang="en-US" dirty="0"/>
           </a:p>
@@ -2746,7 +2758,7 @@
             <a:fld id="{B61BEF0D-F0BB-DE4B-95CE-6DB70DBA9567}" type="datetimeFigureOut">
               <a:rPr lang="en-US" dirty="0"/>
               <a:pPr/>
-              <a:t>9/22/23</a:t>
+              <a:t>9/28/23</a:t>
             </a:fld>
             <a:endParaRPr lang="en-US" dirty="0"/>
           </a:p>
@@ -3032,7 +3044,7 @@
             <a:fld id="{B61BEF0D-F0BB-DE4B-95CE-6DB70DBA9567}" type="datetimeFigureOut">
               <a:rPr lang="en-US" dirty="0"/>
               <a:pPr/>
-              <a:t>9/22/23</a:t>
+              <a:t>9/28/23</a:t>
             </a:fld>
             <a:endParaRPr lang="en-US" dirty="0"/>
           </a:p>
@@ -3240,7 +3252,7 @@
             <a:fld id="{B61BEF0D-F0BB-DE4B-95CE-6DB70DBA9567}" type="datetimeFigureOut">
               <a:rPr lang="en-US" dirty="0"/>
               <a:pPr/>
-              <a:t>9/22/23</a:t>
+              <a:t>9/28/23</a:t>
             </a:fld>
             <a:endParaRPr lang="en-US" dirty="0"/>
           </a:p>
@@ -5182,6 +5194,2023 @@
 </p:sld>
 </file>
 
+<file path=ppt/slides/slide14.xml><?xml version="1.0" encoding="utf-8"?>
+<p:sld xmlns:a="http://schemas.openxmlformats.org/drawingml/2006/main" xmlns:r="http://schemas.openxmlformats.org/officeDocument/2006/relationships" xmlns:p="http://schemas.openxmlformats.org/presentationml/2006/main">
+  <p:cSld>
+    <p:spTree>
+      <p:nvGrpSpPr>
+        <p:cNvPr id="1" name=""/>
+        <p:cNvGrpSpPr/>
+        <p:nvPr/>
+      </p:nvGrpSpPr>
+      <p:grpSpPr>
+        <a:xfrm>
+          <a:off x="0" y="0"/>
+          <a:ext cx="0" cy="0"/>
+          <a:chOff x="0" y="0"/>
+          <a:chExt cx="0" cy="0"/>
+        </a:xfrm>
+      </p:grpSpPr>
+      <p:sp>
+        <p:nvSpPr>
+          <p:cNvPr id="2" name="Title 1">
+            <a:extLst>
+              <a:ext uri="{FF2B5EF4-FFF2-40B4-BE49-F238E27FC236}">
+                <a16:creationId xmlns:a16="http://schemas.microsoft.com/office/drawing/2014/main" id="{309FAC93-A7BE-5621-03C9-124CB4F5F7BD}"/>
+              </a:ext>
+            </a:extLst>
+          </p:cNvPr>
+          <p:cNvSpPr>
+            <a:spLocks noGrp="1"/>
+          </p:cNvSpPr>
+          <p:nvPr>
+            <p:ph type="ctrTitle"/>
+          </p:nvPr>
+        </p:nvSpPr>
+        <p:spPr>
+          <a:xfrm>
+            <a:off x="581191" y="1020432"/>
+            <a:ext cx="10993549" cy="875276"/>
+          </a:xfrm>
+        </p:spPr>
+        <p:txBody>
+          <a:bodyPr>
+            <a:normAutofit/>
+          </a:bodyPr>
+          <a:lstStyle/>
+          <a:p>
+            <a:r>
+              <a:rPr lang="en-GB" dirty="0"/>
+              <a:t>Running</a:t>
+            </a:r>
+            <a:r>
+              <a:rPr lang="en-CH"/>
+              <a:t> cactus</a:t>
+            </a:r>
+            <a:endParaRPr lang="en-CH" dirty="0"/>
+          </a:p>
+        </p:txBody>
+      </p:sp>
+      <p:sp>
+        <p:nvSpPr>
+          <p:cNvPr id="3" name="Subtitle 2">
+            <a:extLst>
+              <a:ext uri="{FF2B5EF4-FFF2-40B4-BE49-F238E27FC236}">
+                <a16:creationId xmlns:a16="http://schemas.microsoft.com/office/drawing/2014/main" id="{490F5EFD-722C-F093-3F55-26659E8F0384}"/>
+              </a:ext>
+            </a:extLst>
+          </p:cNvPr>
+          <p:cNvSpPr>
+            <a:spLocks noGrp="1"/>
+          </p:cNvSpPr>
+          <p:nvPr>
+            <p:ph type="subTitle" idx="1"/>
+          </p:nvPr>
+        </p:nvSpPr>
+        <p:spPr>
+          <a:xfrm>
+            <a:off x="581194" y="2210491"/>
+            <a:ext cx="10993546" cy="875276"/>
+          </a:xfrm>
+        </p:spPr>
+        <p:txBody>
+          <a:bodyPr>
+            <a:normAutofit/>
+          </a:bodyPr>
+          <a:lstStyle/>
+          <a:p>
+            <a:r>
+              <a:rPr lang="en-GB" dirty="0">
+                <a:solidFill>
+                  <a:schemeClr val="tx1"/>
+                </a:solidFill>
+              </a:rPr>
+              <a:t>Thiago A. L. GENEZ</a:t>
+            </a:r>
+            <a:r>
+              <a:rPr lang="en-CH">
+                <a:solidFill>
+                  <a:schemeClr val="tx1"/>
+                </a:solidFill>
+              </a:rPr>
+              <a:t>, </a:t>
+            </a:r>
+            <a:r>
+              <a:rPr lang="en-CH" dirty="0">
+                <a:solidFill>
+                  <a:schemeClr val="tx1"/>
+                </a:solidFill>
+              </a:rPr>
+              <a:t>PhD</a:t>
+            </a:r>
+          </a:p>
+          <a:p>
+            <a:r>
+              <a:rPr lang="en-GB" dirty="0" err="1">
+                <a:solidFill>
+                  <a:schemeClr val="tx1"/>
+                </a:solidFill>
+              </a:rPr>
+              <a:t>Embl-ebi</a:t>
+            </a:r>
+            <a:r>
+              <a:rPr lang="en-GB" dirty="0">
+                <a:solidFill>
+                  <a:schemeClr val="tx1"/>
+                </a:solidFill>
+              </a:rPr>
+              <a:t>, </a:t>
+            </a:r>
+            <a:r>
+              <a:rPr lang="en-GB" dirty="0" err="1">
+                <a:solidFill>
+                  <a:schemeClr val="tx1"/>
+                </a:solidFill>
+              </a:rPr>
+              <a:t>Hinxton</a:t>
+            </a:r>
+            <a:r>
+              <a:rPr lang="en-GB" dirty="0">
+                <a:solidFill>
+                  <a:schemeClr val="tx1"/>
+                </a:solidFill>
+              </a:rPr>
+              <a:t>, Cambridgeshire</a:t>
+            </a:r>
+            <a:endParaRPr lang="en-CH" dirty="0">
+              <a:solidFill>
+                <a:schemeClr val="tx1"/>
+              </a:solidFill>
+            </a:endParaRPr>
+          </a:p>
+        </p:txBody>
+      </p:sp>
+      <p:pic>
+        <p:nvPicPr>
+          <p:cNvPr id="4" name="Picture 3">
+            <a:extLst>
+              <a:ext uri="{FF2B5EF4-FFF2-40B4-BE49-F238E27FC236}">
+                <a16:creationId xmlns:a16="http://schemas.microsoft.com/office/drawing/2014/main" id="{E008B672-4CB4-58E9-721D-37B8BC8272E8}"/>
+              </a:ext>
+            </a:extLst>
+          </p:cNvPr>
+          <p:cNvPicPr>
+            <a:picLocks noChangeAspect="1"/>
+          </p:cNvPicPr>
+          <p:nvPr/>
+        </p:nvPicPr>
+        <p:blipFill>
+          <a:blip r:embed="rId2"/>
+          <a:stretch>
+            <a:fillRect/>
+          </a:stretch>
+        </p:blipFill>
+        <p:spPr>
+          <a:xfrm>
+            <a:off x="7590771" y="981238"/>
+            <a:ext cx="4019463" cy="1229253"/>
+          </a:xfrm>
+          <a:prstGeom prst="rect">
+            <a:avLst/>
+          </a:prstGeom>
+        </p:spPr>
+      </p:pic>
+      <p:pic>
+        <p:nvPicPr>
+          <p:cNvPr id="5" name="Picture 4">
+            <a:extLst>
+              <a:ext uri="{FF2B5EF4-FFF2-40B4-BE49-F238E27FC236}">
+                <a16:creationId xmlns:a16="http://schemas.microsoft.com/office/drawing/2014/main" id="{B401C612-A131-F719-44FA-8C3B5C9E189A}"/>
+              </a:ext>
+            </a:extLst>
+          </p:cNvPr>
+          <p:cNvPicPr>
+            <a:picLocks noChangeAspect="1"/>
+          </p:cNvPicPr>
+          <p:nvPr/>
+        </p:nvPicPr>
+        <p:blipFill>
+          <a:blip r:embed="rId3"/>
+          <a:stretch>
+            <a:fillRect/>
+          </a:stretch>
+        </p:blipFill>
+        <p:spPr>
+          <a:xfrm>
+            <a:off x="7590771" y="2184313"/>
+            <a:ext cx="3277035" cy="771745"/>
+          </a:xfrm>
+          <a:prstGeom prst="rect">
+            <a:avLst/>
+          </a:prstGeom>
+        </p:spPr>
+      </p:pic>
+    </p:spTree>
+    <p:extLst>
+      <p:ext uri="{BB962C8B-B14F-4D97-AF65-F5344CB8AC3E}">
+        <p14:creationId xmlns:p14="http://schemas.microsoft.com/office/powerpoint/2010/main" val="1190964670"/>
+      </p:ext>
+    </p:extLst>
+  </p:cSld>
+  <p:clrMapOvr>
+    <a:masterClrMapping/>
+  </p:clrMapOvr>
+</p:sld>
+</file>
+
+<file path=ppt/slides/slide15.xml><?xml version="1.0" encoding="utf-8"?>
+<p:sld xmlns:a="http://schemas.openxmlformats.org/drawingml/2006/main" xmlns:r="http://schemas.openxmlformats.org/officeDocument/2006/relationships" xmlns:p="http://schemas.openxmlformats.org/presentationml/2006/main">
+  <p:cSld>
+    <p:spTree>
+      <p:nvGrpSpPr>
+        <p:cNvPr id="1" name=""/>
+        <p:cNvGrpSpPr/>
+        <p:nvPr/>
+      </p:nvGrpSpPr>
+      <p:grpSpPr>
+        <a:xfrm>
+          <a:off x="0" y="0"/>
+          <a:ext cx="0" cy="0"/>
+          <a:chOff x="0" y="0"/>
+          <a:chExt cx="0" cy="0"/>
+        </a:xfrm>
+      </p:grpSpPr>
+      <p:sp>
+        <p:nvSpPr>
+          <p:cNvPr id="2" name="Title 1">
+            <a:extLst>
+              <a:ext uri="{FF2B5EF4-FFF2-40B4-BE49-F238E27FC236}">
+                <a16:creationId xmlns:a16="http://schemas.microsoft.com/office/drawing/2014/main" id="{9BFAFCD8-7165-B551-B749-67C739ACDDFA}"/>
+              </a:ext>
+            </a:extLst>
+          </p:cNvPr>
+          <p:cNvSpPr>
+            <a:spLocks noGrp="1"/>
+          </p:cNvSpPr>
+          <p:nvPr>
+            <p:ph type="title"/>
+          </p:nvPr>
+        </p:nvSpPr>
+        <p:spPr/>
+        <p:txBody>
+          <a:bodyPr/>
+          <a:lstStyle/>
+          <a:p>
+            <a:r>
+              <a:rPr lang="en-US" dirty="0"/>
+              <a:t>Running Cactus</a:t>
+            </a:r>
+          </a:p>
+        </p:txBody>
+      </p:sp>
+      <p:sp>
+        <p:nvSpPr>
+          <p:cNvPr id="3" name="Content Placeholder 2">
+            <a:extLst>
+              <a:ext uri="{FF2B5EF4-FFF2-40B4-BE49-F238E27FC236}">
+                <a16:creationId xmlns:a16="http://schemas.microsoft.com/office/drawing/2014/main" id="{0DD41EDA-B80A-08E9-9262-3EFED673D33F}"/>
+              </a:ext>
+            </a:extLst>
+          </p:cNvPr>
+          <p:cNvSpPr>
+            <a:spLocks noGrp="1"/>
+          </p:cNvSpPr>
+          <p:nvPr>
+            <p:ph idx="1"/>
+          </p:nvPr>
+        </p:nvSpPr>
+        <p:spPr/>
+        <p:txBody>
+          <a:bodyPr/>
+          <a:lstStyle/>
+          <a:p>
+            <a:r>
+              <a:rPr lang="en-GB" b="1" dirty="0">
+                <a:solidFill>
+                  <a:srgbClr val="000000"/>
+                </a:solidFill>
+                <a:effectLst/>
+                <a:latin typeface=".SF NS"/>
+              </a:rPr>
+              <a:t>Input:</a:t>
+            </a:r>
+            <a:r>
+              <a:rPr lang="en-GB" dirty="0">
+                <a:solidFill>
+                  <a:srgbClr val="000000"/>
+                </a:solidFill>
+                <a:effectLst/>
+                <a:latin typeface=".SF NS"/>
+              </a:rPr>
+              <a:t> Phylogenetic tree and assemblies in FASTA format</a:t>
+            </a:r>
+          </a:p>
+          <a:p>
+            <a:r>
+              <a:rPr lang="en-GB" b="1" dirty="0">
+                <a:solidFill>
+                  <a:srgbClr val="000000"/>
+                </a:solidFill>
+                <a:effectLst/>
+                <a:latin typeface=".SF NS"/>
+              </a:rPr>
+              <a:t>Output:</a:t>
+            </a:r>
+            <a:r>
+              <a:rPr lang="en-GB" dirty="0">
+                <a:solidFill>
+                  <a:srgbClr val="000000"/>
+                </a:solidFill>
+                <a:effectLst/>
+                <a:latin typeface=".SF NS"/>
+              </a:rPr>
+              <a:t> Alignment for the given tree in the HAL format</a:t>
+            </a:r>
+          </a:p>
+          <a:p>
+            <a:endParaRPr lang="en-GB" dirty="0">
+              <a:solidFill>
+                <a:srgbClr val="000000"/>
+              </a:solidFill>
+              <a:latin typeface=".SF NS"/>
+            </a:endParaRPr>
+          </a:p>
+          <a:p>
+            <a:r>
+              <a:rPr lang="en-GB" dirty="0">
+                <a:solidFill>
+                  <a:srgbClr val="000000"/>
+                </a:solidFill>
+                <a:effectLst/>
+                <a:latin typeface=".SF NS"/>
+              </a:rPr>
+              <a:t>Processing capabilities</a:t>
+            </a:r>
+          </a:p>
+          <a:p>
+            <a:pPr lvl="1"/>
+            <a:r>
+              <a:rPr lang="en-GB" b="1" dirty="0">
+                <a:solidFill>
+                  <a:srgbClr val="000000"/>
+                </a:solidFill>
+                <a:effectLst/>
+                <a:latin typeface=".SF NS"/>
+              </a:rPr>
+              <a:t>Cluster</a:t>
+            </a:r>
+            <a:r>
+              <a:rPr lang="en-GB" dirty="0">
+                <a:solidFill>
+                  <a:srgbClr val="000000"/>
+                </a:solidFill>
+                <a:effectLst/>
+                <a:latin typeface=".SF NS"/>
+              </a:rPr>
+              <a:t> </a:t>
+            </a:r>
+          </a:p>
+          <a:p>
+            <a:pPr lvl="2"/>
+            <a:r>
+              <a:rPr lang="en-GB" dirty="0">
+                <a:solidFill>
+                  <a:srgbClr val="000000"/>
+                </a:solidFill>
+                <a:effectLst/>
+                <a:latin typeface=".SF NS"/>
+              </a:rPr>
+              <a:t>HPC </a:t>
+            </a:r>
+            <a:endParaRPr lang="en-GB" dirty="0">
+              <a:solidFill>
+                <a:srgbClr val="000000"/>
+              </a:solidFill>
+              <a:latin typeface=".SF NS"/>
+            </a:endParaRPr>
+          </a:p>
+          <a:p>
+            <a:pPr lvl="2"/>
+            <a:r>
+              <a:rPr lang="en-GB" dirty="0">
+                <a:solidFill>
+                  <a:srgbClr val="000000"/>
+                </a:solidFill>
+                <a:effectLst/>
+                <a:latin typeface=".SF NS"/>
+              </a:rPr>
+              <a:t>Cloud-based</a:t>
+            </a:r>
+          </a:p>
+          <a:p>
+            <a:pPr lvl="1"/>
+            <a:endParaRPr lang="en-GB" dirty="0">
+              <a:solidFill>
+                <a:srgbClr val="000000"/>
+              </a:solidFill>
+              <a:effectLst/>
+              <a:latin typeface=".SF NS"/>
+            </a:endParaRPr>
+          </a:p>
+          <a:p>
+            <a:endParaRPr lang="en-GB" dirty="0">
+              <a:solidFill>
+                <a:srgbClr val="000000"/>
+              </a:solidFill>
+              <a:effectLst/>
+              <a:latin typeface=".SF NS"/>
+            </a:endParaRPr>
+          </a:p>
+        </p:txBody>
+      </p:sp>
+    </p:spTree>
+    <p:extLst>
+      <p:ext uri="{BB962C8B-B14F-4D97-AF65-F5344CB8AC3E}">
+        <p14:creationId xmlns:p14="http://schemas.microsoft.com/office/powerpoint/2010/main" val="3833784133"/>
+      </p:ext>
+    </p:extLst>
+  </p:cSld>
+  <p:clrMapOvr>
+    <a:masterClrMapping/>
+  </p:clrMapOvr>
+</p:sld>
+</file>
+
+<file path=ppt/slides/slide16.xml><?xml version="1.0" encoding="utf-8"?>
+<p:sld xmlns:a="http://schemas.openxmlformats.org/drawingml/2006/main" xmlns:r="http://schemas.openxmlformats.org/officeDocument/2006/relationships" xmlns:p="http://schemas.openxmlformats.org/presentationml/2006/main">
+  <p:cSld>
+    <p:spTree>
+      <p:nvGrpSpPr>
+        <p:cNvPr id="1" name=""/>
+        <p:cNvGrpSpPr/>
+        <p:nvPr/>
+      </p:nvGrpSpPr>
+      <p:grpSpPr>
+        <a:xfrm>
+          <a:off x="0" y="0"/>
+          <a:ext cx="0" cy="0"/>
+          <a:chOff x="0" y="0"/>
+          <a:chExt cx="0" cy="0"/>
+        </a:xfrm>
+      </p:grpSpPr>
+      <p:sp>
+        <p:nvSpPr>
+          <p:cNvPr id="2" name="Title 1">
+            <a:extLst>
+              <a:ext uri="{FF2B5EF4-FFF2-40B4-BE49-F238E27FC236}">
+                <a16:creationId xmlns:a16="http://schemas.microsoft.com/office/drawing/2014/main" id="{9BFAFCD8-7165-B551-B749-67C739ACDDFA}"/>
+              </a:ext>
+            </a:extLst>
+          </p:cNvPr>
+          <p:cNvSpPr>
+            <a:spLocks noGrp="1"/>
+          </p:cNvSpPr>
+          <p:nvPr>
+            <p:ph type="title"/>
+          </p:nvPr>
+        </p:nvSpPr>
+        <p:spPr/>
+        <p:txBody>
+          <a:bodyPr/>
+          <a:lstStyle/>
+          <a:p>
+            <a:r>
+              <a:rPr lang="en-US" dirty="0"/>
+              <a:t>Running Cactus</a:t>
+            </a:r>
+          </a:p>
+        </p:txBody>
+      </p:sp>
+      <p:pic>
+        <p:nvPicPr>
+          <p:cNvPr id="4" name="Content Placeholder 3">
+            <a:extLst>
+              <a:ext uri="{FF2B5EF4-FFF2-40B4-BE49-F238E27FC236}">
+                <a16:creationId xmlns:a16="http://schemas.microsoft.com/office/drawing/2014/main" id="{8D174A96-1D51-E7E3-4111-2B77A5B0FB8D}"/>
+              </a:ext>
+            </a:extLst>
+          </p:cNvPr>
+          <p:cNvPicPr>
+            <a:picLocks noGrp="1" noChangeAspect="1"/>
+          </p:cNvPicPr>
+          <p:nvPr>
+            <p:ph idx="1"/>
+          </p:nvPr>
+        </p:nvPicPr>
+        <p:blipFill>
+          <a:blip r:embed="rId2"/>
+          <a:stretch>
+            <a:fillRect/>
+          </a:stretch>
+        </p:blipFill>
+        <p:spPr>
+          <a:xfrm>
+            <a:off x="164344" y="2025690"/>
+            <a:ext cx="6928433" cy="4622651"/>
+          </a:xfrm>
+          <a:prstGeom prst="rect">
+            <a:avLst/>
+          </a:prstGeom>
+        </p:spPr>
+      </p:pic>
+      <p:pic>
+        <p:nvPicPr>
+          <p:cNvPr id="5" name="Picture 4">
+            <a:extLst>
+              <a:ext uri="{FF2B5EF4-FFF2-40B4-BE49-F238E27FC236}">
+                <a16:creationId xmlns:a16="http://schemas.microsoft.com/office/drawing/2014/main" id="{42EDC658-ECD7-2F59-6243-A73D0D76A885}"/>
+              </a:ext>
+            </a:extLst>
+          </p:cNvPr>
+          <p:cNvPicPr>
+            <a:picLocks noChangeAspect="1"/>
+          </p:cNvPicPr>
+          <p:nvPr/>
+        </p:nvPicPr>
+        <p:blipFill>
+          <a:blip r:embed="rId3"/>
+          <a:stretch>
+            <a:fillRect/>
+          </a:stretch>
+        </p:blipFill>
+        <p:spPr>
+          <a:xfrm>
+            <a:off x="1774224" y="5271016"/>
+            <a:ext cx="1286370" cy="1377325"/>
+          </a:xfrm>
+          <a:prstGeom prst="rect">
+            <a:avLst/>
+          </a:prstGeom>
+        </p:spPr>
+      </p:pic>
+      <p:sp>
+        <p:nvSpPr>
+          <p:cNvPr id="8" name="Content Placeholder 2">
+            <a:extLst>
+              <a:ext uri="{FF2B5EF4-FFF2-40B4-BE49-F238E27FC236}">
+                <a16:creationId xmlns:a16="http://schemas.microsoft.com/office/drawing/2014/main" id="{8BE446F8-2286-F821-19A7-ADC43AD1EE89}"/>
+              </a:ext>
+            </a:extLst>
+          </p:cNvPr>
+          <p:cNvSpPr txBox="1">
+            <a:spLocks/>
+          </p:cNvSpPr>
+          <p:nvPr/>
+        </p:nvSpPr>
+        <p:spPr>
+          <a:xfrm>
+            <a:off x="7857174" y="3019683"/>
+            <a:ext cx="3177410" cy="1725312"/>
+          </a:xfrm>
+          <a:prstGeom prst="rect">
+            <a:avLst/>
+          </a:prstGeom>
+          <a:solidFill>
+            <a:schemeClr val="tx2">
+              <a:lumMod val="20000"/>
+              <a:lumOff val="80000"/>
+            </a:schemeClr>
+          </a:solidFill>
+          <a:ln>
+            <a:solidFill>
+              <a:schemeClr val="accent1"/>
+            </a:solidFill>
+          </a:ln>
+        </p:spPr>
+        <p:txBody>
+          <a:bodyPr vert="horz" lIns="91440" tIns="45720" rIns="91440" bIns="45720" rtlCol="0" anchor="ctr">
+            <a:normAutofit/>
+          </a:bodyPr>
+          <a:lstStyle>
+            <a:lvl1pPr marL="306000" indent="-306000" algn="l" defTabSz="457200" rtl="0" eaLnBrk="1" latinLnBrk="0" hangingPunct="1">
+              <a:spcBef>
+                <a:spcPct val="20000"/>
+              </a:spcBef>
+              <a:spcAft>
+                <a:spcPts val="600"/>
+              </a:spcAft>
+              <a:buClr>
+                <a:schemeClr val="accent2"/>
+              </a:buClr>
+              <a:buSzPct val="92000"/>
+              <a:buFont typeface="Wingdings 2" panose="05020102010507070707" pitchFamily="18" charset="2"/>
+              <a:buChar char=""/>
+              <a:defRPr sz="1800" kern="1200">
+                <a:solidFill>
+                  <a:schemeClr val="tx2"/>
+                </a:solidFill>
+                <a:latin typeface="+mn-lt"/>
+                <a:ea typeface="+mn-ea"/>
+                <a:cs typeface="+mn-cs"/>
+              </a:defRPr>
+            </a:lvl1pPr>
+            <a:lvl2pPr marL="630000" indent="-306000" algn="l" defTabSz="457200" rtl="0" eaLnBrk="1" latinLnBrk="0" hangingPunct="1">
+              <a:spcBef>
+                <a:spcPct val="20000"/>
+              </a:spcBef>
+              <a:spcAft>
+                <a:spcPts val="600"/>
+              </a:spcAft>
+              <a:buClr>
+                <a:schemeClr val="accent2"/>
+              </a:buClr>
+              <a:buSzPct val="92000"/>
+              <a:buFont typeface="Wingdings 2" panose="05020102010507070707" pitchFamily="18" charset="2"/>
+              <a:buChar char=""/>
+              <a:defRPr sz="1600" kern="1200">
+                <a:solidFill>
+                  <a:schemeClr val="tx2"/>
+                </a:solidFill>
+                <a:latin typeface="+mn-lt"/>
+                <a:ea typeface="+mn-ea"/>
+                <a:cs typeface="+mn-cs"/>
+              </a:defRPr>
+            </a:lvl2pPr>
+            <a:lvl3pPr marL="900000" indent="-270000" algn="l" defTabSz="457200" rtl="0" eaLnBrk="1" latinLnBrk="0" hangingPunct="1">
+              <a:spcBef>
+                <a:spcPct val="20000"/>
+              </a:spcBef>
+              <a:spcAft>
+                <a:spcPts val="600"/>
+              </a:spcAft>
+              <a:buClr>
+                <a:schemeClr val="accent2"/>
+              </a:buClr>
+              <a:buSzPct val="92000"/>
+              <a:buFont typeface="Wingdings 2" panose="05020102010507070707" pitchFamily="18" charset="2"/>
+              <a:buChar char=""/>
+              <a:defRPr sz="1400" kern="1200">
+                <a:solidFill>
+                  <a:schemeClr val="tx2"/>
+                </a:solidFill>
+                <a:latin typeface="+mn-lt"/>
+                <a:ea typeface="+mn-ea"/>
+                <a:cs typeface="+mn-cs"/>
+              </a:defRPr>
+            </a:lvl3pPr>
+            <a:lvl4pPr marL="1242000" indent="-234000" algn="l" defTabSz="457200" rtl="0" eaLnBrk="1" latinLnBrk="0" hangingPunct="1">
+              <a:spcBef>
+                <a:spcPct val="20000"/>
+              </a:spcBef>
+              <a:spcAft>
+                <a:spcPts val="600"/>
+              </a:spcAft>
+              <a:buClr>
+                <a:schemeClr val="accent2"/>
+              </a:buClr>
+              <a:buSzPct val="92000"/>
+              <a:buFont typeface="Wingdings 2" panose="05020102010507070707" pitchFamily="18" charset="2"/>
+              <a:buChar char=""/>
+              <a:defRPr sz="1200" kern="1200">
+                <a:solidFill>
+                  <a:schemeClr val="tx2"/>
+                </a:solidFill>
+                <a:latin typeface="+mn-lt"/>
+                <a:ea typeface="+mn-ea"/>
+                <a:cs typeface="+mn-cs"/>
+              </a:defRPr>
+            </a:lvl4pPr>
+            <a:lvl5pPr marL="1602000" indent="-234000" algn="l" defTabSz="457200" rtl="0" eaLnBrk="1" latinLnBrk="0" hangingPunct="1">
+              <a:spcBef>
+                <a:spcPct val="20000"/>
+              </a:spcBef>
+              <a:spcAft>
+                <a:spcPts val="600"/>
+              </a:spcAft>
+              <a:buClr>
+                <a:schemeClr val="accent2"/>
+              </a:buClr>
+              <a:buSzPct val="92000"/>
+              <a:buFont typeface="Wingdings 2" panose="05020102010507070707" pitchFamily="18" charset="2"/>
+              <a:buChar char=""/>
+              <a:defRPr sz="1200" kern="1200">
+                <a:solidFill>
+                  <a:schemeClr val="tx2"/>
+                </a:solidFill>
+                <a:latin typeface="+mn-lt"/>
+                <a:ea typeface="+mn-ea"/>
+                <a:cs typeface="+mn-cs"/>
+              </a:defRPr>
+            </a:lvl5pPr>
+            <a:lvl6pPr marL="1900000" indent="-228600" algn="l" defTabSz="457200" rtl="0" eaLnBrk="1" latinLnBrk="0" hangingPunct="1">
+              <a:spcBef>
+                <a:spcPct val="20000"/>
+              </a:spcBef>
+              <a:spcAft>
+                <a:spcPts val="600"/>
+              </a:spcAft>
+              <a:buClr>
+                <a:schemeClr val="accent2"/>
+              </a:buClr>
+              <a:buSzPct val="92000"/>
+              <a:buFont typeface="Wingdings 2" panose="05020102010507070707" pitchFamily="18" charset="2"/>
+              <a:buChar char=""/>
+              <a:defRPr sz="1200" kern="1200">
+                <a:solidFill>
+                  <a:schemeClr val="tx2"/>
+                </a:solidFill>
+                <a:latin typeface="+mn-lt"/>
+                <a:ea typeface="+mn-ea"/>
+                <a:cs typeface="+mn-cs"/>
+              </a:defRPr>
+            </a:lvl6pPr>
+            <a:lvl7pPr marL="2200000" indent="-228600" algn="l" defTabSz="457200" rtl="0" eaLnBrk="1" latinLnBrk="0" hangingPunct="1">
+              <a:spcBef>
+                <a:spcPct val="20000"/>
+              </a:spcBef>
+              <a:spcAft>
+                <a:spcPts val="600"/>
+              </a:spcAft>
+              <a:buClr>
+                <a:schemeClr val="accent2"/>
+              </a:buClr>
+              <a:buSzPct val="92000"/>
+              <a:buFont typeface="Wingdings 2" panose="05020102010507070707" pitchFamily="18" charset="2"/>
+              <a:buChar char=""/>
+              <a:defRPr sz="1200" kern="1200">
+                <a:solidFill>
+                  <a:schemeClr val="tx2"/>
+                </a:solidFill>
+                <a:latin typeface="+mn-lt"/>
+                <a:ea typeface="+mn-ea"/>
+                <a:cs typeface="+mn-cs"/>
+              </a:defRPr>
+            </a:lvl7pPr>
+            <a:lvl8pPr marL="2500000" indent="-228600" algn="l" defTabSz="457200" rtl="0" eaLnBrk="1" latinLnBrk="0" hangingPunct="1">
+              <a:spcBef>
+                <a:spcPct val="20000"/>
+              </a:spcBef>
+              <a:spcAft>
+                <a:spcPts val="600"/>
+              </a:spcAft>
+              <a:buClr>
+                <a:schemeClr val="accent2"/>
+              </a:buClr>
+              <a:buSzPct val="92000"/>
+              <a:buFont typeface="Wingdings 2" panose="05020102010507070707" pitchFamily="18" charset="2"/>
+              <a:buChar char=""/>
+              <a:defRPr sz="1200" kern="1200">
+                <a:solidFill>
+                  <a:schemeClr val="tx2"/>
+                </a:solidFill>
+                <a:latin typeface="+mn-lt"/>
+                <a:ea typeface="+mn-ea"/>
+                <a:cs typeface="+mn-cs"/>
+              </a:defRPr>
+            </a:lvl8pPr>
+            <a:lvl9pPr marL="2800000" indent="-228600" algn="l" defTabSz="457200" rtl="0" eaLnBrk="1" latinLnBrk="0" hangingPunct="1">
+              <a:spcBef>
+                <a:spcPct val="20000"/>
+              </a:spcBef>
+              <a:spcAft>
+                <a:spcPts val="600"/>
+              </a:spcAft>
+              <a:buClr>
+                <a:schemeClr val="accent2"/>
+              </a:buClr>
+              <a:buSzPct val="92000"/>
+              <a:buFont typeface="Wingdings 2" panose="05020102010507070707" pitchFamily="18" charset="2"/>
+              <a:buChar char=""/>
+              <a:defRPr sz="1200" kern="1200">
+                <a:solidFill>
+                  <a:schemeClr val="tx2"/>
+                </a:solidFill>
+                <a:latin typeface="+mn-lt"/>
+                <a:ea typeface="+mn-ea"/>
+                <a:cs typeface="+mn-cs"/>
+              </a:defRPr>
+            </a:lvl9pPr>
+          </a:lstStyle>
+          <a:p>
+            <a:r>
+              <a:rPr lang="en-GB" dirty="0">
+                <a:solidFill>
+                  <a:srgbClr val="000000"/>
+                </a:solidFill>
+                <a:effectLst/>
+                <a:latin typeface=".SF NS"/>
+              </a:rPr>
+              <a:t>Lepidoptera Example </a:t>
+            </a:r>
+          </a:p>
+          <a:p>
+            <a:pPr lvl="1"/>
+            <a:r>
+              <a:rPr lang="en-GB" dirty="0">
+                <a:solidFill>
+                  <a:srgbClr val="000000"/>
+                </a:solidFill>
+                <a:effectLst/>
+                <a:latin typeface=".SF NS"/>
+              </a:rPr>
+              <a:t>88 genomes </a:t>
+            </a:r>
+          </a:p>
+          <a:p>
+            <a:r>
+              <a:rPr lang="en-GB" dirty="0">
+                <a:solidFill>
+                  <a:srgbClr val="000000"/>
+                </a:solidFill>
+                <a:effectLst/>
+                <a:latin typeface=".SF NS"/>
+              </a:rPr>
+              <a:t>Rootward fashion</a:t>
+            </a:r>
+          </a:p>
+        </p:txBody>
+      </p:sp>
+    </p:spTree>
+    <p:extLst>
+      <p:ext uri="{BB962C8B-B14F-4D97-AF65-F5344CB8AC3E}">
+        <p14:creationId xmlns:p14="http://schemas.microsoft.com/office/powerpoint/2010/main" val="3623035825"/>
+      </p:ext>
+    </p:extLst>
+  </p:cSld>
+  <p:clrMapOvr>
+    <a:masterClrMapping/>
+  </p:clrMapOvr>
+</p:sld>
+</file>
+
+<file path=ppt/slides/slide17.xml><?xml version="1.0" encoding="utf-8"?>
+<p:sld xmlns:a="http://schemas.openxmlformats.org/drawingml/2006/main" xmlns:r="http://schemas.openxmlformats.org/officeDocument/2006/relationships" xmlns:p="http://schemas.openxmlformats.org/presentationml/2006/main">
+  <p:cSld>
+    <p:spTree>
+      <p:nvGrpSpPr>
+        <p:cNvPr id="1" name=""/>
+        <p:cNvGrpSpPr/>
+        <p:nvPr/>
+      </p:nvGrpSpPr>
+      <p:grpSpPr>
+        <a:xfrm>
+          <a:off x="0" y="0"/>
+          <a:ext cx="0" cy="0"/>
+          <a:chOff x="0" y="0"/>
+          <a:chExt cx="0" cy="0"/>
+        </a:xfrm>
+      </p:grpSpPr>
+      <p:pic>
+        <p:nvPicPr>
+          <p:cNvPr id="9" name="Picture 8">
+            <a:extLst>
+              <a:ext uri="{FF2B5EF4-FFF2-40B4-BE49-F238E27FC236}">
+                <a16:creationId xmlns:a16="http://schemas.microsoft.com/office/drawing/2014/main" id="{1F1D125B-EB44-80B3-AA70-05D4B6EF0A86}"/>
+              </a:ext>
+            </a:extLst>
+          </p:cNvPr>
+          <p:cNvPicPr>
+            <a:picLocks noChangeAspect="1"/>
+          </p:cNvPicPr>
+          <p:nvPr/>
+        </p:nvPicPr>
+        <p:blipFill>
+          <a:blip r:embed="rId2"/>
+          <a:stretch>
+            <a:fillRect/>
+          </a:stretch>
+        </p:blipFill>
+        <p:spPr>
+          <a:xfrm>
+            <a:off x="455476" y="1959181"/>
+            <a:ext cx="11393394" cy="4789233"/>
+          </a:xfrm>
+          <a:prstGeom prst="rect">
+            <a:avLst/>
+          </a:prstGeom>
+        </p:spPr>
+      </p:pic>
+      <p:sp>
+        <p:nvSpPr>
+          <p:cNvPr id="2" name="Title 1">
+            <a:extLst>
+              <a:ext uri="{FF2B5EF4-FFF2-40B4-BE49-F238E27FC236}">
+                <a16:creationId xmlns:a16="http://schemas.microsoft.com/office/drawing/2014/main" id="{9BFAFCD8-7165-B551-B749-67C739ACDDFA}"/>
+              </a:ext>
+            </a:extLst>
+          </p:cNvPr>
+          <p:cNvSpPr>
+            <a:spLocks noGrp="1"/>
+          </p:cNvSpPr>
+          <p:nvPr>
+            <p:ph type="title"/>
+          </p:nvPr>
+        </p:nvSpPr>
+        <p:spPr/>
+        <p:txBody>
+          <a:bodyPr/>
+          <a:lstStyle/>
+          <a:p>
+            <a:r>
+              <a:rPr lang="en-US" dirty="0"/>
+              <a:t>Running Cactus</a:t>
+            </a:r>
+          </a:p>
+        </p:txBody>
+      </p:sp>
+      <p:sp>
+        <p:nvSpPr>
+          <p:cNvPr id="8" name="Content Placeholder 2">
+            <a:extLst>
+              <a:ext uri="{FF2B5EF4-FFF2-40B4-BE49-F238E27FC236}">
+                <a16:creationId xmlns:a16="http://schemas.microsoft.com/office/drawing/2014/main" id="{8BE446F8-2286-F821-19A7-ADC43AD1EE89}"/>
+              </a:ext>
+            </a:extLst>
+          </p:cNvPr>
+          <p:cNvSpPr txBox="1">
+            <a:spLocks/>
+          </p:cNvSpPr>
+          <p:nvPr/>
+        </p:nvSpPr>
+        <p:spPr>
+          <a:xfrm>
+            <a:off x="455476" y="1994072"/>
+            <a:ext cx="3424546" cy="1725312"/>
+          </a:xfrm>
+          <a:prstGeom prst="rect">
+            <a:avLst/>
+          </a:prstGeom>
+          <a:solidFill>
+            <a:schemeClr val="tx2">
+              <a:lumMod val="20000"/>
+              <a:lumOff val="80000"/>
+            </a:schemeClr>
+          </a:solidFill>
+          <a:ln>
+            <a:solidFill>
+              <a:schemeClr val="accent1"/>
+            </a:solidFill>
+          </a:ln>
+        </p:spPr>
+        <p:txBody>
+          <a:bodyPr vert="horz" lIns="91440" tIns="45720" rIns="91440" bIns="45720" rtlCol="0" anchor="ctr">
+            <a:normAutofit/>
+          </a:bodyPr>
+          <a:lstStyle>
+            <a:lvl1pPr marL="306000" indent="-306000" algn="l" defTabSz="457200" rtl="0" eaLnBrk="1" latinLnBrk="0" hangingPunct="1">
+              <a:spcBef>
+                <a:spcPct val="20000"/>
+              </a:spcBef>
+              <a:spcAft>
+                <a:spcPts val="600"/>
+              </a:spcAft>
+              <a:buClr>
+                <a:schemeClr val="accent2"/>
+              </a:buClr>
+              <a:buSzPct val="92000"/>
+              <a:buFont typeface="Wingdings 2" panose="05020102010507070707" pitchFamily="18" charset="2"/>
+              <a:buChar char=""/>
+              <a:defRPr sz="1800" kern="1200">
+                <a:solidFill>
+                  <a:schemeClr val="tx2"/>
+                </a:solidFill>
+                <a:latin typeface="+mn-lt"/>
+                <a:ea typeface="+mn-ea"/>
+                <a:cs typeface="+mn-cs"/>
+              </a:defRPr>
+            </a:lvl1pPr>
+            <a:lvl2pPr marL="630000" indent="-306000" algn="l" defTabSz="457200" rtl="0" eaLnBrk="1" latinLnBrk="0" hangingPunct="1">
+              <a:spcBef>
+                <a:spcPct val="20000"/>
+              </a:spcBef>
+              <a:spcAft>
+                <a:spcPts val="600"/>
+              </a:spcAft>
+              <a:buClr>
+                <a:schemeClr val="accent2"/>
+              </a:buClr>
+              <a:buSzPct val="92000"/>
+              <a:buFont typeface="Wingdings 2" panose="05020102010507070707" pitchFamily="18" charset="2"/>
+              <a:buChar char=""/>
+              <a:defRPr sz="1600" kern="1200">
+                <a:solidFill>
+                  <a:schemeClr val="tx2"/>
+                </a:solidFill>
+                <a:latin typeface="+mn-lt"/>
+                <a:ea typeface="+mn-ea"/>
+                <a:cs typeface="+mn-cs"/>
+              </a:defRPr>
+            </a:lvl2pPr>
+            <a:lvl3pPr marL="900000" indent="-270000" algn="l" defTabSz="457200" rtl="0" eaLnBrk="1" latinLnBrk="0" hangingPunct="1">
+              <a:spcBef>
+                <a:spcPct val="20000"/>
+              </a:spcBef>
+              <a:spcAft>
+                <a:spcPts val="600"/>
+              </a:spcAft>
+              <a:buClr>
+                <a:schemeClr val="accent2"/>
+              </a:buClr>
+              <a:buSzPct val="92000"/>
+              <a:buFont typeface="Wingdings 2" panose="05020102010507070707" pitchFamily="18" charset="2"/>
+              <a:buChar char=""/>
+              <a:defRPr sz="1400" kern="1200">
+                <a:solidFill>
+                  <a:schemeClr val="tx2"/>
+                </a:solidFill>
+                <a:latin typeface="+mn-lt"/>
+                <a:ea typeface="+mn-ea"/>
+                <a:cs typeface="+mn-cs"/>
+              </a:defRPr>
+            </a:lvl3pPr>
+            <a:lvl4pPr marL="1242000" indent="-234000" algn="l" defTabSz="457200" rtl="0" eaLnBrk="1" latinLnBrk="0" hangingPunct="1">
+              <a:spcBef>
+                <a:spcPct val="20000"/>
+              </a:spcBef>
+              <a:spcAft>
+                <a:spcPts val="600"/>
+              </a:spcAft>
+              <a:buClr>
+                <a:schemeClr val="accent2"/>
+              </a:buClr>
+              <a:buSzPct val="92000"/>
+              <a:buFont typeface="Wingdings 2" panose="05020102010507070707" pitchFamily="18" charset="2"/>
+              <a:buChar char=""/>
+              <a:defRPr sz="1200" kern="1200">
+                <a:solidFill>
+                  <a:schemeClr val="tx2"/>
+                </a:solidFill>
+                <a:latin typeface="+mn-lt"/>
+                <a:ea typeface="+mn-ea"/>
+                <a:cs typeface="+mn-cs"/>
+              </a:defRPr>
+            </a:lvl4pPr>
+            <a:lvl5pPr marL="1602000" indent="-234000" algn="l" defTabSz="457200" rtl="0" eaLnBrk="1" latinLnBrk="0" hangingPunct="1">
+              <a:spcBef>
+                <a:spcPct val="20000"/>
+              </a:spcBef>
+              <a:spcAft>
+                <a:spcPts val="600"/>
+              </a:spcAft>
+              <a:buClr>
+                <a:schemeClr val="accent2"/>
+              </a:buClr>
+              <a:buSzPct val="92000"/>
+              <a:buFont typeface="Wingdings 2" panose="05020102010507070707" pitchFamily="18" charset="2"/>
+              <a:buChar char=""/>
+              <a:defRPr sz="1200" kern="1200">
+                <a:solidFill>
+                  <a:schemeClr val="tx2"/>
+                </a:solidFill>
+                <a:latin typeface="+mn-lt"/>
+                <a:ea typeface="+mn-ea"/>
+                <a:cs typeface="+mn-cs"/>
+              </a:defRPr>
+            </a:lvl5pPr>
+            <a:lvl6pPr marL="1900000" indent="-228600" algn="l" defTabSz="457200" rtl="0" eaLnBrk="1" latinLnBrk="0" hangingPunct="1">
+              <a:spcBef>
+                <a:spcPct val="20000"/>
+              </a:spcBef>
+              <a:spcAft>
+                <a:spcPts val="600"/>
+              </a:spcAft>
+              <a:buClr>
+                <a:schemeClr val="accent2"/>
+              </a:buClr>
+              <a:buSzPct val="92000"/>
+              <a:buFont typeface="Wingdings 2" panose="05020102010507070707" pitchFamily="18" charset="2"/>
+              <a:buChar char=""/>
+              <a:defRPr sz="1200" kern="1200">
+                <a:solidFill>
+                  <a:schemeClr val="tx2"/>
+                </a:solidFill>
+                <a:latin typeface="+mn-lt"/>
+                <a:ea typeface="+mn-ea"/>
+                <a:cs typeface="+mn-cs"/>
+              </a:defRPr>
+            </a:lvl6pPr>
+            <a:lvl7pPr marL="2200000" indent="-228600" algn="l" defTabSz="457200" rtl="0" eaLnBrk="1" latinLnBrk="0" hangingPunct="1">
+              <a:spcBef>
+                <a:spcPct val="20000"/>
+              </a:spcBef>
+              <a:spcAft>
+                <a:spcPts val="600"/>
+              </a:spcAft>
+              <a:buClr>
+                <a:schemeClr val="accent2"/>
+              </a:buClr>
+              <a:buSzPct val="92000"/>
+              <a:buFont typeface="Wingdings 2" panose="05020102010507070707" pitchFamily="18" charset="2"/>
+              <a:buChar char=""/>
+              <a:defRPr sz="1200" kern="1200">
+                <a:solidFill>
+                  <a:schemeClr val="tx2"/>
+                </a:solidFill>
+                <a:latin typeface="+mn-lt"/>
+                <a:ea typeface="+mn-ea"/>
+                <a:cs typeface="+mn-cs"/>
+              </a:defRPr>
+            </a:lvl7pPr>
+            <a:lvl8pPr marL="2500000" indent="-228600" algn="l" defTabSz="457200" rtl="0" eaLnBrk="1" latinLnBrk="0" hangingPunct="1">
+              <a:spcBef>
+                <a:spcPct val="20000"/>
+              </a:spcBef>
+              <a:spcAft>
+                <a:spcPts val="600"/>
+              </a:spcAft>
+              <a:buClr>
+                <a:schemeClr val="accent2"/>
+              </a:buClr>
+              <a:buSzPct val="92000"/>
+              <a:buFont typeface="Wingdings 2" panose="05020102010507070707" pitchFamily="18" charset="2"/>
+              <a:buChar char=""/>
+              <a:defRPr sz="1200" kern="1200">
+                <a:solidFill>
+                  <a:schemeClr val="tx2"/>
+                </a:solidFill>
+                <a:latin typeface="+mn-lt"/>
+                <a:ea typeface="+mn-ea"/>
+                <a:cs typeface="+mn-cs"/>
+              </a:defRPr>
+            </a:lvl8pPr>
+            <a:lvl9pPr marL="2800000" indent="-228600" algn="l" defTabSz="457200" rtl="0" eaLnBrk="1" latinLnBrk="0" hangingPunct="1">
+              <a:spcBef>
+                <a:spcPct val="20000"/>
+              </a:spcBef>
+              <a:spcAft>
+                <a:spcPts val="600"/>
+              </a:spcAft>
+              <a:buClr>
+                <a:schemeClr val="accent2"/>
+              </a:buClr>
+              <a:buSzPct val="92000"/>
+              <a:buFont typeface="Wingdings 2" panose="05020102010507070707" pitchFamily="18" charset="2"/>
+              <a:buChar char=""/>
+              <a:defRPr sz="1200" kern="1200">
+                <a:solidFill>
+                  <a:schemeClr val="tx2"/>
+                </a:solidFill>
+                <a:latin typeface="+mn-lt"/>
+                <a:ea typeface="+mn-ea"/>
+                <a:cs typeface="+mn-cs"/>
+              </a:defRPr>
+            </a:lvl9pPr>
+          </a:lstStyle>
+          <a:p>
+            <a:r>
+              <a:rPr lang="en-GB" dirty="0">
+                <a:solidFill>
+                  <a:srgbClr val="000000"/>
+                </a:solidFill>
+                <a:effectLst/>
+                <a:latin typeface=".SF NS"/>
+              </a:rPr>
+              <a:t>Minimal Pipeline </a:t>
+            </a:r>
+          </a:p>
+          <a:p>
+            <a:r>
+              <a:rPr lang="en-GB" dirty="0">
+                <a:solidFill>
+                  <a:srgbClr val="000000"/>
+                </a:solidFill>
+                <a:effectLst/>
+                <a:latin typeface=".SF NS"/>
+              </a:rPr>
+              <a:t>Cactus-Blast (input: FASTA file) </a:t>
+            </a:r>
+          </a:p>
+          <a:p>
+            <a:r>
+              <a:rPr lang="en-GB" dirty="0">
+                <a:solidFill>
+                  <a:srgbClr val="000000"/>
+                </a:solidFill>
+                <a:effectLst/>
+                <a:latin typeface=".SF NS"/>
+              </a:rPr>
+              <a:t>Cactus-Align </a:t>
+            </a:r>
+          </a:p>
+          <a:p>
+            <a:r>
+              <a:rPr lang="en-GB" dirty="0">
+                <a:solidFill>
+                  <a:srgbClr val="000000"/>
+                </a:solidFill>
+                <a:effectLst/>
+                <a:latin typeface=".SF NS"/>
+              </a:rPr>
+              <a:t>Hal2fasta (output: FASTA file)</a:t>
+            </a:r>
+          </a:p>
+        </p:txBody>
+      </p:sp>
+    </p:spTree>
+    <p:extLst>
+      <p:ext uri="{BB962C8B-B14F-4D97-AF65-F5344CB8AC3E}">
+        <p14:creationId xmlns:p14="http://schemas.microsoft.com/office/powerpoint/2010/main" val="2828152371"/>
+      </p:ext>
+    </p:extLst>
+  </p:cSld>
+  <p:clrMapOvr>
+    <a:masterClrMapping/>
+  </p:clrMapOvr>
+</p:sld>
+</file>
+
+<file path=ppt/slides/slide18.xml><?xml version="1.0" encoding="utf-8"?>
+<p:sld xmlns:a="http://schemas.openxmlformats.org/drawingml/2006/main" xmlns:r="http://schemas.openxmlformats.org/officeDocument/2006/relationships" xmlns:p="http://schemas.openxmlformats.org/presentationml/2006/main">
+  <p:cSld>
+    <p:spTree>
+      <p:nvGrpSpPr>
+        <p:cNvPr id="1" name=""/>
+        <p:cNvGrpSpPr/>
+        <p:nvPr/>
+      </p:nvGrpSpPr>
+      <p:grpSpPr>
+        <a:xfrm>
+          <a:off x="0" y="0"/>
+          <a:ext cx="0" cy="0"/>
+          <a:chOff x="0" y="0"/>
+          <a:chExt cx="0" cy="0"/>
+        </a:xfrm>
+      </p:grpSpPr>
+      <p:sp>
+        <p:nvSpPr>
+          <p:cNvPr id="2" name="Title 1">
+            <a:extLst>
+              <a:ext uri="{FF2B5EF4-FFF2-40B4-BE49-F238E27FC236}">
+                <a16:creationId xmlns:a16="http://schemas.microsoft.com/office/drawing/2014/main" id="{9BFAFCD8-7165-B551-B749-67C739ACDDFA}"/>
+              </a:ext>
+            </a:extLst>
+          </p:cNvPr>
+          <p:cNvSpPr>
+            <a:spLocks noGrp="1"/>
+          </p:cNvSpPr>
+          <p:nvPr>
+            <p:ph type="title"/>
+          </p:nvPr>
+        </p:nvSpPr>
+        <p:spPr/>
+        <p:txBody>
+          <a:bodyPr/>
+          <a:lstStyle/>
+          <a:p>
+            <a:r>
+              <a:rPr lang="en-US" dirty="0"/>
+              <a:t>Running Cactus</a:t>
+            </a:r>
+          </a:p>
+        </p:txBody>
+      </p:sp>
+      <p:pic>
+        <p:nvPicPr>
+          <p:cNvPr id="9" name="Picture 8">
+            <a:extLst>
+              <a:ext uri="{FF2B5EF4-FFF2-40B4-BE49-F238E27FC236}">
+                <a16:creationId xmlns:a16="http://schemas.microsoft.com/office/drawing/2014/main" id="{1F1D125B-EB44-80B3-AA70-05D4B6EF0A86}"/>
+              </a:ext>
+            </a:extLst>
+          </p:cNvPr>
+          <p:cNvPicPr>
+            <a:picLocks noChangeAspect="1"/>
+          </p:cNvPicPr>
+          <p:nvPr/>
+        </p:nvPicPr>
+        <p:blipFill>
+          <a:blip r:embed="rId2"/>
+          <a:stretch>
+            <a:fillRect/>
+          </a:stretch>
+        </p:blipFill>
+        <p:spPr>
+          <a:xfrm>
+            <a:off x="455476" y="1959181"/>
+            <a:ext cx="11393394" cy="4789233"/>
+          </a:xfrm>
+          <a:prstGeom prst="rect">
+            <a:avLst/>
+          </a:prstGeom>
+        </p:spPr>
+      </p:pic>
+      <p:sp>
+        <p:nvSpPr>
+          <p:cNvPr id="8" name="Content Placeholder 2">
+            <a:extLst>
+              <a:ext uri="{FF2B5EF4-FFF2-40B4-BE49-F238E27FC236}">
+                <a16:creationId xmlns:a16="http://schemas.microsoft.com/office/drawing/2014/main" id="{8BE446F8-2286-F821-19A7-ADC43AD1EE89}"/>
+              </a:ext>
+            </a:extLst>
+          </p:cNvPr>
+          <p:cNvSpPr txBox="1">
+            <a:spLocks/>
+          </p:cNvSpPr>
+          <p:nvPr/>
+        </p:nvSpPr>
+        <p:spPr>
+          <a:xfrm>
+            <a:off x="455476" y="1994072"/>
+            <a:ext cx="3424546" cy="1725312"/>
+          </a:xfrm>
+          <a:prstGeom prst="rect">
+            <a:avLst/>
+          </a:prstGeom>
+          <a:solidFill>
+            <a:schemeClr val="tx2">
+              <a:lumMod val="20000"/>
+              <a:lumOff val="80000"/>
+            </a:schemeClr>
+          </a:solidFill>
+          <a:ln>
+            <a:solidFill>
+              <a:schemeClr val="accent1"/>
+            </a:solidFill>
+          </a:ln>
+        </p:spPr>
+        <p:txBody>
+          <a:bodyPr vert="horz" lIns="91440" tIns="45720" rIns="91440" bIns="45720" rtlCol="0" anchor="ctr">
+            <a:normAutofit/>
+          </a:bodyPr>
+          <a:lstStyle>
+            <a:lvl1pPr marL="306000" indent="-306000" algn="l" defTabSz="457200" rtl="0" eaLnBrk="1" latinLnBrk="0" hangingPunct="1">
+              <a:spcBef>
+                <a:spcPct val="20000"/>
+              </a:spcBef>
+              <a:spcAft>
+                <a:spcPts val="600"/>
+              </a:spcAft>
+              <a:buClr>
+                <a:schemeClr val="accent2"/>
+              </a:buClr>
+              <a:buSzPct val="92000"/>
+              <a:buFont typeface="Wingdings 2" panose="05020102010507070707" pitchFamily="18" charset="2"/>
+              <a:buChar char=""/>
+              <a:defRPr sz="1800" kern="1200">
+                <a:solidFill>
+                  <a:schemeClr val="tx2"/>
+                </a:solidFill>
+                <a:latin typeface="+mn-lt"/>
+                <a:ea typeface="+mn-ea"/>
+                <a:cs typeface="+mn-cs"/>
+              </a:defRPr>
+            </a:lvl1pPr>
+            <a:lvl2pPr marL="630000" indent="-306000" algn="l" defTabSz="457200" rtl="0" eaLnBrk="1" latinLnBrk="0" hangingPunct="1">
+              <a:spcBef>
+                <a:spcPct val="20000"/>
+              </a:spcBef>
+              <a:spcAft>
+                <a:spcPts val="600"/>
+              </a:spcAft>
+              <a:buClr>
+                <a:schemeClr val="accent2"/>
+              </a:buClr>
+              <a:buSzPct val="92000"/>
+              <a:buFont typeface="Wingdings 2" panose="05020102010507070707" pitchFamily="18" charset="2"/>
+              <a:buChar char=""/>
+              <a:defRPr sz="1600" kern="1200">
+                <a:solidFill>
+                  <a:schemeClr val="tx2"/>
+                </a:solidFill>
+                <a:latin typeface="+mn-lt"/>
+                <a:ea typeface="+mn-ea"/>
+                <a:cs typeface="+mn-cs"/>
+              </a:defRPr>
+            </a:lvl2pPr>
+            <a:lvl3pPr marL="900000" indent="-270000" algn="l" defTabSz="457200" rtl="0" eaLnBrk="1" latinLnBrk="0" hangingPunct="1">
+              <a:spcBef>
+                <a:spcPct val="20000"/>
+              </a:spcBef>
+              <a:spcAft>
+                <a:spcPts val="600"/>
+              </a:spcAft>
+              <a:buClr>
+                <a:schemeClr val="accent2"/>
+              </a:buClr>
+              <a:buSzPct val="92000"/>
+              <a:buFont typeface="Wingdings 2" panose="05020102010507070707" pitchFamily="18" charset="2"/>
+              <a:buChar char=""/>
+              <a:defRPr sz="1400" kern="1200">
+                <a:solidFill>
+                  <a:schemeClr val="tx2"/>
+                </a:solidFill>
+                <a:latin typeface="+mn-lt"/>
+                <a:ea typeface="+mn-ea"/>
+                <a:cs typeface="+mn-cs"/>
+              </a:defRPr>
+            </a:lvl3pPr>
+            <a:lvl4pPr marL="1242000" indent="-234000" algn="l" defTabSz="457200" rtl="0" eaLnBrk="1" latinLnBrk="0" hangingPunct="1">
+              <a:spcBef>
+                <a:spcPct val="20000"/>
+              </a:spcBef>
+              <a:spcAft>
+                <a:spcPts val="600"/>
+              </a:spcAft>
+              <a:buClr>
+                <a:schemeClr val="accent2"/>
+              </a:buClr>
+              <a:buSzPct val="92000"/>
+              <a:buFont typeface="Wingdings 2" panose="05020102010507070707" pitchFamily="18" charset="2"/>
+              <a:buChar char=""/>
+              <a:defRPr sz="1200" kern="1200">
+                <a:solidFill>
+                  <a:schemeClr val="tx2"/>
+                </a:solidFill>
+                <a:latin typeface="+mn-lt"/>
+                <a:ea typeface="+mn-ea"/>
+                <a:cs typeface="+mn-cs"/>
+              </a:defRPr>
+            </a:lvl4pPr>
+            <a:lvl5pPr marL="1602000" indent="-234000" algn="l" defTabSz="457200" rtl="0" eaLnBrk="1" latinLnBrk="0" hangingPunct="1">
+              <a:spcBef>
+                <a:spcPct val="20000"/>
+              </a:spcBef>
+              <a:spcAft>
+                <a:spcPts val="600"/>
+              </a:spcAft>
+              <a:buClr>
+                <a:schemeClr val="accent2"/>
+              </a:buClr>
+              <a:buSzPct val="92000"/>
+              <a:buFont typeface="Wingdings 2" panose="05020102010507070707" pitchFamily="18" charset="2"/>
+              <a:buChar char=""/>
+              <a:defRPr sz="1200" kern="1200">
+                <a:solidFill>
+                  <a:schemeClr val="tx2"/>
+                </a:solidFill>
+                <a:latin typeface="+mn-lt"/>
+                <a:ea typeface="+mn-ea"/>
+                <a:cs typeface="+mn-cs"/>
+              </a:defRPr>
+            </a:lvl5pPr>
+            <a:lvl6pPr marL="1900000" indent="-228600" algn="l" defTabSz="457200" rtl="0" eaLnBrk="1" latinLnBrk="0" hangingPunct="1">
+              <a:spcBef>
+                <a:spcPct val="20000"/>
+              </a:spcBef>
+              <a:spcAft>
+                <a:spcPts val="600"/>
+              </a:spcAft>
+              <a:buClr>
+                <a:schemeClr val="accent2"/>
+              </a:buClr>
+              <a:buSzPct val="92000"/>
+              <a:buFont typeface="Wingdings 2" panose="05020102010507070707" pitchFamily="18" charset="2"/>
+              <a:buChar char=""/>
+              <a:defRPr sz="1200" kern="1200">
+                <a:solidFill>
+                  <a:schemeClr val="tx2"/>
+                </a:solidFill>
+                <a:latin typeface="+mn-lt"/>
+                <a:ea typeface="+mn-ea"/>
+                <a:cs typeface="+mn-cs"/>
+              </a:defRPr>
+            </a:lvl6pPr>
+            <a:lvl7pPr marL="2200000" indent="-228600" algn="l" defTabSz="457200" rtl="0" eaLnBrk="1" latinLnBrk="0" hangingPunct="1">
+              <a:spcBef>
+                <a:spcPct val="20000"/>
+              </a:spcBef>
+              <a:spcAft>
+                <a:spcPts val="600"/>
+              </a:spcAft>
+              <a:buClr>
+                <a:schemeClr val="accent2"/>
+              </a:buClr>
+              <a:buSzPct val="92000"/>
+              <a:buFont typeface="Wingdings 2" panose="05020102010507070707" pitchFamily="18" charset="2"/>
+              <a:buChar char=""/>
+              <a:defRPr sz="1200" kern="1200">
+                <a:solidFill>
+                  <a:schemeClr val="tx2"/>
+                </a:solidFill>
+                <a:latin typeface="+mn-lt"/>
+                <a:ea typeface="+mn-ea"/>
+                <a:cs typeface="+mn-cs"/>
+              </a:defRPr>
+            </a:lvl7pPr>
+            <a:lvl8pPr marL="2500000" indent="-228600" algn="l" defTabSz="457200" rtl="0" eaLnBrk="1" latinLnBrk="0" hangingPunct="1">
+              <a:spcBef>
+                <a:spcPct val="20000"/>
+              </a:spcBef>
+              <a:spcAft>
+                <a:spcPts val="600"/>
+              </a:spcAft>
+              <a:buClr>
+                <a:schemeClr val="accent2"/>
+              </a:buClr>
+              <a:buSzPct val="92000"/>
+              <a:buFont typeface="Wingdings 2" panose="05020102010507070707" pitchFamily="18" charset="2"/>
+              <a:buChar char=""/>
+              <a:defRPr sz="1200" kern="1200">
+                <a:solidFill>
+                  <a:schemeClr val="tx2"/>
+                </a:solidFill>
+                <a:latin typeface="+mn-lt"/>
+                <a:ea typeface="+mn-ea"/>
+                <a:cs typeface="+mn-cs"/>
+              </a:defRPr>
+            </a:lvl8pPr>
+            <a:lvl9pPr marL="2800000" indent="-228600" algn="l" defTabSz="457200" rtl="0" eaLnBrk="1" latinLnBrk="0" hangingPunct="1">
+              <a:spcBef>
+                <a:spcPct val="20000"/>
+              </a:spcBef>
+              <a:spcAft>
+                <a:spcPts val="600"/>
+              </a:spcAft>
+              <a:buClr>
+                <a:schemeClr val="accent2"/>
+              </a:buClr>
+              <a:buSzPct val="92000"/>
+              <a:buFont typeface="Wingdings 2" panose="05020102010507070707" pitchFamily="18" charset="2"/>
+              <a:buChar char=""/>
+              <a:defRPr sz="1200" kern="1200">
+                <a:solidFill>
+                  <a:schemeClr val="tx2"/>
+                </a:solidFill>
+                <a:latin typeface="+mn-lt"/>
+                <a:ea typeface="+mn-ea"/>
+                <a:cs typeface="+mn-cs"/>
+              </a:defRPr>
+            </a:lvl9pPr>
+          </a:lstStyle>
+          <a:p>
+            <a:r>
+              <a:rPr lang="en-GB" dirty="0">
+                <a:solidFill>
+                  <a:srgbClr val="000000"/>
+                </a:solidFill>
+                <a:effectLst/>
+                <a:latin typeface=".SF NS"/>
+              </a:rPr>
+              <a:t>Minimal Cactus Pipeline </a:t>
+            </a:r>
+          </a:p>
+          <a:p>
+            <a:pPr lvl="1"/>
+            <a:r>
+              <a:rPr lang="en-GB" dirty="0">
+                <a:solidFill>
+                  <a:srgbClr val="000000"/>
+                </a:solidFill>
+                <a:effectLst/>
+                <a:latin typeface=".SF NS"/>
+              </a:rPr>
+              <a:t>Cactus-blast </a:t>
+            </a:r>
+          </a:p>
+          <a:p>
+            <a:pPr lvl="1"/>
+            <a:r>
+              <a:rPr lang="en-GB" dirty="0">
+                <a:solidFill>
+                  <a:srgbClr val="000000"/>
+                </a:solidFill>
+                <a:effectLst/>
+                <a:latin typeface=".SF NS"/>
+              </a:rPr>
+              <a:t>Cactus-align </a:t>
+            </a:r>
+          </a:p>
+          <a:p>
+            <a:pPr lvl="1"/>
+            <a:r>
+              <a:rPr lang="en-GB" dirty="0">
+                <a:solidFill>
+                  <a:srgbClr val="000000"/>
+                </a:solidFill>
+                <a:effectLst/>
+                <a:latin typeface=".SF NS"/>
+              </a:rPr>
+              <a:t>hal2fasta</a:t>
+            </a:r>
+          </a:p>
+        </p:txBody>
+      </p:sp>
+    </p:spTree>
+    <p:extLst>
+      <p:ext uri="{BB962C8B-B14F-4D97-AF65-F5344CB8AC3E}">
+        <p14:creationId xmlns:p14="http://schemas.microsoft.com/office/powerpoint/2010/main" val="1980101888"/>
+      </p:ext>
+    </p:extLst>
+  </p:cSld>
+  <p:clrMapOvr>
+    <a:masterClrMapping/>
+  </p:clrMapOvr>
+</p:sld>
+</file>
+
+<file path=ppt/slides/slide19.xml><?xml version="1.0" encoding="utf-8"?>
+<p:sld xmlns:a="http://schemas.openxmlformats.org/drawingml/2006/main" xmlns:r="http://schemas.openxmlformats.org/officeDocument/2006/relationships" xmlns:p="http://schemas.openxmlformats.org/presentationml/2006/main">
+  <p:cSld>
+    <p:spTree>
+      <p:nvGrpSpPr>
+        <p:cNvPr id="1" name=""/>
+        <p:cNvGrpSpPr/>
+        <p:nvPr/>
+      </p:nvGrpSpPr>
+      <p:grpSpPr>
+        <a:xfrm>
+          <a:off x="0" y="0"/>
+          <a:ext cx="0" cy="0"/>
+          <a:chOff x="0" y="0"/>
+          <a:chExt cx="0" cy="0"/>
+        </a:xfrm>
+      </p:grpSpPr>
+      <p:sp>
+        <p:nvSpPr>
+          <p:cNvPr id="2" name="Title 1">
+            <a:extLst>
+              <a:ext uri="{FF2B5EF4-FFF2-40B4-BE49-F238E27FC236}">
+                <a16:creationId xmlns:a16="http://schemas.microsoft.com/office/drawing/2014/main" id="{9BFAFCD8-7165-B551-B749-67C739ACDDFA}"/>
+              </a:ext>
+            </a:extLst>
+          </p:cNvPr>
+          <p:cNvSpPr>
+            <a:spLocks noGrp="1"/>
+          </p:cNvSpPr>
+          <p:nvPr>
+            <p:ph type="title"/>
+          </p:nvPr>
+        </p:nvSpPr>
+        <p:spPr/>
+        <p:txBody>
+          <a:bodyPr/>
+          <a:lstStyle/>
+          <a:p>
+            <a:r>
+              <a:rPr lang="en-US" dirty="0"/>
+              <a:t>Running Cactus</a:t>
+            </a:r>
+          </a:p>
+        </p:txBody>
+      </p:sp>
+      <p:pic>
+        <p:nvPicPr>
+          <p:cNvPr id="4" name="Picture 3">
+            <a:extLst>
+              <a:ext uri="{FF2B5EF4-FFF2-40B4-BE49-F238E27FC236}">
+                <a16:creationId xmlns:a16="http://schemas.microsoft.com/office/drawing/2014/main" id="{C77406DB-6D84-1796-D814-BEBE9AB812F7}"/>
+              </a:ext>
+            </a:extLst>
+          </p:cNvPr>
+          <p:cNvPicPr>
+            <a:picLocks noChangeAspect="1"/>
+          </p:cNvPicPr>
+          <p:nvPr/>
+        </p:nvPicPr>
+        <p:blipFill>
+          <a:blip r:embed="rId2"/>
+          <a:stretch>
+            <a:fillRect/>
+          </a:stretch>
+        </p:blipFill>
+        <p:spPr>
+          <a:xfrm>
+            <a:off x="167584" y="2041587"/>
+            <a:ext cx="11142806" cy="4760808"/>
+          </a:xfrm>
+          <a:prstGeom prst="rect">
+            <a:avLst/>
+          </a:prstGeom>
+        </p:spPr>
+      </p:pic>
+      <p:sp>
+        <p:nvSpPr>
+          <p:cNvPr id="5" name="Content Placeholder 2">
+            <a:extLst>
+              <a:ext uri="{FF2B5EF4-FFF2-40B4-BE49-F238E27FC236}">
+                <a16:creationId xmlns:a16="http://schemas.microsoft.com/office/drawing/2014/main" id="{CB9F06F1-D61F-9790-B010-54ADCC25DB9A}"/>
+              </a:ext>
+            </a:extLst>
+          </p:cNvPr>
+          <p:cNvSpPr txBox="1">
+            <a:spLocks/>
+          </p:cNvSpPr>
+          <p:nvPr/>
+        </p:nvSpPr>
+        <p:spPr>
+          <a:xfrm>
+            <a:off x="6831563" y="1940011"/>
+            <a:ext cx="3424546" cy="1826888"/>
+          </a:xfrm>
+          <a:prstGeom prst="rect">
+            <a:avLst/>
+          </a:prstGeom>
+          <a:solidFill>
+            <a:schemeClr val="tx2">
+              <a:lumMod val="20000"/>
+              <a:lumOff val="80000"/>
+            </a:schemeClr>
+          </a:solidFill>
+          <a:ln>
+            <a:solidFill>
+              <a:schemeClr val="accent1"/>
+            </a:solidFill>
+          </a:ln>
+        </p:spPr>
+        <p:txBody>
+          <a:bodyPr vert="horz" lIns="91440" tIns="45720" rIns="91440" bIns="45720" rtlCol="0" anchor="ctr">
+            <a:normAutofit/>
+          </a:bodyPr>
+          <a:lstStyle>
+            <a:lvl1pPr marL="306000" indent="-306000" algn="l" defTabSz="457200" rtl="0" eaLnBrk="1" latinLnBrk="0" hangingPunct="1">
+              <a:spcBef>
+                <a:spcPct val="20000"/>
+              </a:spcBef>
+              <a:spcAft>
+                <a:spcPts val="600"/>
+              </a:spcAft>
+              <a:buClr>
+                <a:schemeClr val="accent2"/>
+              </a:buClr>
+              <a:buSzPct val="92000"/>
+              <a:buFont typeface="Wingdings 2" panose="05020102010507070707" pitchFamily="18" charset="2"/>
+              <a:buChar char=""/>
+              <a:defRPr sz="1800" kern="1200">
+                <a:solidFill>
+                  <a:schemeClr val="tx2"/>
+                </a:solidFill>
+                <a:latin typeface="+mn-lt"/>
+                <a:ea typeface="+mn-ea"/>
+                <a:cs typeface="+mn-cs"/>
+              </a:defRPr>
+            </a:lvl1pPr>
+            <a:lvl2pPr marL="630000" indent="-306000" algn="l" defTabSz="457200" rtl="0" eaLnBrk="1" latinLnBrk="0" hangingPunct="1">
+              <a:spcBef>
+                <a:spcPct val="20000"/>
+              </a:spcBef>
+              <a:spcAft>
+                <a:spcPts val="600"/>
+              </a:spcAft>
+              <a:buClr>
+                <a:schemeClr val="accent2"/>
+              </a:buClr>
+              <a:buSzPct val="92000"/>
+              <a:buFont typeface="Wingdings 2" panose="05020102010507070707" pitchFamily="18" charset="2"/>
+              <a:buChar char=""/>
+              <a:defRPr sz="1600" kern="1200">
+                <a:solidFill>
+                  <a:schemeClr val="tx2"/>
+                </a:solidFill>
+                <a:latin typeface="+mn-lt"/>
+                <a:ea typeface="+mn-ea"/>
+                <a:cs typeface="+mn-cs"/>
+              </a:defRPr>
+            </a:lvl2pPr>
+            <a:lvl3pPr marL="900000" indent="-270000" algn="l" defTabSz="457200" rtl="0" eaLnBrk="1" latinLnBrk="0" hangingPunct="1">
+              <a:spcBef>
+                <a:spcPct val="20000"/>
+              </a:spcBef>
+              <a:spcAft>
+                <a:spcPts val="600"/>
+              </a:spcAft>
+              <a:buClr>
+                <a:schemeClr val="accent2"/>
+              </a:buClr>
+              <a:buSzPct val="92000"/>
+              <a:buFont typeface="Wingdings 2" panose="05020102010507070707" pitchFamily="18" charset="2"/>
+              <a:buChar char=""/>
+              <a:defRPr sz="1400" kern="1200">
+                <a:solidFill>
+                  <a:schemeClr val="tx2"/>
+                </a:solidFill>
+                <a:latin typeface="+mn-lt"/>
+                <a:ea typeface="+mn-ea"/>
+                <a:cs typeface="+mn-cs"/>
+              </a:defRPr>
+            </a:lvl3pPr>
+            <a:lvl4pPr marL="1242000" indent="-234000" algn="l" defTabSz="457200" rtl="0" eaLnBrk="1" latinLnBrk="0" hangingPunct="1">
+              <a:spcBef>
+                <a:spcPct val="20000"/>
+              </a:spcBef>
+              <a:spcAft>
+                <a:spcPts val="600"/>
+              </a:spcAft>
+              <a:buClr>
+                <a:schemeClr val="accent2"/>
+              </a:buClr>
+              <a:buSzPct val="92000"/>
+              <a:buFont typeface="Wingdings 2" panose="05020102010507070707" pitchFamily="18" charset="2"/>
+              <a:buChar char=""/>
+              <a:defRPr sz="1200" kern="1200">
+                <a:solidFill>
+                  <a:schemeClr val="tx2"/>
+                </a:solidFill>
+                <a:latin typeface="+mn-lt"/>
+                <a:ea typeface="+mn-ea"/>
+                <a:cs typeface="+mn-cs"/>
+              </a:defRPr>
+            </a:lvl4pPr>
+            <a:lvl5pPr marL="1602000" indent="-234000" algn="l" defTabSz="457200" rtl="0" eaLnBrk="1" latinLnBrk="0" hangingPunct="1">
+              <a:spcBef>
+                <a:spcPct val="20000"/>
+              </a:spcBef>
+              <a:spcAft>
+                <a:spcPts val="600"/>
+              </a:spcAft>
+              <a:buClr>
+                <a:schemeClr val="accent2"/>
+              </a:buClr>
+              <a:buSzPct val="92000"/>
+              <a:buFont typeface="Wingdings 2" panose="05020102010507070707" pitchFamily="18" charset="2"/>
+              <a:buChar char=""/>
+              <a:defRPr sz="1200" kern="1200">
+                <a:solidFill>
+                  <a:schemeClr val="tx2"/>
+                </a:solidFill>
+                <a:latin typeface="+mn-lt"/>
+                <a:ea typeface="+mn-ea"/>
+                <a:cs typeface="+mn-cs"/>
+              </a:defRPr>
+            </a:lvl5pPr>
+            <a:lvl6pPr marL="1900000" indent="-228600" algn="l" defTabSz="457200" rtl="0" eaLnBrk="1" latinLnBrk="0" hangingPunct="1">
+              <a:spcBef>
+                <a:spcPct val="20000"/>
+              </a:spcBef>
+              <a:spcAft>
+                <a:spcPts val="600"/>
+              </a:spcAft>
+              <a:buClr>
+                <a:schemeClr val="accent2"/>
+              </a:buClr>
+              <a:buSzPct val="92000"/>
+              <a:buFont typeface="Wingdings 2" panose="05020102010507070707" pitchFamily="18" charset="2"/>
+              <a:buChar char=""/>
+              <a:defRPr sz="1200" kern="1200">
+                <a:solidFill>
+                  <a:schemeClr val="tx2"/>
+                </a:solidFill>
+                <a:latin typeface="+mn-lt"/>
+                <a:ea typeface="+mn-ea"/>
+                <a:cs typeface="+mn-cs"/>
+              </a:defRPr>
+            </a:lvl6pPr>
+            <a:lvl7pPr marL="2200000" indent="-228600" algn="l" defTabSz="457200" rtl="0" eaLnBrk="1" latinLnBrk="0" hangingPunct="1">
+              <a:spcBef>
+                <a:spcPct val="20000"/>
+              </a:spcBef>
+              <a:spcAft>
+                <a:spcPts val="600"/>
+              </a:spcAft>
+              <a:buClr>
+                <a:schemeClr val="accent2"/>
+              </a:buClr>
+              <a:buSzPct val="92000"/>
+              <a:buFont typeface="Wingdings 2" panose="05020102010507070707" pitchFamily="18" charset="2"/>
+              <a:buChar char=""/>
+              <a:defRPr sz="1200" kern="1200">
+                <a:solidFill>
+                  <a:schemeClr val="tx2"/>
+                </a:solidFill>
+                <a:latin typeface="+mn-lt"/>
+                <a:ea typeface="+mn-ea"/>
+                <a:cs typeface="+mn-cs"/>
+              </a:defRPr>
+            </a:lvl7pPr>
+            <a:lvl8pPr marL="2500000" indent="-228600" algn="l" defTabSz="457200" rtl="0" eaLnBrk="1" latinLnBrk="0" hangingPunct="1">
+              <a:spcBef>
+                <a:spcPct val="20000"/>
+              </a:spcBef>
+              <a:spcAft>
+                <a:spcPts val="600"/>
+              </a:spcAft>
+              <a:buClr>
+                <a:schemeClr val="accent2"/>
+              </a:buClr>
+              <a:buSzPct val="92000"/>
+              <a:buFont typeface="Wingdings 2" panose="05020102010507070707" pitchFamily="18" charset="2"/>
+              <a:buChar char=""/>
+              <a:defRPr sz="1200" kern="1200">
+                <a:solidFill>
+                  <a:schemeClr val="tx2"/>
+                </a:solidFill>
+                <a:latin typeface="+mn-lt"/>
+                <a:ea typeface="+mn-ea"/>
+                <a:cs typeface="+mn-cs"/>
+              </a:defRPr>
+            </a:lvl8pPr>
+            <a:lvl9pPr marL="2800000" indent="-228600" algn="l" defTabSz="457200" rtl="0" eaLnBrk="1" latinLnBrk="0" hangingPunct="1">
+              <a:spcBef>
+                <a:spcPct val="20000"/>
+              </a:spcBef>
+              <a:spcAft>
+                <a:spcPts val="600"/>
+              </a:spcAft>
+              <a:buClr>
+                <a:schemeClr val="accent2"/>
+              </a:buClr>
+              <a:buSzPct val="92000"/>
+              <a:buFont typeface="Wingdings 2" panose="05020102010507070707" pitchFamily="18" charset="2"/>
+              <a:buChar char=""/>
+              <a:defRPr sz="1200" kern="1200">
+                <a:solidFill>
+                  <a:schemeClr val="tx2"/>
+                </a:solidFill>
+                <a:latin typeface="+mn-lt"/>
+                <a:ea typeface="+mn-ea"/>
+                <a:cs typeface="+mn-cs"/>
+              </a:defRPr>
+            </a:lvl9pPr>
+          </a:lstStyle>
+          <a:p>
+            <a:r>
+              <a:rPr lang="en-GB" dirty="0">
+                <a:solidFill>
+                  <a:srgbClr val="000000"/>
+                </a:solidFill>
+                <a:effectLst/>
+                <a:latin typeface=".SF NS"/>
+              </a:rPr>
+              <a:t>Lepidoptera Example </a:t>
+            </a:r>
+          </a:p>
+          <a:p>
+            <a:pPr lvl="1"/>
+            <a:r>
+              <a:rPr lang="en-GB" dirty="0">
+                <a:solidFill>
+                  <a:srgbClr val="000000"/>
+                </a:solidFill>
+                <a:effectLst/>
+                <a:latin typeface=".SF NS"/>
+              </a:rPr>
+              <a:t>88 genomes </a:t>
+            </a:r>
+          </a:p>
+          <a:p>
+            <a:pPr lvl="1"/>
+            <a:r>
+              <a:rPr lang="en-GB" dirty="0">
+                <a:solidFill>
+                  <a:srgbClr val="000000"/>
+                </a:solidFill>
+                <a:effectLst/>
+                <a:latin typeface=".SF NS"/>
+              </a:rPr>
+              <a:t>19 levels (rounds)</a:t>
+            </a:r>
+          </a:p>
+          <a:p>
+            <a:pPr lvl="1"/>
+            <a:r>
+              <a:rPr lang="en-GB" dirty="0">
+                <a:solidFill>
+                  <a:srgbClr val="000000"/>
+                </a:solidFill>
+                <a:latin typeface=".SF NS"/>
+              </a:rPr>
+              <a:t>87 minimal cactus pipeline</a:t>
+            </a:r>
+            <a:r>
+              <a:rPr lang="en-GB" dirty="0">
+                <a:solidFill>
+                  <a:srgbClr val="000000"/>
+                </a:solidFill>
+                <a:effectLst/>
+                <a:latin typeface=".SF NS"/>
+              </a:rPr>
+              <a:t> </a:t>
+            </a:r>
+          </a:p>
+        </p:txBody>
+      </p:sp>
+      <p:sp>
+        <p:nvSpPr>
+          <p:cNvPr id="7" name="TextBox 6">
+            <a:extLst>
+              <a:ext uri="{FF2B5EF4-FFF2-40B4-BE49-F238E27FC236}">
+                <a16:creationId xmlns:a16="http://schemas.microsoft.com/office/drawing/2014/main" id="{4BC5FC67-81D5-EBB6-4368-3EC40B6FF61A}"/>
+              </a:ext>
+            </a:extLst>
+          </p:cNvPr>
+          <p:cNvSpPr txBox="1"/>
+          <p:nvPr/>
+        </p:nvSpPr>
+        <p:spPr>
+          <a:xfrm>
+            <a:off x="3049030" y="3244334"/>
+            <a:ext cx="6098058" cy="369332"/>
+          </a:xfrm>
+          <a:prstGeom prst="rect">
+            <a:avLst/>
+          </a:prstGeom>
+          <a:noFill/>
+        </p:spPr>
+        <p:txBody>
+          <a:bodyPr wrap="square">
+            <a:spAutoFit/>
+          </a:bodyPr>
+          <a:lstStyle/>
+          <a:p>
+            <a:r>
+              <a:rPr lang="en-US" dirty="0"/>
+              <a:t>47</a:t>
+            </a:r>
+          </a:p>
+        </p:txBody>
+      </p:sp>
+    </p:spTree>
+    <p:extLst>
+      <p:ext uri="{BB962C8B-B14F-4D97-AF65-F5344CB8AC3E}">
+        <p14:creationId xmlns:p14="http://schemas.microsoft.com/office/powerpoint/2010/main" val="500535831"/>
+      </p:ext>
+    </p:extLst>
+  </p:cSld>
+  <p:clrMapOvr>
+    <a:masterClrMapping/>
+  </p:clrMapOvr>
+</p:sld>
+</file>
+
 <file path=ppt/slides/slide2.xml><?xml version="1.0" encoding="utf-8"?>
 <p:sld xmlns:a="http://schemas.openxmlformats.org/drawingml/2006/main" xmlns:r="http://schemas.openxmlformats.org/officeDocument/2006/relationships" xmlns:p="http://schemas.openxmlformats.org/presentationml/2006/main">
   <p:cSld>
@@ -5340,6 +7369,4984 @@
     <p:extLst>
       <p:ext uri="{BB962C8B-B14F-4D97-AF65-F5344CB8AC3E}">
         <p14:creationId xmlns:p14="http://schemas.microsoft.com/office/powerpoint/2010/main" val="595833659"/>
+      </p:ext>
+    </p:extLst>
+  </p:cSld>
+  <p:clrMapOvr>
+    <a:masterClrMapping/>
+  </p:clrMapOvr>
+</p:sld>
+</file>
+
+<file path=ppt/slides/slide20.xml><?xml version="1.0" encoding="utf-8"?>
+<p:sld xmlns:a="http://schemas.openxmlformats.org/drawingml/2006/main" xmlns:r="http://schemas.openxmlformats.org/officeDocument/2006/relationships" xmlns:p="http://schemas.openxmlformats.org/presentationml/2006/main">
+  <p:cSld>
+    <p:spTree>
+      <p:nvGrpSpPr>
+        <p:cNvPr id="1" name=""/>
+        <p:cNvGrpSpPr/>
+        <p:nvPr/>
+      </p:nvGrpSpPr>
+      <p:grpSpPr>
+        <a:xfrm>
+          <a:off x="0" y="0"/>
+          <a:ext cx="0" cy="0"/>
+          <a:chOff x="0" y="0"/>
+          <a:chExt cx="0" cy="0"/>
+        </a:xfrm>
+      </p:grpSpPr>
+      <p:sp>
+        <p:nvSpPr>
+          <p:cNvPr id="2" name="Title 1">
+            <a:extLst>
+              <a:ext uri="{FF2B5EF4-FFF2-40B4-BE49-F238E27FC236}">
+                <a16:creationId xmlns:a16="http://schemas.microsoft.com/office/drawing/2014/main" id="{9BFAFCD8-7165-B551-B749-67C739ACDDFA}"/>
+              </a:ext>
+            </a:extLst>
+          </p:cNvPr>
+          <p:cNvSpPr>
+            <a:spLocks noGrp="1"/>
+          </p:cNvSpPr>
+          <p:nvPr>
+            <p:ph type="title"/>
+          </p:nvPr>
+        </p:nvSpPr>
+        <p:spPr/>
+        <p:txBody>
+          <a:bodyPr/>
+          <a:lstStyle/>
+          <a:p>
+            <a:r>
+              <a:rPr lang="en-US" dirty="0"/>
+              <a:t>Running Cactus</a:t>
+            </a:r>
+          </a:p>
+        </p:txBody>
+      </p:sp>
+      <p:sp>
+        <p:nvSpPr>
+          <p:cNvPr id="8" name="Content Placeholder 2">
+            <a:extLst>
+              <a:ext uri="{FF2B5EF4-FFF2-40B4-BE49-F238E27FC236}">
+                <a16:creationId xmlns:a16="http://schemas.microsoft.com/office/drawing/2014/main" id="{8BE446F8-2286-F821-19A7-ADC43AD1EE89}"/>
+              </a:ext>
+            </a:extLst>
+          </p:cNvPr>
+          <p:cNvSpPr txBox="1">
+            <a:spLocks/>
+          </p:cNvSpPr>
+          <p:nvPr/>
+        </p:nvSpPr>
+        <p:spPr>
+          <a:xfrm>
+            <a:off x="581192" y="3234149"/>
+            <a:ext cx="3424546" cy="1725312"/>
+          </a:xfrm>
+          <a:prstGeom prst="rect">
+            <a:avLst/>
+          </a:prstGeom>
+          <a:solidFill>
+            <a:schemeClr val="tx2">
+              <a:lumMod val="20000"/>
+              <a:lumOff val="80000"/>
+            </a:schemeClr>
+          </a:solidFill>
+          <a:ln>
+            <a:solidFill>
+              <a:schemeClr val="accent1"/>
+            </a:solidFill>
+          </a:ln>
+        </p:spPr>
+        <p:txBody>
+          <a:bodyPr vert="horz" lIns="91440" tIns="45720" rIns="91440" bIns="45720" rtlCol="0" anchor="ctr">
+            <a:normAutofit/>
+          </a:bodyPr>
+          <a:lstStyle>
+            <a:lvl1pPr marL="306000" indent="-306000" algn="l" defTabSz="457200" rtl="0" eaLnBrk="1" latinLnBrk="0" hangingPunct="1">
+              <a:spcBef>
+                <a:spcPct val="20000"/>
+              </a:spcBef>
+              <a:spcAft>
+                <a:spcPts val="600"/>
+              </a:spcAft>
+              <a:buClr>
+                <a:schemeClr val="accent2"/>
+              </a:buClr>
+              <a:buSzPct val="92000"/>
+              <a:buFont typeface="Wingdings 2" panose="05020102010507070707" pitchFamily="18" charset="2"/>
+              <a:buChar char=""/>
+              <a:defRPr sz="1800" kern="1200">
+                <a:solidFill>
+                  <a:schemeClr val="tx2"/>
+                </a:solidFill>
+                <a:latin typeface="+mn-lt"/>
+                <a:ea typeface="+mn-ea"/>
+                <a:cs typeface="+mn-cs"/>
+              </a:defRPr>
+            </a:lvl1pPr>
+            <a:lvl2pPr marL="630000" indent="-306000" algn="l" defTabSz="457200" rtl="0" eaLnBrk="1" latinLnBrk="0" hangingPunct="1">
+              <a:spcBef>
+                <a:spcPct val="20000"/>
+              </a:spcBef>
+              <a:spcAft>
+                <a:spcPts val="600"/>
+              </a:spcAft>
+              <a:buClr>
+                <a:schemeClr val="accent2"/>
+              </a:buClr>
+              <a:buSzPct val="92000"/>
+              <a:buFont typeface="Wingdings 2" panose="05020102010507070707" pitchFamily="18" charset="2"/>
+              <a:buChar char=""/>
+              <a:defRPr sz="1600" kern="1200">
+                <a:solidFill>
+                  <a:schemeClr val="tx2"/>
+                </a:solidFill>
+                <a:latin typeface="+mn-lt"/>
+                <a:ea typeface="+mn-ea"/>
+                <a:cs typeface="+mn-cs"/>
+              </a:defRPr>
+            </a:lvl2pPr>
+            <a:lvl3pPr marL="900000" indent="-270000" algn="l" defTabSz="457200" rtl="0" eaLnBrk="1" latinLnBrk="0" hangingPunct="1">
+              <a:spcBef>
+                <a:spcPct val="20000"/>
+              </a:spcBef>
+              <a:spcAft>
+                <a:spcPts val="600"/>
+              </a:spcAft>
+              <a:buClr>
+                <a:schemeClr val="accent2"/>
+              </a:buClr>
+              <a:buSzPct val="92000"/>
+              <a:buFont typeface="Wingdings 2" panose="05020102010507070707" pitchFamily="18" charset="2"/>
+              <a:buChar char=""/>
+              <a:defRPr sz="1400" kern="1200">
+                <a:solidFill>
+                  <a:schemeClr val="tx2"/>
+                </a:solidFill>
+                <a:latin typeface="+mn-lt"/>
+                <a:ea typeface="+mn-ea"/>
+                <a:cs typeface="+mn-cs"/>
+              </a:defRPr>
+            </a:lvl3pPr>
+            <a:lvl4pPr marL="1242000" indent="-234000" algn="l" defTabSz="457200" rtl="0" eaLnBrk="1" latinLnBrk="0" hangingPunct="1">
+              <a:spcBef>
+                <a:spcPct val="20000"/>
+              </a:spcBef>
+              <a:spcAft>
+                <a:spcPts val="600"/>
+              </a:spcAft>
+              <a:buClr>
+                <a:schemeClr val="accent2"/>
+              </a:buClr>
+              <a:buSzPct val="92000"/>
+              <a:buFont typeface="Wingdings 2" panose="05020102010507070707" pitchFamily="18" charset="2"/>
+              <a:buChar char=""/>
+              <a:defRPr sz="1200" kern="1200">
+                <a:solidFill>
+                  <a:schemeClr val="tx2"/>
+                </a:solidFill>
+                <a:latin typeface="+mn-lt"/>
+                <a:ea typeface="+mn-ea"/>
+                <a:cs typeface="+mn-cs"/>
+              </a:defRPr>
+            </a:lvl4pPr>
+            <a:lvl5pPr marL="1602000" indent="-234000" algn="l" defTabSz="457200" rtl="0" eaLnBrk="1" latinLnBrk="0" hangingPunct="1">
+              <a:spcBef>
+                <a:spcPct val="20000"/>
+              </a:spcBef>
+              <a:spcAft>
+                <a:spcPts val="600"/>
+              </a:spcAft>
+              <a:buClr>
+                <a:schemeClr val="accent2"/>
+              </a:buClr>
+              <a:buSzPct val="92000"/>
+              <a:buFont typeface="Wingdings 2" panose="05020102010507070707" pitchFamily="18" charset="2"/>
+              <a:buChar char=""/>
+              <a:defRPr sz="1200" kern="1200">
+                <a:solidFill>
+                  <a:schemeClr val="tx2"/>
+                </a:solidFill>
+                <a:latin typeface="+mn-lt"/>
+                <a:ea typeface="+mn-ea"/>
+                <a:cs typeface="+mn-cs"/>
+              </a:defRPr>
+            </a:lvl5pPr>
+            <a:lvl6pPr marL="1900000" indent="-228600" algn="l" defTabSz="457200" rtl="0" eaLnBrk="1" latinLnBrk="0" hangingPunct="1">
+              <a:spcBef>
+                <a:spcPct val="20000"/>
+              </a:spcBef>
+              <a:spcAft>
+                <a:spcPts val="600"/>
+              </a:spcAft>
+              <a:buClr>
+                <a:schemeClr val="accent2"/>
+              </a:buClr>
+              <a:buSzPct val="92000"/>
+              <a:buFont typeface="Wingdings 2" panose="05020102010507070707" pitchFamily="18" charset="2"/>
+              <a:buChar char=""/>
+              <a:defRPr sz="1200" kern="1200">
+                <a:solidFill>
+                  <a:schemeClr val="tx2"/>
+                </a:solidFill>
+                <a:latin typeface="+mn-lt"/>
+                <a:ea typeface="+mn-ea"/>
+                <a:cs typeface="+mn-cs"/>
+              </a:defRPr>
+            </a:lvl6pPr>
+            <a:lvl7pPr marL="2200000" indent="-228600" algn="l" defTabSz="457200" rtl="0" eaLnBrk="1" latinLnBrk="0" hangingPunct="1">
+              <a:spcBef>
+                <a:spcPct val="20000"/>
+              </a:spcBef>
+              <a:spcAft>
+                <a:spcPts val="600"/>
+              </a:spcAft>
+              <a:buClr>
+                <a:schemeClr val="accent2"/>
+              </a:buClr>
+              <a:buSzPct val="92000"/>
+              <a:buFont typeface="Wingdings 2" panose="05020102010507070707" pitchFamily="18" charset="2"/>
+              <a:buChar char=""/>
+              <a:defRPr sz="1200" kern="1200">
+                <a:solidFill>
+                  <a:schemeClr val="tx2"/>
+                </a:solidFill>
+                <a:latin typeface="+mn-lt"/>
+                <a:ea typeface="+mn-ea"/>
+                <a:cs typeface="+mn-cs"/>
+              </a:defRPr>
+            </a:lvl7pPr>
+            <a:lvl8pPr marL="2500000" indent="-228600" algn="l" defTabSz="457200" rtl="0" eaLnBrk="1" latinLnBrk="0" hangingPunct="1">
+              <a:spcBef>
+                <a:spcPct val="20000"/>
+              </a:spcBef>
+              <a:spcAft>
+                <a:spcPts val="600"/>
+              </a:spcAft>
+              <a:buClr>
+                <a:schemeClr val="accent2"/>
+              </a:buClr>
+              <a:buSzPct val="92000"/>
+              <a:buFont typeface="Wingdings 2" panose="05020102010507070707" pitchFamily="18" charset="2"/>
+              <a:buChar char=""/>
+              <a:defRPr sz="1200" kern="1200">
+                <a:solidFill>
+                  <a:schemeClr val="tx2"/>
+                </a:solidFill>
+                <a:latin typeface="+mn-lt"/>
+                <a:ea typeface="+mn-ea"/>
+                <a:cs typeface="+mn-cs"/>
+              </a:defRPr>
+            </a:lvl8pPr>
+            <a:lvl9pPr marL="2800000" indent="-228600" algn="l" defTabSz="457200" rtl="0" eaLnBrk="1" latinLnBrk="0" hangingPunct="1">
+              <a:spcBef>
+                <a:spcPct val="20000"/>
+              </a:spcBef>
+              <a:spcAft>
+                <a:spcPts val="600"/>
+              </a:spcAft>
+              <a:buClr>
+                <a:schemeClr val="accent2"/>
+              </a:buClr>
+              <a:buSzPct val="92000"/>
+              <a:buFont typeface="Wingdings 2" panose="05020102010507070707" pitchFamily="18" charset="2"/>
+              <a:buChar char=""/>
+              <a:defRPr sz="1200" kern="1200">
+                <a:solidFill>
+                  <a:schemeClr val="tx2"/>
+                </a:solidFill>
+                <a:latin typeface="+mn-lt"/>
+                <a:ea typeface="+mn-ea"/>
+                <a:cs typeface="+mn-cs"/>
+              </a:defRPr>
+            </a:lvl9pPr>
+          </a:lstStyle>
+          <a:p>
+            <a:r>
+              <a:rPr lang="en-GB" dirty="0">
+                <a:solidFill>
+                  <a:srgbClr val="000000"/>
+                </a:solidFill>
+                <a:effectLst/>
+                <a:latin typeface=".SF NS"/>
+              </a:rPr>
+              <a:t>Minimal Cactus Pipeline </a:t>
+            </a:r>
+          </a:p>
+          <a:p>
+            <a:pPr lvl="1"/>
+            <a:r>
+              <a:rPr lang="en-GB" dirty="0">
+                <a:solidFill>
+                  <a:srgbClr val="000000"/>
+                </a:solidFill>
+                <a:effectLst/>
+                <a:latin typeface=".SF NS"/>
+              </a:rPr>
+              <a:t>Cactus-blast </a:t>
+            </a:r>
+          </a:p>
+          <a:p>
+            <a:pPr lvl="1"/>
+            <a:r>
+              <a:rPr lang="en-GB" dirty="0">
+                <a:solidFill>
+                  <a:srgbClr val="000000"/>
+                </a:solidFill>
+                <a:effectLst/>
+                <a:latin typeface=".SF NS"/>
+              </a:rPr>
+              <a:t>Cactus-align </a:t>
+            </a:r>
+          </a:p>
+          <a:p>
+            <a:pPr lvl="1"/>
+            <a:r>
+              <a:rPr lang="en-GB" dirty="0">
+                <a:solidFill>
+                  <a:srgbClr val="000000"/>
+                </a:solidFill>
+                <a:effectLst/>
+                <a:latin typeface=".SF NS"/>
+              </a:rPr>
+              <a:t>hal2fasta</a:t>
+            </a:r>
+          </a:p>
+        </p:txBody>
+      </p:sp>
+      <p:sp>
+        <p:nvSpPr>
+          <p:cNvPr id="3" name="Content Placeholder 2">
+            <a:extLst>
+              <a:ext uri="{FF2B5EF4-FFF2-40B4-BE49-F238E27FC236}">
+                <a16:creationId xmlns:a16="http://schemas.microsoft.com/office/drawing/2014/main" id="{C083B6E2-FBBA-4036-9799-4C2D8194A3D8}"/>
+              </a:ext>
+            </a:extLst>
+          </p:cNvPr>
+          <p:cNvSpPr>
+            <a:spLocks noGrp="1"/>
+          </p:cNvSpPr>
+          <p:nvPr>
+            <p:ph idx="1"/>
+          </p:nvPr>
+        </p:nvSpPr>
+        <p:spPr>
+          <a:xfrm>
+            <a:off x="4922729" y="2180496"/>
+            <a:ext cx="6688078" cy="4163937"/>
+          </a:xfrm>
+        </p:spPr>
+        <p:txBody>
+          <a:bodyPr>
+            <a:normAutofit fontScale="92500" lnSpcReduction="10000"/>
+          </a:bodyPr>
+          <a:lstStyle/>
+          <a:p>
+            <a:r>
+              <a:rPr lang="en-GB" dirty="0">
+                <a:solidFill>
+                  <a:srgbClr val="000000"/>
+                </a:solidFill>
+                <a:effectLst/>
+                <a:latin typeface=".SF NS"/>
+              </a:rPr>
+              <a:t>Cactus-Blast</a:t>
+            </a:r>
+          </a:p>
+          <a:p>
+            <a:pPr lvl="1"/>
+            <a:r>
+              <a:rPr lang="en-GB" dirty="0">
+                <a:solidFill>
+                  <a:srgbClr val="000000"/>
+                </a:solidFill>
+                <a:effectLst/>
+                <a:latin typeface=".SF NS"/>
+              </a:rPr>
+              <a:t>Run in one machi</a:t>
+            </a:r>
+            <a:r>
+              <a:rPr lang="en-GB" dirty="0">
+                <a:solidFill>
+                  <a:srgbClr val="000000"/>
+                </a:solidFill>
+                <a:latin typeface=".SF NS"/>
+              </a:rPr>
+              <a:t>ne</a:t>
+            </a:r>
+          </a:p>
+          <a:p>
+            <a:pPr lvl="1"/>
+            <a:r>
+              <a:rPr lang="en-GB" dirty="0">
+                <a:solidFill>
+                  <a:srgbClr val="000000"/>
+                </a:solidFill>
+                <a:effectLst/>
+                <a:latin typeface=".SF NS"/>
+              </a:rPr>
+              <a:t>GPU enable</a:t>
+            </a:r>
+          </a:p>
+          <a:p>
+            <a:pPr lvl="1"/>
+            <a:r>
+              <a:rPr lang="en-GB" dirty="0">
+                <a:solidFill>
+                  <a:srgbClr val="000000"/>
+                </a:solidFill>
+                <a:latin typeface=".SF NS"/>
+              </a:rPr>
+              <a:t>Inter-core and -GPU Parallelisation </a:t>
+            </a:r>
+          </a:p>
+          <a:p>
+            <a:r>
+              <a:rPr lang="en-GB" dirty="0">
+                <a:solidFill>
+                  <a:srgbClr val="000000"/>
+                </a:solidFill>
+                <a:effectLst/>
+                <a:latin typeface=".SF NS"/>
+              </a:rPr>
+              <a:t>Cactus-Align</a:t>
+            </a:r>
+          </a:p>
+          <a:p>
+            <a:pPr lvl="1"/>
+            <a:r>
+              <a:rPr lang="en-GB" dirty="0">
+                <a:solidFill>
+                  <a:srgbClr val="000000"/>
+                </a:solidFill>
+                <a:latin typeface=".SF NS"/>
+              </a:rPr>
+              <a:t>Run in one machine</a:t>
+            </a:r>
+          </a:p>
+          <a:p>
+            <a:pPr lvl="1"/>
+            <a:r>
+              <a:rPr lang="en-GB" dirty="0">
+                <a:solidFill>
+                  <a:srgbClr val="000000"/>
+                </a:solidFill>
+                <a:effectLst/>
+                <a:latin typeface=".SF NS"/>
+              </a:rPr>
+              <a:t>CPU-only</a:t>
+            </a:r>
+          </a:p>
+          <a:p>
+            <a:pPr lvl="1"/>
+            <a:r>
+              <a:rPr lang="en-GB" dirty="0">
+                <a:solidFill>
+                  <a:srgbClr val="000000"/>
+                </a:solidFill>
+                <a:latin typeface=".SF NS"/>
+              </a:rPr>
+              <a:t>Inter-core Parallelisation</a:t>
+            </a:r>
+          </a:p>
+          <a:p>
+            <a:pPr lvl="1"/>
+            <a:r>
+              <a:rPr lang="en-GB" dirty="0">
+                <a:solidFill>
+                  <a:srgbClr val="000000"/>
+                </a:solidFill>
+                <a:latin typeface=".SF NS"/>
+              </a:rPr>
+              <a:t>Memory hungry</a:t>
+            </a:r>
+          </a:p>
+          <a:p>
+            <a:r>
+              <a:rPr lang="en-GB" dirty="0">
+                <a:solidFill>
+                  <a:srgbClr val="000000"/>
+                </a:solidFill>
+                <a:latin typeface=".SF NS"/>
+              </a:rPr>
+              <a:t>Hal2fasta</a:t>
+            </a:r>
+          </a:p>
+          <a:p>
+            <a:pPr lvl="1"/>
+            <a:r>
+              <a:rPr lang="en-GB" dirty="0">
+                <a:solidFill>
+                  <a:srgbClr val="000000"/>
+                </a:solidFill>
+                <a:latin typeface=".SF NS"/>
+              </a:rPr>
+              <a:t>Mono-core executable </a:t>
+            </a:r>
+          </a:p>
+          <a:p>
+            <a:pPr lvl="1"/>
+            <a:r>
+              <a:rPr lang="en-GB" dirty="0">
+                <a:solidFill>
+                  <a:srgbClr val="000000"/>
+                </a:solidFill>
+                <a:latin typeface=".SF NS"/>
+              </a:rPr>
+              <a:t>O(n) memory, where n is the size of the HAL file</a:t>
+            </a:r>
+          </a:p>
+          <a:p>
+            <a:pPr lvl="1"/>
+            <a:endParaRPr lang="en-GB" dirty="0">
+              <a:solidFill>
+                <a:srgbClr val="000000"/>
+              </a:solidFill>
+              <a:effectLst/>
+              <a:latin typeface=".SF NS"/>
+            </a:endParaRPr>
+          </a:p>
+        </p:txBody>
+      </p:sp>
+    </p:spTree>
+    <p:extLst>
+      <p:ext uri="{BB962C8B-B14F-4D97-AF65-F5344CB8AC3E}">
+        <p14:creationId xmlns:p14="http://schemas.microsoft.com/office/powerpoint/2010/main" val="2153779174"/>
+      </p:ext>
+    </p:extLst>
+  </p:cSld>
+  <p:clrMapOvr>
+    <a:masterClrMapping/>
+  </p:clrMapOvr>
+</p:sld>
+</file>
+
+<file path=ppt/slides/slide21.xml><?xml version="1.0" encoding="utf-8"?>
+<p:sld xmlns:a="http://schemas.openxmlformats.org/drawingml/2006/main" xmlns:r="http://schemas.openxmlformats.org/officeDocument/2006/relationships" xmlns:p="http://schemas.openxmlformats.org/presentationml/2006/main">
+  <p:cSld>
+    <p:spTree>
+      <p:nvGrpSpPr>
+        <p:cNvPr id="1" name=""/>
+        <p:cNvGrpSpPr/>
+        <p:nvPr/>
+      </p:nvGrpSpPr>
+      <p:grpSpPr>
+        <a:xfrm>
+          <a:off x="0" y="0"/>
+          <a:ext cx="0" cy="0"/>
+          <a:chOff x="0" y="0"/>
+          <a:chExt cx="0" cy="0"/>
+        </a:xfrm>
+      </p:grpSpPr>
+      <p:sp>
+        <p:nvSpPr>
+          <p:cNvPr id="2" name="Title 1">
+            <a:extLst>
+              <a:ext uri="{FF2B5EF4-FFF2-40B4-BE49-F238E27FC236}">
+                <a16:creationId xmlns:a16="http://schemas.microsoft.com/office/drawing/2014/main" id="{9BFAFCD8-7165-B551-B749-67C739ACDDFA}"/>
+              </a:ext>
+            </a:extLst>
+          </p:cNvPr>
+          <p:cNvSpPr>
+            <a:spLocks noGrp="1"/>
+          </p:cNvSpPr>
+          <p:nvPr>
+            <p:ph type="title"/>
+          </p:nvPr>
+        </p:nvSpPr>
+        <p:spPr/>
+        <p:txBody>
+          <a:bodyPr/>
+          <a:lstStyle/>
+          <a:p>
+            <a:r>
+              <a:rPr lang="en-US" dirty="0"/>
+              <a:t>Running Cactus</a:t>
+            </a:r>
+          </a:p>
+        </p:txBody>
+      </p:sp>
+      <p:sp>
+        <p:nvSpPr>
+          <p:cNvPr id="3" name="Content Placeholder 2">
+            <a:extLst>
+              <a:ext uri="{FF2B5EF4-FFF2-40B4-BE49-F238E27FC236}">
+                <a16:creationId xmlns:a16="http://schemas.microsoft.com/office/drawing/2014/main" id="{0DD41EDA-B80A-08E9-9262-3EFED673D33F}"/>
+              </a:ext>
+            </a:extLst>
+          </p:cNvPr>
+          <p:cNvSpPr>
+            <a:spLocks noGrp="1"/>
+          </p:cNvSpPr>
+          <p:nvPr>
+            <p:ph idx="1"/>
+          </p:nvPr>
+        </p:nvSpPr>
+        <p:spPr>
+          <a:xfrm>
+            <a:off x="374512" y="2625170"/>
+            <a:ext cx="11029615" cy="4393299"/>
+          </a:xfrm>
+        </p:spPr>
+        <p:txBody>
+          <a:bodyPr>
+            <a:normAutofit lnSpcReduction="10000"/>
+          </a:bodyPr>
+          <a:lstStyle/>
+          <a:p>
+            <a:pPr marL="0" indent="0">
+              <a:buNone/>
+            </a:pPr>
+            <a:r>
+              <a:rPr lang="en-GB" b="1" dirty="0">
+                <a:solidFill>
+                  <a:srgbClr val="000000"/>
+                </a:solidFill>
+                <a:effectLst/>
+                <a:latin typeface="Roboto Mono Light for Powerline" pitchFamily="2" charset="0"/>
+                <a:ea typeface="Roboto Mono Light for Powerline" pitchFamily="2" charset="0"/>
+              </a:rPr>
+              <a:t>cactus-prepare \</a:t>
+            </a:r>
+          </a:p>
+          <a:p>
+            <a:pPr marL="0" indent="0">
+              <a:buNone/>
+            </a:pPr>
+            <a:r>
+              <a:rPr lang="en-GB" b="1" dirty="0">
+                <a:solidFill>
+                  <a:srgbClr val="000000"/>
+                </a:solidFill>
+                <a:effectLst/>
+                <a:latin typeface="Roboto Mono Light for Powerline" pitchFamily="2" charset="0"/>
+                <a:ea typeface="Roboto Mono Light for Powerline" pitchFamily="2" charset="0"/>
+              </a:rPr>
+              <a:t>	</a:t>
+            </a:r>
+            <a:r>
+              <a:rPr lang="en-GB" b="1" dirty="0" err="1">
+                <a:solidFill>
+                  <a:srgbClr val="000000"/>
+                </a:solidFill>
+                <a:effectLst/>
+                <a:latin typeface="Roboto Mono Light for Powerline" pitchFamily="2" charset="0"/>
+                <a:ea typeface="Roboto Mono Light for Powerline" pitchFamily="2" charset="0"/>
+              </a:rPr>
+              <a:t>tree.nwk</a:t>
+            </a:r>
+            <a:r>
+              <a:rPr lang="en-GB" b="1" dirty="0">
+                <a:solidFill>
+                  <a:srgbClr val="000000"/>
+                </a:solidFill>
+                <a:effectLst/>
+                <a:latin typeface="Roboto Mono Light for Powerline" pitchFamily="2" charset="0"/>
+                <a:ea typeface="Roboto Mono Light for Powerline" pitchFamily="2" charset="0"/>
+              </a:rPr>
+              <a:t> \		</a:t>
+            </a:r>
+          </a:p>
+          <a:p>
+            <a:pPr marL="0" indent="0">
+              <a:buNone/>
+            </a:pPr>
+            <a:r>
+              <a:rPr lang="en-GB" b="1" dirty="0">
+                <a:solidFill>
+                  <a:srgbClr val="000000"/>
+                </a:solidFill>
+                <a:effectLst/>
+                <a:latin typeface="Roboto Mono Light for Powerline" pitchFamily="2" charset="0"/>
+                <a:ea typeface="Roboto Mono Light for Powerline" pitchFamily="2" charset="0"/>
+              </a:rPr>
+              <a:t>	--</a:t>
+            </a:r>
+            <a:r>
+              <a:rPr lang="en-GB" b="1" dirty="0" err="1">
+                <a:solidFill>
+                  <a:srgbClr val="000000"/>
+                </a:solidFill>
+                <a:effectLst/>
+                <a:latin typeface="Roboto Mono Light for Powerline" pitchFamily="2" charset="0"/>
+                <a:ea typeface="Roboto Mono Light for Powerline" pitchFamily="2" charset="0"/>
+              </a:rPr>
+              <a:t>jobStore</a:t>
+            </a:r>
+            <a:r>
+              <a:rPr lang="en-GB" b="1" dirty="0">
+                <a:solidFill>
+                  <a:srgbClr val="000000"/>
+                </a:solidFill>
+                <a:effectLst/>
+                <a:latin typeface="Roboto Mono Light for Powerline" pitchFamily="2" charset="0"/>
+                <a:ea typeface="Roboto Mono Light for Powerline" pitchFamily="2" charset="0"/>
+              </a:rPr>
+              <a:t> </a:t>
+            </a:r>
+            <a:r>
+              <a:rPr lang="en-GB" b="1" dirty="0" err="1">
+                <a:solidFill>
+                  <a:srgbClr val="000000"/>
+                </a:solidFill>
+                <a:effectLst/>
+                <a:latin typeface="Roboto Mono Light for Powerline" pitchFamily="2" charset="0"/>
+                <a:ea typeface="Roboto Mono Light for Powerline" pitchFamily="2" charset="0"/>
+              </a:rPr>
+              <a:t>jobstore</a:t>
+            </a:r>
+            <a:r>
+              <a:rPr lang="en-GB" b="1" dirty="0">
+                <a:solidFill>
+                  <a:srgbClr val="000000"/>
+                </a:solidFill>
+                <a:effectLst/>
+                <a:latin typeface="Roboto Mono Light for Powerline" pitchFamily="2" charset="0"/>
+                <a:ea typeface="Roboto Mono Light for Powerline" pitchFamily="2" charset="0"/>
+              </a:rPr>
+              <a:t> \</a:t>
+            </a:r>
+          </a:p>
+          <a:p>
+            <a:pPr marL="0" indent="0">
+              <a:buNone/>
+            </a:pPr>
+            <a:r>
+              <a:rPr lang="en-GB" b="1" dirty="0">
+                <a:solidFill>
+                  <a:srgbClr val="000000"/>
+                </a:solidFill>
+                <a:effectLst/>
+                <a:latin typeface="Roboto Mono Light for Powerline" pitchFamily="2" charset="0"/>
+                <a:ea typeface="Roboto Mono Light for Powerline" pitchFamily="2" charset="0"/>
+              </a:rPr>
+              <a:t>	--</a:t>
+            </a:r>
+            <a:r>
+              <a:rPr lang="en-GB" b="1" dirty="0" err="1">
+                <a:solidFill>
+                  <a:srgbClr val="000000"/>
+                </a:solidFill>
+                <a:effectLst/>
+                <a:latin typeface="Roboto Mono Light for Powerline" pitchFamily="2" charset="0"/>
+                <a:ea typeface="Roboto Mono Light for Powerline" pitchFamily="2" charset="0"/>
+              </a:rPr>
+              <a:t>gpu</a:t>
+            </a:r>
+            <a:r>
+              <a:rPr lang="en-GB" b="1" dirty="0">
+                <a:solidFill>
+                  <a:srgbClr val="000000"/>
+                </a:solidFill>
+                <a:effectLst/>
+                <a:latin typeface="Roboto Mono Light for Powerline" pitchFamily="2" charset="0"/>
+                <a:ea typeface="Roboto Mono Light for Powerline" pitchFamily="2" charset="0"/>
+              </a:rPr>
+              <a:t> \</a:t>
+            </a:r>
+          </a:p>
+          <a:p>
+            <a:pPr marL="0" indent="0">
+              <a:buNone/>
+            </a:pPr>
+            <a:r>
+              <a:rPr lang="en-GB" b="1" dirty="0">
+                <a:solidFill>
+                  <a:srgbClr val="000000"/>
+                </a:solidFill>
+                <a:effectLst/>
+                <a:latin typeface="Roboto Mono Light for Powerline" pitchFamily="2" charset="0"/>
+                <a:ea typeface="Roboto Mono Light for Powerline" pitchFamily="2" charset="0"/>
+              </a:rPr>
+              <a:t>	--</a:t>
+            </a:r>
+            <a:r>
+              <a:rPr lang="en-GB" b="1" dirty="0" err="1">
+                <a:solidFill>
+                  <a:srgbClr val="000000"/>
+                </a:solidFill>
+                <a:effectLst/>
+                <a:latin typeface="Roboto Mono Light for Powerline" pitchFamily="2" charset="0"/>
+                <a:ea typeface="Roboto Mono Light for Powerline" pitchFamily="2" charset="0"/>
+              </a:rPr>
+              <a:t>outDir</a:t>
+            </a:r>
+            <a:r>
+              <a:rPr lang="en-GB" b="1" dirty="0">
+                <a:solidFill>
+                  <a:srgbClr val="000000"/>
+                </a:solidFill>
+                <a:effectLst/>
+                <a:latin typeface="Roboto Mono Light for Powerline" pitchFamily="2" charset="0"/>
+                <a:ea typeface="Roboto Mono Light for Powerline" pitchFamily="2" charset="0"/>
+              </a:rPr>
+              <a:t> </a:t>
+            </a:r>
+            <a:r>
+              <a:rPr lang="en-GB" b="1" dirty="0" err="1">
+                <a:solidFill>
+                  <a:srgbClr val="000000"/>
+                </a:solidFill>
+                <a:effectLst/>
+                <a:latin typeface="Roboto Mono Light for Powerline" pitchFamily="2" charset="0"/>
+                <a:ea typeface="Roboto Mono Light for Powerline" pitchFamily="2" charset="0"/>
+              </a:rPr>
+              <a:t>working_dir</a:t>
+            </a:r>
+            <a:r>
+              <a:rPr lang="en-GB" b="1" dirty="0">
+                <a:solidFill>
+                  <a:srgbClr val="000000"/>
+                </a:solidFill>
+                <a:effectLst/>
+                <a:latin typeface="Roboto Mono Light for Powerline" pitchFamily="2" charset="0"/>
+                <a:ea typeface="Roboto Mono Light for Powerline" pitchFamily="2" charset="0"/>
+              </a:rPr>
+              <a:t> \</a:t>
+            </a:r>
+          </a:p>
+          <a:p>
+            <a:pPr marL="0" indent="0">
+              <a:buNone/>
+            </a:pPr>
+            <a:r>
+              <a:rPr lang="en-GB" b="1" dirty="0">
+                <a:solidFill>
+                  <a:srgbClr val="000000"/>
+                </a:solidFill>
+                <a:effectLst/>
+                <a:latin typeface="Roboto Mono Light for Powerline" pitchFamily="2" charset="0"/>
+                <a:ea typeface="Roboto Mono Light for Powerline" pitchFamily="2" charset="0"/>
+              </a:rPr>
+              <a:t>	--</a:t>
+            </a:r>
+            <a:r>
+              <a:rPr lang="en-GB" b="1" dirty="0" err="1">
+                <a:solidFill>
+                  <a:srgbClr val="000000"/>
+                </a:solidFill>
+                <a:effectLst/>
+                <a:latin typeface="Roboto Mono Light for Powerline" pitchFamily="2" charset="0"/>
+                <a:ea typeface="Roboto Mono Light for Powerline" pitchFamily="2" charset="0"/>
+              </a:rPr>
+              <a:t>outSeqFile</a:t>
+            </a:r>
+            <a:r>
+              <a:rPr lang="en-GB" b="1" dirty="0">
+                <a:solidFill>
+                  <a:srgbClr val="000000"/>
+                </a:solidFill>
+                <a:effectLst/>
+                <a:latin typeface="Roboto Mono Light for Powerline" pitchFamily="2" charset="0"/>
+                <a:ea typeface="Roboto Mono Light for Powerline" pitchFamily="2" charset="0"/>
+              </a:rPr>
+              <a:t> </a:t>
+            </a:r>
+            <a:r>
+              <a:rPr lang="en-GB" b="1" dirty="0" err="1">
+                <a:solidFill>
+                  <a:srgbClr val="000000"/>
+                </a:solidFill>
+                <a:effectLst/>
+                <a:latin typeface="Roboto Mono Light for Powerline" pitchFamily="2" charset="0"/>
+                <a:ea typeface="Roboto Mono Light for Powerline" pitchFamily="2" charset="0"/>
+              </a:rPr>
+              <a:t>working_dir</a:t>
+            </a:r>
+            <a:r>
+              <a:rPr lang="en-GB" b="1" dirty="0">
+                <a:solidFill>
+                  <a:srgbClr val="000000"/>
+                </a:solidFill>
+                <a:effectLst/>
+                <a:latin typeface="Roboto Mono Light for Powerline" pitchFamily="2" charset="0"/>
+                <a:ea typeface="Roboto Mono Light for Powerline" pitchFamily="2" charset="0"/>
+              </a:rPr>
+              <a:t>/</a:t>
+            </a:r>
+            <a:r>
+              <a:rPr lang="en-GB" b="1" dirty="0" err="1">
+                <a:solidFill>
+                  <a:srgbClr val="000000"/>
+                </a:solidFill>
+                <a:effectLst/>
+                <a:latin typeface="Roboto Mono Light for Powerline" pitchFamily="2" charset="0"/>
+                <a:ea typeface="Roboto Mono Light for Powerline" pitchFamily="2" charset="0"/>
+              </a:rPr>
+              <a:t>steps.txt</a:t>
+            </a:r>
+            <a:r>
+              <a:rPr lang="en-GB" b="1" dirty="0">
+                <a:solidFill>
+                  <a:srgbClr val="000000"/>
+                </a:solidFill>
+                <a:effectLst/>
+                <a:latin typeface="Roboto Mono Light for Powerline" pitchFamily="2" charset="0"/>
+                <a:ea typeface="Roboto Mono Light for Powerline" pitchFamily="2" charset="0"/>
+              </a:rPr>
+              <a:t> \</a:t>
+            </a:r>
+          </a:p>
+          <a:p>
+            <a:pPr marL="0" indent="0">
+              <a:buNone/>
+            </a:pPr>
+            <a:r>
+              <a:rPr lang="en-GB" b="1" dirty="0">
+                <a:solidFill>
+                  <a:srgbClr val="000000"/>
+                </a:solidFill>
+                <a:effectLst/>
+                <a:latin typeface="Roboto Mono Light for Powerline" pitchFamily="2" charset="0"/>
+                <a:ea typeface="Roboto Mono Light for Powerline" pitchFamily="2" charset="0"/>
+              </a:rPr>
+              <a:t>	--</a:t>
+            </a:r>
+            <a:r>
+              <a:rPr lang="en-GB" b="1" dirty="0" err="1">
+                <a:solidFill>
+                  <a:srgbClr val="000000"/>
+                </a:solidFill>
+                <a:effectLst/>
+                <a:latin typeface="Roboto Mono Light for Powerline" pitchFamily="2" charset="0"/>
+                <a:ea typeface="Roboto Mono Light for Powerline" pitchFamily="2" charset="0"/>
+              </a:rPr>
+              <a:t>outHal</a:t>
+            </a:r>
+            <a:r>
+              <a:rPr lang="en-GB" b="1" dirty="0">
+                <a:solidFill>
+                  <a:srgbClr val="000000"/>
+                </a:solidFill>
+                <a:effectLst/>
+                <a:latin typeface="Roboto Mono Light for Powerline" pitchFamily="2" charset="0"/>
+                <a:ea typeface="Roboto Mono Light for Powerline" pitchFamily="2" charset="0"/>
+              </a:rPr>
+              <a:t> </a:t>
+            </a:r>
+            <a:r>
+              <a:rPr lang="en-GB" b="1" dirty="0" err="1">
+                <a:solidFill>
+                  <a:srgbClr val="000000"/>
+                </a:solidFill>
+                <a:effectLst/>
+                <a:latin typeface="Roboto Mono Light for Powerline" pitchFamily="2" charset="0"/>
+                <a:ea typeface="Roboto Mono Light for Powerline" pitchFamily="2" charset="0"/>
+              </a:rPr>
+              <a:t>working_dir</a:t>
+            </a:r>
+            <a:r>
+              <a:rPr lang="en-GB" b="1" dirty="0">
+                <a:solidFill>
+                  <a:srgbClr val="000000"/>
+                </a:solidFill>
+                <a:effectLst/>
+                <a:latin typeface="Roboto Mono Light for Powerline" pitchFamily="2" charset="0"/>
+                <a:ea typeface="Roboto Mono Light for Powerline" pitchFamily="2" charset="0"/>
+              </a:rPr>
+              <a:t>/</a:t>
+            </a:r>
+            <a:r>
+              <a:rPr lang="en-GB" b="1" dirty="0" err="1">
+                <a:solidFill>
+                  <a:srgbClr val="000000"/>
+                </a:solidFill>
+                <a:effectLst/>
+                <a:latin typeface="Roboto Mono Light for Powerline" pitchFamily="2" charset="0"/>
+                <a:ea typeface="Roboto Mono Light for Powerline" pitchFamily="2" charset="0"/>
+              </a:rPr>
+              <a:t>final_alignment.hal</a:t>
+            </a:r>
+            <a:r>
+              <a:rPr lang="en-GB" b="1" dirty="0">
+                <a:solidFill>
+                  <a:srgbClr val="000000"/>
+                </a:solidFill>
+                <a:effectLst/>
+                <a:latin typeface="Roboto Mono Light for Powerline" pitchFamily="2" charset="0"/>
+                <a:ea typeface="Roboto Mono Light for Powerline" pitchFamily="2" charset="0"/>
+              </a:rPr>
+              <a:t> \</a:t>
+            </a:r>
+          </a:p>
+          <a:p>
+            <a:pPr marL="0" indent="0">
+              <a:buNone/>
+            </a:pPr>
+            <a:r>
+              <a:rPr lang="en-GB" b="1" dirty="0">
+                <a:solidFill>
+                  <a:srgbClr val="000000"/>
+                </a:solidFill>
+                <a:effectLst/>
+                <a:latin typeface="Roboto Mono Light for Powerline" pitchFamily="2" charset="0"/>
+                <a:ea typeface="Roboto Mono Light for Powerline" pitchFamily="2" charset="0"/>
+              </a:rPr>
+              <a:t>	--</a:t>
+            </a:r>
+            <a:r>
+              <a:rPr lang="en-GB" b="1" dirty="0" err="1">
+                <a:solidFill>
+                  <a:srgbClr val="000000"/>
+                </a:solidFill>
+                <a:effectLst/>
+                <a:latin typeface="Roboto Mono Light for Powerline" pitchFamily="2" charset="0"/>
+                <a:ea typeface="Roboto Mono Light for Powerline" pitchFamily="2" charset="0"/>
+              </a:rPr>
+              <a:t>preprocessBatchSize</a:t>
+            </a:r>
+            <a:r>
+              <a:rPr lang="en-GB" b="1" dirty="0">
+                <a:solidFill>
+                  <a:srgbClr val="000000"/>
+                </a:solidFill>
+                <a:effectLst/>
+                <a:latin typeface="Roboto Mono Light for Powerline" pitchFamily="2" charset="0"/>
+                <a:ea typeface="Roboto Mono Light for Powerline" pitchFamily="2" charset="0"/>
+              </a:rPr>
+              <a:t> 1 \</a:t>
+            </a:r>
+          </a:p>
+          <a:p>
+            <a:pPr marL="0" indent="0">
+              <a:buNone/>
+            </a:pPr>
+            <a:r>
+              <a:rPr lang="en-GB" b="1" dirty="0">
+                <a:solidFill>
+                  <a:srgbClr val="000000"/>
+                </a:solidFill>
+                <a:effectLst/>
+                <a:latin typeface="Roboto Mono Light for Powerline" pitchFamily="2" charset="0"/>
+                <a:ea typeface="Roboto Mono Light for Powerline" pitchFamily="2" charset="0"/>
+              </a:rPr>
+              <a:t>	--</a:t>
+            </a:r>
+            <a:r>
+              <a:rPr lang="en-GB" b="1" dirty="0" err="1">
+                <a:solidFill>
+                  <a:srgbClr val="000000"/>
+                </a:solidFill>
+                <a:effectLst/>
+                <a:latin typeface="Roboto Mono Light for Powerline" pitchFamily="2" charset="0"/>
+                <a:ea typeface="Roboto Mono Light for Powerline" pitchFamily="2" charset="0"/>
+              </a:rPr>
+              <a:t>cactusOptions</a:t>
+            </a:r>
+            <a:r>
+              <a:rPr lang="en-GB" b="1" dirty="0">
+                <a:solidFill>
+                  <a:srgbClr val="000000"/>
+                </a:solidFill>
+                <a:effectLst/>
+                <a:latin typeface="Roboto Mono Light for Powerline" pitchFamily="2" charset="0"/>
+                <a:ea typeface="Roboto Mono Light for Powerline" pitchFamily="2" charset="0"/>
+              </a:rPr>
+              <a:t> '--</a:t>
+            </a:r>
+            <a:r>
+              <a:rPr lang="en-GB" b="1" dirty="0" err="1">
+                <a:solidFill>
+                  <a:srgbClr val="000000"/>
+                </a:solidFill>
+                <a:effectLst/>
+                <a:latin typeface="Roboto Mono Light for Powerline" pitchFamily="2" charset="0"/>
+                <a:ea typeface="Roboto Mono Light for Powerline" pitchFamily="2" charset="0"/>
+              </a:rPr>
+              <a:t>logInfo</a:t>
+            </a:r>
+            <a:r>
+              <a:rPr lang="en-GB" b="1" dirty="0">
+                <a:solidFill>
+                  <a:srgbClr val="000000"/>
+                </a:solidFill>
+                <a:effectLst/>
+                <a:latin typeface="Roboto Mono Light for Powerline" pitchFamily="2" charset="0"/>
+                <a:ea typeface="Roboto Mono Light for Powerline" pitchFamily="2" charset="0"/>
+              </a:rPr>
+              <a:t> --</a:t>
+            </a:r>
+            <a:r>
+              <a:rPr lang="en-GB" b="1" dirty="0" err="1">
+                <a:solidFill>
+                  <a:srgbClr val="000000"/>
+                </a:solidFill>
+                <a:effectLst/>
+                <a:latin typeface="Roboto Mono Light for Powerline" pitchFamily="2" charset="0"/>
+                <a:ea typeface="Roboto Mono Light for Powerline" pitchFamily="2" charset="0"/>
+              </a:rPr>
+              <a:t>retryCount</a:t>
+            </a:r>
+            <a:r>
+              <a:rPr lang="en-GB" b="1" dirty="0">
+                <a:solidFill>
+                  <a:srgbClr val="000000"/>
+                </a:solidFill>
+                <a:effectLst/>
+                <a:latin typeface="Roboto Mono Light for Powerline" pitchFamily="2" charset="0"/>
+                <a:ea typeface="Roboto Mono Light for Powerline" pitchFamily="2" charset="0"/>
+              </a:rPr>
+              <a:t> 0' \</a:t>
+            </a:r>
+          </a:p>
+          <a:p>
+            <a:pPr marL="0" indent="0">
+              <a:buNone/>
+            </a:pPr>
+            <a:r>
+              <a:rPr lang="en-GB" b="1" dirty="0">
+                <a:solidFill>
+                  <a:srgbClr val="000000"/>
+                </a:solidFill>
+                <a:effectLst/>
+                <a:latin typeface="Roboto Mono Light for Powerline" pitchFamily="2" charset="0"/>
+                <a:ea typeface="Roboto Mono Light for Powerline" pitchFamily="2" charset="0"/>
+              </a:rPr>
+              <a:t>	--</a:t>
+            </a:r>
+            <a:r>
+              <a:rPr lang="en-GB" b="1" dirty="0" err="1">
+                <a:solidFill>
+                  <a:srgbClr val="000000"/>
+                </a:solidFill>
+                <a:effectLst/>
+                <a:latin typeface="Roboto Mono Light for Powerline" pitchFamily="2" charset="0"/>
+                <a:ea typeface="Roboto Mono Light for Powerline" pitchFamily="2" charset="0"/>
+              </a:rPr>
+              <a:t>blastCores</a:t>
+            </a:r>
+            <a:r>
+              <a:rPr lang="en-GB" b="1" dirty="0">
+                <a:solidFill>
+                  <a:srgbClr val="000000"/>
+                </a:solidFill>
+                <a:effectLst/>
+                <a:latin typeface="Roboto Mono Light for Powerline" pitchFamily="2" charset="0"/>
+                <a:ea typeface="Roboto Mono Light for Powerline" pitchFamily="2" charset="0"/>
+              </a:rPr>
+              <a:t> 48 \</a:t>
+            </a:r>
+          </a:p>
+          <a:p>
+            <a:pPr marL="0" indent="0">
+              <a:buNone/>
+            </a:pPr>
+            <a:r>
+              <a:rPr lang="en-GB" b="1" dirty="0">
+                <a:solidFill>
+                  <a:srgbClr val="000000"/>
+                </a:solidFill>
+                <a:effectLst/>
+                <a:latin typeface="Roboto Mono Light for Powerline" pitchFamily="2" charset="0"/>
+                <a:ea typeface="Roboto Mono Light for Powerline" pitchFamily="2" charset="0"/>
+              </a:rPr>
+              <a:t>	--</a:t>
+            </a:r>
+            <a:r>
+              <a:rPr lang="en-GB" b="1" dirty="0" err="1">
+                <a:solidFill>
+                  <a:srgbClr val="000000"/>
+                </a:solidFill>
+                <a:effectLst/>
+                <a:latin typeface="Roboto Mono Light for Powerline" pitchFamily="2" charset="0"/>
+                <a:ea typeface="Roboto Mono Light for Powerline" pitchFamily="2" charset="0"/>
+              </a:rPr>
+              <a:t>alignCores</a:t>
+            </a:r>
+            <a:r>
+              <a:rPr lang="en-GB" b="1" dirty="0">
+                <a:solidFill>
+                  <a:srgbClr val="000000"/>
+                </a:solidFill>
+                <a:effectLst/>
+                <a:latin typeface="Roboto Mono Light for Powerline" pitchFamily="2" charset="0"/>
+                <a:ea typeface="Roboto Mono Light for Powerline" pitchFamily="2" charset="0"/>
+              </a:rPr>
+              <a:t> 48</a:t>
+            </a:r>
+          </a:p>
+          <a:p>
+            <a:endParaRPr lang="en-GB" b="1" dirty="0">
+              <a:solidFill>
+                <a:srgbClr val="000000"/>
+              </a:solidFill>
+              <a:effectLst/>
+              <a:latin typeface="Roboto Mono Light for Powerline" pitchFamily="2" charset="0"/>
+              <a:ea typeface="Roboto Mono Light for Powerline" pitchFamily="2" charset="0"/>
+            </a:endParaRPr>
+          </a:p>
+          <a:p>
+            <a:pPr lvl="1"/>
+            <a:endParaRPr lang="en-GB" b="1" dirty="0">
+              <a:solidFill>
+                <a:srgbClr val="000000"/>
+              </a:solidFill>
+              <a:effectLst/>
+              <a:latin typeface="Roboto Mono Light for Powerline" pitchFamily="2" charset="0"/>
+              <a:ea typeface="Roboto Mono Light for Powerline" pitchFamily="2" charset="0"/>
+            </a:endParaRPr>
+          </a:p>
+        </p:txBody>
+      </p:sp>
+      <p:sp>
+        <p:nvSpPr>
+          <p:cNvPr id="7" name="TextBox 6">
+            <a:extLst>
+              <a:ext uri="{FF2B5EF4-FFF2-40B4-BE49-F238E27FC236}">
+                <a16:creationId xmlns:a16="http://schemas.microsoft.com/office/drawing/2014/main" id="{3ABD72CC-D738-1235-6465-6E31592EA10B}"/>
+              </a:ext>
+            </a:extLst>
+          </p:cNvPr>
+          <p:cNvSpPr txBox="1"/>
+          <p:nvPr/>
+        </p:nvSpPr>
+        <p:spPr>
+          <a:xfrm>
+            <a:off x="5529422" y="1903943"/>
+            <a:ext cx="6225435" cy="2062103"/>
+          </a:xfrm>
+          <a:prstGeom prst="rect">
+            <a:avLst/>
+          </a:prstGeom>
+          <a:solidFill>
+            <a:schemeClr val="tx2">
+              <a:lumMod val="20000"/>
+              <a:lumOff val="80000"/>
+            </a:schemeClr>
+          </a:solidFill>
+        </p:spPr>
+        <p:txBody>
+          <a:bodyPr wrap="square">
+            <a:spAutoFit/>
+          </a:bodyPr>
+          <a:lstStyle/>
+          <a:p>
+            <a:pPr marL="0" indent="0">
+              <a:buNone/>
+            </a:pPr>
+            <a:r>
+              <a:rPr lang="en-GB" sz="1600" dirty="0">
+                <a:solidFill>
+                  <a:schemeClr val="tx1"/>
+                </a:solidFill>
+                <a:latin typeface="Avenir Book" panose="02000503020000020003" pitchFamily="2" charset="0"/>
+              </a:rPr>
+              <a:t>((</a:t>
+            </a:r>
+            <a:r>
+              <a:rPr lang="en-GB" sz="1600" b="1" dirty="0">
+                <a:solidFill>
+                  <a:schemeClr val="tx1"/>
+                </a:solidFill>
+                <a:latin typeface="Avenir Book" panose="02000503020000020003" pitchFamily="2" charset="0"/>
+              </a:rPr>
+              <a:t>simHuman</a:t>
+            </a:r>
+            <a:r>
+              <a:rPr lang="en-GB" sz="1600" dirty="0">
+                <a:solidFill>
+                  <a:schemeClr val="tx1"/>
+                </a:solidFill>
+                <a:latin typeface="Avenir Book" panose="02000503020000020003" pitchFamily="2" charset="0"/>
+              </a:rPr>
+              <a:t>:0.144018,(</a:t>
+            </a:r>
+            <a:r>
+              <a:rPr lang="en-GB" sz="1600" b="1" dirty="0">
+                <a:solidFill>
+                  <a:schemeClr val="tx1"/>
+                </a:solidFill>
+                <a:latin typeface="Avenir Book" panose="02000503020000020003" pitchFamily="2" charset="0"/>
+              </a:rPr>
+              <a:t>simMouse</a:t>
+            </a:r>
+            <a:r>
+              <a:rPr lang="en-GB" sz="1600" dirty="0">
+                <a:solidFill>
+                  <a:schemeClr val="tx1"/>
+                </a:solidFill>
+                <a:latin typeface="Avenir Book" panose="02000503020000020003" pitchFamily="2" charset="0"/>
+              </a:rPr>
+              <a:t>:0.084509,</a:t>
+            </a:r>
+            <a:r>
+              <a:rPr lang="en-GB" sz="1600" b="1" dirty="0">
+                <a:solidFill>
+                  <a:schemeClr val="tx1"/>
+                </a:solidFill>
+                <a:latin typeface="Avenir Book" panose="02000503020000020003" pitchFamily="2" charset="0"/>
+              </a:rPr>
+              <a:t>simRat</a:t>
+            </a:r>
+            <a:r>
+              <a:rPr lang="en-GB" sz="1600" dirty="0">
+                <a:solidFill>
+                  <a:schemeClr val="tx1"/>
+                </a:solidFill>
+                <a:latin typeface="Avenir Book" panose="02000503020000020003" pitchFamily="2" charset="0"/>
+              </a:rPr>
+              <a:t>:0.091589):0.271974):0.020593,(</a:t>
+            </a:r>
+            <a:r>
+              <a:rPr lang="en-GB" sz="1600" b="1" dirty="0">
+                <a:solidFill>
+                  <a:schemeClr val="tx1"/>
+                </a:solidFill>
+                <a:latin typeface="Avenir Book" panose="02000503020000020003" pitchFamily="2" charset="0"/>
+              </a:rPr>
+              <a:t>simCow</a:t>
+            </a:r>
+            <a:r>
+              <a:rPr lang="en-GB" sz="1600" dirty="0">
+                <a:solidFill>
+                  <a:schemeClr val="tx1"/>
+                </a:solidFill>
+                <a:latin typeface="Avenir Book" panose="02000503020000020003" pitchFamily="2" charset="0"/>
+              </a:rPr>
+              <a:t>:0.18908,</a:t>
+            </a:r>
+            <a:r>
+              <a:rPr lang="en-GB" sz="1600" b="1" dirty="0">
+                <a:solidFill>
+                  <a:schemeClr val="tx1"/>
+                </a:solidFill>
+                <a:latin typeface="Avenir Book" panose="02000503020000020003" pitchFamily="2" charset="0"/>
+              </a:rPr>
+              <a:t>simDog</a:t>
+            </a:r>
+            <a:r>
+              <a:rPr lang="en-GB" sz="1600" dirty="0">
+                <a:solidFill>
+                  <a:schemeClr val="tx1"/>
+                </a:solidFill>
+                <a:latin typeface="Avenir Book" panose="02000503020000020003" pitchFamily="2" charset="0"/>
+              </a:rPr>
+              <a:t>:0.16303):0.032898);</a:t>
+            </a:r>
+          </a:p>
+          <a:p>
+            <a:pPr marL="0" indent="0">
+              <a:buNone/>
+            </a:pPr>
+            <a:endParaRPr lang="en-CH" sz="1600">
+              <a:solidFill>
+                <a:schemeClr val="tx1"/>
+              </a:solidFill>
+              <a:latin typeface="Avenir Book" panose="02000503020000020003" pitchFamily="2" charset="0"/>
+            </a:endParaRPr>
+          </a:p>
+          <a:p>
+            <a:pPr marL="0" indent="0">
+              <a:buNone/>
+            </a:pPr>
+            <a:r>
+              <a:rPr lang="en-GB" sz="1600" b="1" dirty="0" err="1">
+                <a:solidFill>
+                  <a:schemeClr val="tx1"/>
+                </a:solidFill>
+                <a:latin typeface="Avenir Book" panose="02000503020000020003" pitchFamily="2" charset="0"/>
+              </a:rPr>
+              <a:t>simHuman</a:t>
+            </a:r>
+            <a:r>
+              <a:rPr lang="en-GB" sz="1600" dirty="0">
+                <a:solidFill>
+                  <a:schemeClr val="tx1"/>
+                </a:solidFill>
+                <a:latin typeface="Avenir Book" panose="02000503020000020003" pitchFamily="2" charset="0"/>
+              </a:rPr>
+              <a:t> /path/to/genome/simHuman.chr6.fasta</a:t>
+            </a:r>
+          </a:p>
+          <a:p>
+            <a:pPr marL="0" indent="0">
+              <a:buNone/>
+            </a:pPr>
+            <a:r>
+              <a:rPr lang="en-GB" sz="1600" b="1" dirty="0" err="1">
+                <a:solidFill>
+                  <a:schemeClr val="tx1"/>
+                </a:solidFill>
+                <a:latin typeface="Avenir Book" panose="02000503020000020003" pitchFamily="2" charset="0"/>
+              </a:rPr>
+              <a:t>simMouse</a:t>
+            </a:r>
+            <a:r>
+              <a:rPr lang="en-GB" sz="1600" dirty="0">
+                <a:solidFill>
+                  <a:schemeClr val="tx1"/>
+                </a:solidFill>
+                <a:latin typeface="Avenir Book" panose="02000503020000020003" pitchFamily="2" charset="0"/>
+              </a:rPr>
+              <a:t> /path/to/genome/simMouse.chr6.fasta</a:t>
+            </a:r>
+          </a:p>
+          <a:p>
+            <a:pPr marL="0" indent="0">
+              <a:buNone/>
+            </a:pPr>
+            <a:r>
+              <a:rPr lang="en-GB" sz="1600" b="1" dirty="0" err="1">
+                <a:solidFill>
+                  <a:schemeClr val="tx1"/>
+                </a:solidFill>
+                <a:latin typeface="Avenir Book" panose="02000503020000020003" pitchFamily="2" charset="0"/>
+              </a:rPr>
+              <a:t>simRat</a:t>
+            </a:r>
+            <a:r>
+              <a:rPr lang="en-GB" sz="1600" dirty="0">
+                <a:solidFill>
+                  <a:schemeClr val="tx1"/>
+                </a:solidFill>
+                <a:latin typeface="Avenir Book" panose="02000503020000020003" pitchFamily="2" charset="0"/>
+              </a:rPr>
+              <a:t> /path/to/genome/simRat.chr6.fasta</a:t>
+            </a:r>
+          </a:p>
+          <a:p>
+            <a:pPr marL="0" indent="0">
+              <a:buNone/>
+            </a:pPr>
+            <a:r>
+              <a:rPr lang="en-GB" sz="1600" b="1" dirty="0" err="1">
+                <a:solidFill>
+                  <a:schemeClr val="tx1"/>
+                </a:solidFill>
+                <a:latin typeface="Avenir Book" panose="02000503020000020003" pitchFamily="2" charset="0"/>
+              </a:rPr>
+              <a:t>simCow</a:t>
+            </a:r>
+            <a:r>
+              <a:rPr lang="en-GB" sz="1600" dirty="0">
+                <a:solidFill>
+                  <a:schemeClr val="tx1"/>
+                </a:solidFill>
+                <a:latin typeface="Avenir Book" panose="02000503020000020003" pitchFamily="2" charset="0"/>
+              </a:rPr>
+              <a:t> /path/to/genome/simCow.chr6.fasta</a:t>
+            </a:r>
+          </a:p>
+          <a:p>
+            <a:pPr marL="0" indent="0">
+              <a:buNone/>
+            </a:pPr>
+            <a:r>
+              <a:rPr lang="en-GB" sz="1600" b="1" dirty="0" err="1">
+                <a:solidFill>
+                  <a:schemeClr val="tx1"/>
+                </a:solidFill>
+                <a:latin typeface="Avenir Book" panose="02000503020000020003" pitchFamily="2" charset="0"/>
+              </a:rPr>
+              <a:t>simDog</a:t>
+            </a:r>
+            <a:r>
+              <a:rPr lang="en-GB" sz="1600" dirty="0">
+                <a:solidFill>
+                  <a:schemeClr val="tx1"/>
+                </a:solidFill>
+                <a:latin typeface="Avenir Book" panose="02000503020000020003" pitchFamily="2" charset="0"/>
+              </a:rPr>
+              <a:t> /path/to/genome/ simDog.chr6.fasta</a:t>
+            </a:r>
+          </a:p>
+        </p:txBody>
+      </p:sp>
+    </p:spTree>
+    <p:extLst>
+      <p:ext uri="{BB962C8B-B14F-4D97-AF65-F5344CB8AC3E}">
+        <p14:creationId xmlns:p14="http://schemas.microsoft.com/office/powerpoint/2010/main" val="105467351"/>
+      </p:ext>
+    </p:extLst>
+  </p:cSld>
+  <p:clrMapOvr>
+    <a:masterClrMapping/>
+  </p:clrMapOvr>
+</p:sld>
+</file>
+
+<file path=ppt/slides/slide22.xml><?xml version="1.0" encoding="utf-8"?>
+<p:sld xmlns:a="http://schemas.openxmlformats.org/drawingml/2006/main" xmlns:r="http://schemas.openxmlformats.org/officeDocument/2006/relationships" xmlns:p="http://schemas.openxmlformats.org/presentationml/2006/main">
+  <p:cSld>
+    <p:spTree>
+      <p:nvGrpSpPr>
+        <p:cNvPr id="1" name=""/>
+        <p:cNvGrpSpPr/>
+        <p:nvPr/>
+      </p:nvGrpSpPr>
+      <p:grpSpPr>
+        <a:xfrm>
+          <a:off x="0" y="0"/>
+          <a:ext cx="0" cy="0"/>
+          <a:chOff x="0" y="0"/>
+          <a:chExt cx="0" cy="0"/>
+        </a:xfrm>
+      </p:grpSpPr>
+      <p:sp>
+        <p:nvSpPr>
+          <p:cNvPr id="2" name="Title 1">
+            <a:extLst>
+              <a:ext uri="{FF2B5EF4-FFF2-40B4-BE49-F238E27FC236}">
+                <a16:creationId xmlns:a16="http://schemas.microsoft.com/office/drawing/2014/main" id="{9BFAFCD8-7165-B551-B749-67C739ACDDFA}"/>
+              </a:ext>
+            </a:extLst>
+          </p:cNvPr>
+          <p:cNvSpPr>
+            <a:spLocks noGrp="1"/>
+          </p:cNvSpPr>
+          <p:nvPr>
+            <p:ph type="title"/>
+          </p:nvPr>
+        </p:nvSpPr>
+        <p:spPr/>
+        <p:txBody>
+          <a:bodyPr/>
+          <a:lstStyle/>
+          <a:p>
+            <a:r>
+              <a:rPr lang="en-US" dirty="0"/>
+              <a:t>Running Cactus</a:t>
+            </a:r>
+          </a:p>
+        </p:txBody>
+      </p:sp>
+      <p:sp>
+        <p:nvSpPr>
+          <p:cNvPr id="3" name="Content Placeholder 2">
+            <a:extLst>
+              <a:ext uri="{FF2B5EF4-FFF2-40B4-BE49-F238E27FC236}">
+                <a16:creationId xmlns:a16="http://schemas.microsoft.com/office/drawing/2014/main" id="{0DD41EDA-B80A-08E9-9262-3EFED673D33F}"/>
+              </a:ext>
+            </a:extLst>
+          </p:cNvPr>
+          <p:cNvSpPr>
+            <a:spLocks noGrp="1"/>
+          </p:cNvSpPr>
+          <p:nvPr>
+            <p:ph idx="1"/>
+          </p:nvPr>
+        </p:nvSpPr>
+        <p:spPr>
+          <a:xfrm>
+            <a:off x="336027" y="2164442"/>
+            <a:ext cx="5759973" cy="4393299"/>
+          </a:xfrm>
+          <a:solidFill>
+            <a:schemeClr val="tx2">
+              <a:lumMod val="20000"/>
+              <a:lumOff val="80000"/>
+            </a:schemeClr>
+          </a:solidFill>
+          <a:ln>
+            <a:gradFill>
+              <a:gsLst>
+                <a:gs pos="0">
+                  <a:schemeClr val="accent1">
+                    <a:lumMod val="5000"/>
+                    <a:lumOff val="95000"/>
+                  </a:schemeClr>
+                </a:gs>
+                <a:gs pos="74000">
+                  <a:schemeClr val="accent1">
+                    <a:lumMod val="45000"/>
+                    <a:lumOff val="55000"/>
+                  </a:schemeClr>
+                </a:gs>
+                <a:gs pos="83000">
+                  <a:schemeClr val="accent1">
+                    <a:lumMod val="45000"/>
+                    <a:lumOff val="55000"/>
+                  </a:schemeClr>
+                </a:gs>
+                <a:gs pos="100000">
+                  <a:schemeClr val="accent1">
+                    <a:lumMod val="30000"/>
+                    <a:lumOff val="70000"/>
+                  </a:schemeClr>
+                </a:gs>
+              </a:gsLst>
+              <a:lin ang="5400000" scaled="1"/>
+            </a:gradFill>
+          </a:ln>
+        </p:spPr>
+        <p:txBody>
+          <a:bodyPr>
+            <a:normAutofit fontScale="55000" lnSpcReduction="20000"/>
+          </a:bodyPr>
+          <a:lstStyle/>
+          <a:p>
+            <a:pPr marL="324000" lvl="1" indent="0">
+              <a:buNone/>
+            </a:pPr>
+            <a:r>
+              <a:rPr lang="en-GB" b="1" dirty="0">
+                <a:solidFill>
+                  <a:srgbClr val="000000"/>
+                </a:solidFill>
+                <a:effectLst/>
+                <a:latin typeface="Roboto Mono Light for Powerline" pitchFamily="2" charset="0"/>
+                <a:ea typeface="Roboto Mono Light for Powerline" pitchFamily="2" charset="0"/>
+              </a:rPr>
+              <a:t>## </a:t>
+            </a:r>
+            <a:r>
+              <a:rPr lang="en-GB" b="1" dirty="0" err="1">
+                <a:solidFill>
+                  <a:srgbClr val="000000"/>
+                </a:solidFill>
+                <a:effectLst/>
+                <a:latin typeface="Roboto Mono Light for Powerline" pitchFamily="2" charset="0"/>
+                <a:ea typeface="Roboto Mono Light for Powerline" pitchFamily="2" charset="0"/>
+              </a:rPr>
+              <a:t>Preprocessor</a:t>
+            </a:r>
+            <a:endParaRPr lang="en-GB" b="1" dirty="0">
+              <a:solidFill>
+                <a:srgbClr val="000000"/>
+              </a:solidFill>
+              <a:effectLst/>
+              <a:latin typeface="Roboto Mono Light for Powerline" pitchFamily="2" charset="0"/>
+              <a:ea typeface="Roboto Mono Light for Powerline" pitchFamily="2" charset="0"/>
+            </a:endParaRPr>
+          </a:p>
+          <a:p>
+            <a:pPr marL="324000" lvl="1" indent="0">
+              <a:buNone/>
+            </a:pPr>
+            <a:r>
+              <a:rPr lang="en-GB" b="1" dirty="0">
+                <a:solidFill>
+                  <a:srgbClr val="000000"/>
+                </a:solidFill>
+                <a:effectLst/>
+                <a:latin typeface="Roboto Mono Light for Powerline" pitchFamily="2" charset="0"/>
+                <a:ea typeface="Roboto Mono Light for Powerline" pitchFamily="2" charset="0"/>
+              </a:rPr>
+              <a:t>cactus-</a:t>
+            </a:r>
+            <a:r>
+              <a:rPr lang="en-GB" b="1" dirty="0" err="1">
+                <a:solidFill>
+                  <a:srgbClr val="000000"/>
+                </a:solidFill>
+                <a:effectLst/>
+                <a:latin typeface="Roboto Mono Light for Powerline" pitchFamily="2" charset="0"/>
+                <a:ea typeface="Roboto Mono Light for Powerline" pitchFamily="2" charset="0"/>
+              </a:rPr>
+              <a:t>preprocess</a:t>
+            </a:r>
+            <a:r>
+              <a:rPr lang="en-GB" dirty="0">
+                <a:solidFill>
+                  <a:srgbClr val="000000"/>
+                </a:solidFill>
+                <a:effectLst/>
+                <a:latin typeface="Roboto Mono Light for Powerline" pitchFamily="2" charset="0"/>
+                <a:ea typeface="Roboto Mono Light for Powerline" pitchFamily="2" charset="0"/>
+              </a:rPr>
+              <a:t> </a:t>
+            </a:r>
+            <a:r>
+              <a:rPr lang="en-GB" dirty="0" err="1">
+                <a:solidFill>
+                  <a:srgbClr val="000000"/>
+                </a:solidFill>
+                <a:effectLst/>
+                <a:latin typeface="Roboto Mono Light for Powerline" pitchFamily="2" charset="0"/>
+                <a:ea typeface="Roboto Mono Light for Powerline" pitchFamily="2" charset="0"/>
+              </a:rPr>
+              <a:t>jobstore</a:t>
+            </a:r>
+            <a:r>
+              <a:rPr lang="en-GB" dirty="0">
+                <a:solidFill>
+                  <a:srgbClr val="000000"/>
+                </a:solidFill>
+                <a:effectLst/>
+                <a:latin typeface="Roboto Mono Light for Powerline" pitchFamily="2" charset="0"/>
+                <a:ea typeface="Roboto Mono Light for Powerline" pitchFamily="2" charset="0"/>
+              </a:rPr>
+              <a:t>/0 </a:t>
+            </a:r>
+            <a:r>
+              <a:rPr lang="en-GB" dirty="0" err="1">
+                <a:solidFill>
+                  <a:srgbClr val="000000"/>
+                </a:solidFill>
+                <a:effectLst/>
+                <a:latin typeface="Roboto Mono Light for Powerline" pitchFamily="2" charset="0"/>
+                <a:ea typeface="Roboto Mono Light for Powerline" pitchFamily="2" charset="0"/>
+              </a:rPr>
+              <a:t>tree.nwk</a:t>
+            </a:r>
+            <a:r>
+              <a:rPr lang="en-GB" dirty="0">
+                <a:solidFill>
+                  <a:srgbClr val="000000"/>
+                </a:solidFill>
+                <a:effectLst/>
+                <a:latin typeface="Roboto Mono Light for Powerline" pitchFamily="2" charset="0"/>
+                <a:ea typeface="Roboto Mono Light for Powerline" pitchFamily="2" charset="0"/>
+              </a:rPr>
+              <a:t> steps/</a:t>
+            </a:r>
+            <a:r>
+              <a:rPr lang="en-GB" dirty="0" err="1">
+                <a:solidFill>
+                  <a:srgbClr val="000000"/>
+                </a:solidFill>
+                <a:effectLst/>
+                <a:latin typeface="Roboto Mono Light for Powerline" pitchFamily="2" charset="0"/>
+                <a:ea typeface="Roboto Mono Light for Powerline" pitchFamily="2" charset="0"/>
+              </a:rPr>
+              <a:t>steps.txt</a:t>
+            </a:r>
+            <a:r>
+              <a:rPr lang="en-GB" dirty="0">
+                <a:solidFill>
+                  <a:srgbClr val="000000"/>
+                </a:solidFill>
+                <a:effectLst/>
+                <a:latin typeface="Roboto Mono Light for Powerline" pitchFamily="2" charset="0"/>
+                <a:ea typeface="Roboto Mono Light for Powerline" pitchFamily="2" charset="0"/>
+              </a:rPr>
+              <a:t> --</a:t>
+            </a:r>
+            <a:r>
+              <a:rPr lang="en-GB" dirty="0" err="1">
+                <a:solidFill>
+                  <a:srgbClr val="000000"/>
+                </a:solidFill>
+                <a:effectLst/>
+                <a:latin typeface="Roboto Mono Light for Powerline" pitchFamily="2" charset="0"/>
+                <a:ea typeface="Roboto Mono Light for Powerline" pitchFamily="2" charset="0"/>
+              </a:rPr>
+              <a:t>inputNames</a:t>
+            </a:r>
+            <a:r>
+              <a:rPr lang="en-GB" dirty="0">
+                <a:solidFill>
+                  <a:srgbClr val="000000"/>
+                </a:solidFill>
+                <a:effectLst/>
+                <a:latin typeface="Roboto Mono Light for Powerline" pitchFamily="2" charset="0"/>
+                <a:ea typeface="Roboto Mono Light for Powerline" pitchFamily="2" charset="0"/>
+              </a:rPr>
+              <a:t> bactrocera_neohumeralis_gca024586455v2rs --</a:t>
+            </a:r>
+            <a:r>
+              <a:rPr lang="en-GB" dirty="0" err="1">
+                <a:solidFill>
+                  <a:srgbClr val="000000"/>
+                </a:solidFill>
+                <a:effectLst/>
+                <a:latin typeface="Roboto Mono Light for Powerline" pitchFamily="2" charset="0"/>
+                <a:ea typeface="Roboto Mono Light for Powerline" pitchFamily="2" charset="0"/>
+              </a:rPr>
+              <a:t>logInfo</a:t>
+            </a:r>
+            <a:r>
+              <a:rPr lang="en-GB" dirty="0">
+                <a:solidFill>
+                  <a:srgbClr val="000000"/>
+                </a:solidFill>
+                <a:effectLst/>
+                <a:latin typeface="Roboto Mono Light for Powerline" pitchFamily="2" charset="0"/>
+                <a:ea typeface="Roboto Mono Light for Powerline" pitchFamily="2" charset="0"/>
+              </a:rPr>
+              <a:t> --</a:t>
+            </a:r>
+            <a:r>
+              <a:rPr lang="en-GB" dirty="0" err="1">
+                <a:solidFill>
+                  <a:srgbClr val="000000"/>
+                </a:solidFill>
+                <a:effectLst/>
+                <a:latin typeface="Roboto Mono Light for Powerline" pitchFamily="2" charset="0"/>
+                <a:ea typeface="Roboto Mono Light for Powerline" pitchFamily="2" charset="0"/>
+              </a:rPr>
+              <a:t>retryCount</a:t>
+            </a:r>
+            <a:r>
+              <a:rPr lang="en-GB" dirty="0">
+                <a:solidFill>
+                  <a:srgbClr val="000000"/>
+                </a:solidFill>
+                <a:effectLst/>
+                <a:latin typeface="Roboto Mono Light for Powerline" pitchFamily="2" charset="0"/>
+                <a:ea typeface="Roboto Mono Light for Powerline" pitchFamily="2" charset="0"/>
+              </a:rPr>
+              <a:t> 0  --</a:t>
+            </a:r>
+            <a:r>
+              <a:rPr lang="en-GB" dirty="0" err="1">
+                <a:solidFill>
+                  <a:srgbClr val="000000"/>
+                </a:solidFill>
+                <a:effectLst/>
+                <a:latin typeface="Roboto Mono Light for Powerline" pitchFamily="2" charset="0"/>
+                <a:ea typeface="Roboto Mono Light for Powerline" pitchFamily="2" charset="0"/>
+              </a:rPr>
+              <a:t>gpu</a:t>
+            </a:r>
+            <a:r>
+              <a:rPr lang="en-GB" dirty="0">
+                <a:solidFill>
+                  <a:srgbClr val="000000"/>
+                </a:solidFill>
+                <a:effectLst/>
+                <a:latin typeface="Roboto Mono Light for Powerline" pitchFamily="2" charset="0"/>
+                <a:ea typeface="Roboto Mono Light for Powerline" pitchFamily="2" charset="0"/>
+              </a:rPr>
+              <a:t> all --</a:t>
+            </a:r>
+            <a:r>
+              <a:rPr lang="en-GB" dirty="0" err="1">
+                <a:solidFill>
+                  <a:srgbClr val="000000"/>
+                </a:solidFill>
+                <a:effectLst/>
+                <a:latin typeface="Roboto Mono Light for Powerline" pitchFamily="2" charset="0"/>
+                <a:ea typeface="Roboto Mono Light for Powerline" pitchFamily="2" charset="0"/>
+              </a:rPr>
+              <a:t>logFile</a:t>
+            </a:r>
+            <a:r>
+              <a:rPr lang="en-GB" dirty="0">
+                <a:solidFill>
+                  <a:srgbClr val="000000"/>
+                </a:solidFill>
+                <a:effectLst/>
+                <a:latin typeface="Roboto Mono Light for Powerline" pitchFamily="2" charset="0"/>
+                <a:ea typeface="Roboto Mono Light for Powerline" pitchFamily="2" charset="0"/>
+              </a:rPr>
+              <a:t> steps/logs/preprocess-bactrocera_neohumeralis_gca024586455v2rs.log</a:t>
+            </a:r>
+          </a:p>
+          <a:p>
+            <a:pPr marL="324000" lvl="1" indent="0">
+              <a:buNone/>
+            </a:pPr>
+            <a:r>
+              <a:rPr lang="en-GB" b="1" dirty="0">
+                <a:solidFill>
+                  <a:srgbClr val="000000"/>
+                </a:solidFill>
+                <a:effectLst/>
+                <a:latin typeface="Roboto Mono Light for Powerline" pitchFamily="2" charset="0"/>
+                <a:ea typeface="Roboto Mono Light for Powerline" pitchFamily="2" charset="0"/>
+              </a:rPr>
+              <a:t>cactus-</a:t>
+            </a:r>
+            <a:r>
+              <a:rPr lang="en-GB" b="1" dirty="0" err="1">
+                <a:solidFill>
+                  <a:srgbClr val="000000"/>
+                </a:solidFill>
+                <a:effectLst/>
+                <a:latin typeface="Roboto Mono Light for Powerline" pitchFamily="2" charset="0"/>
+                <a:ea typeface="Roboto Mono Light for Powerline" pitchFamily="2" charset="0"/>
+              </a:rPr>
+              <a:t>preprocess</a:t>
+            </a:r>
+            <a:r>
+              <a:rPr lang="en-GB" dirty="0">
+                <a:solidFill>
+                  <a:srgbClr val="000000"/>
+                </a:solidFill>
+                <a:effectLst/>
+                <a:latin typeface="Roboto Mono Light for Powerline" pitchFamily="2" charset="0"/>
+                <a:ea typeface="Roboto Mono Light for Powerline" pitchFamily="2" charset="0"/>
+              </a:rPr>
+              <a:t> </a:t>
+            </a:r>
+            <a:r>
+              <a:rPr lang="en-GB" dirty="0" err="1">
+                <a:solidFill>
+                  <a:srgbClr val="000000"/>
+                </a:solidFill>
+                <a:effectLst/>
+                <a:latin typeface="Roboto Mono Light for Powerline" pitchFamily="2" charset="0"/>
+                <a:ea typeface="Roboto Mono Light for Powerline" pitchFamily="2" charset="0"/>
+              </a:rPr>
+              <a:t>jobstore</a:t>
+            </a:r>
+            <a:r>
+              <a:rPr lang="en-GB" dirty="0">
+                <a:solidFill>
+                  <a:srgbClr val="000000"/>
+                </a:solidFill>
+                <a:effectLst/>
+                <a:latin typeface="Roboto Mono Light for Powerline" pitchFamily="2" charset="0"/>
+                <a:ea typeface="Roboto Mono Light for Powerline" pitchFamily="2" charset="0"/>
+              </a:rPr>
+              <a:t>/1 </a:t>
+            </a:r>
+            <a:r>
+              <a:rPr lang="en-GB" dirty="0" err="1">
+                <a:solidFill>
+                  <a:srgbClr val="000000"/>
+                </a:solidFill>
+                <a:effectLst/>
+                <a:latin typeface="Roboto Mono Light for Powerline" pitchFamily="2" charset="0"/>
+                <a:ea typeface="Roboto Mono Light for Powerline" pitchFamily="2" charset="0"/>
+              </a:rPr>
+              <a:t>tree.nwk</a:t>
+            </a:r>
+            <a:r>
+              <a:rPr lang="en-GB" dirty="0">
+                <a:solidFill>
+                  <a:srgbClr val="000000"/>
+                </a:solidFill>
+                <a:effectLst/>
+                <a:latin typeface="Roboto Mono Light for Powerline" pitchFamily="2" charset="0"/>
+                <a:ea typeface="Roboto Mono Light for Powerline" pitchFamily="2" charset="0"/>
+              </a:rPr>
+              <a:t> steps/</a:t>
+            </a:r>
+            <a:r>
+              <a:rPr lang="en-GB" dirty="0" err="1">
+                <a:solidFill>
+                  <a:srgbClr val="000000"/>
+                </a:solidFill>
+                <a:effectLst/>
+                <a:latin typeface="Roboto Mono Light for Powerline" pitchFamily="2" charset="0"/>
+                <a:ea typeface="Roboto Mono Light for Powerline" pitchFamily="2" charset="0"/>
+              </a:rPr>
+              <a:t>steps.txt</a:t>
+            </a:r>
+            <a:r>
+              <a:rPr lang="en-GB" dirty="0">
+                <a:solidFill>
+                  <a:srgbClr val="000000"/>
+                </a:solidFill>
+                <a:effectLst/>
+                <a:latin typeface="Roboto Mono Light for Powerline" pitchFamily="2" charset="0"/>
+                <a:ea typeface="Roboto Mono Light for Powerline" pitchFamily="2" charset="0"/>
+              </a:rPr>
+              <a:t> --</a:t>
+            </a:r>
+            <a:r>
+              <a:rPr lang="en-GB" dirty="0" err="1">
+                <a:solidFill>
+                  <a:srgbClr val="000000"/>
+                </a:solidFill>
+                <a:effectLst/>
+                <a:latin typeface="Roboto Mono Light for Powerline" pitchFamily="2" charset="0"/>
+                <a:ea typeface="Roboto Mono Light for Powerline" pitchFamily="2" charset="0"/>
+              </a:rPr>
+              <a:t>inputNames</a:t>
+            </a:r>
+            <a:r>
+              <a:rPr lang="en-GB" dirty="0">
+                <a:solidFill>
+                  <a:srgbClr val="000000"/>
+                </a:solidFill>
+                <a:effectLst/>
+                <a:latin typeface="Roboto Mono Light for Powerline" pitchFamily="2" charset="0"/>
+                <a:ea typeface="Roboto Mono Light for Powerline" pitchFamily="2" charset="0"/>
+              </a:rPr>
+              <a:t> machimus_atricapillus_gca933228815v1 --</a:t>
+            </a:r>
+            <a:r>
+              <a:rPr lang="en-GB" dirty="0" err="1">
+                <a:solidFill>
+                  <a:srgbClr val="000000"/>
+                </a:solidFill>
+                <a:effectLst/>
+                <a:latin typeface="Roboto Mono Light for Powerline" pitchFamily="2" charset="0"/>
+                <a:ea typeface="Roboto Mono Light for Powerline" pitchFamily="2" charset="0"/>
+              </a:rPr>
+              <a:t>logInfo</a:t>
+            </a:r>
+            <a:r>
+              <a:rPr lang="en-GB" dirty="0">
+                <a:solidFill>
+                  <a:srgbClr val="000000"/>
+                </a:solidFill>
+                <a:effectLst/>
+                <a:latin typeface="Roboto Mono Light for Powerline" pitchFamily="2" charset="0"/>
+                <a:ea typeface="Roboto Mono Light for Powerline" pitchFamily="2" charset="0"/>
+              </a:rPr>
+              <a:t> --</a:t>
+            </a:r>
+            <a:r>
+              <a:rPr lang="en-GB" dirty="0" err="1">
+                <a:solidFill>
+                  <a:srgbClr val="000000"/>
+                </a:solidFill>
+                <a:effectLst/>
+                <a:latin typeface="Roboto Mono Light for Powerline" pitchFamily="2" charset="0"/>
+                <a:ea typeface="Roboto Mono Light for Powerline" pitchFamily="2" charset="0"/>
+              </a:rPr>
+              <a:t>retryCount</a:t>
+            </a:r>
+            <a:r>
+              <a:rPr lang="en-GB" dirty="0">
+                <a:solidFill>
+                  <a:srgbClr val="000000"/>
+                </a:solidFill>
+                <a:effectLst/>
+                <a:latin typeface="Roboto Mono Light for Powerline" pitchFamily="2" charset="0"/>
+                <a:ea typeface="Roboto Mono Light for Powerline" pitchFamily="2" charset="0"/>
+              </a:rPr>
+              <a:t> 0  --</a:t>
+            </a:r>
+            <a:r>
+              <a:rPr lang="en-GB" dirty="0" err="1">
+                <a:solidFill>
+                  <a:srgbClr val="000000"/>
+                </a:solidFill>
+                <a:effectLst/>
+                <a:latin typeface="Roboto Mono Light for Powerline" pitchFamily="2" charset="0"/>
+                <a:ea typeface="Roboto Mono Light for Powerline" pitchFamily="2" charset="0"/>
+              </a:rPr>
+              <a:t>gpu</a:t>
+            </a:r>
+            <a:r>
+              <a:rPr lang="en-GB" dirty="0">
+                <a:solidFill>
+                  <a:srgbClr val="000000"/>
+                </a:solidFill>
+                <a:effectLst/>
+                <a:latin typeface="Roboto Mono Light for Powerline" pitchFamily="2" charset="0"/>
+                <a:ea typeface="Roboto Mono Light for Powerline" pitchFamily="2" charset="0"/>
+              </a:rPr>
+              <a:t> all --</a:t>
+            </a:r>
+            <a:r>
+              <a:rPr lang="en-GB" dirty="0" err="1">
+                <a:solidFill>
+                  <a:srgbClr val="000000"/>
+                </a:solidFill>
+                <a:effectLst/>
+                <a:latin typeface="Roboto Mono Light for Powerline" pitchFamily="2" charset="0"/>
+                <a:ea typeface="Roboto Mono Light for Powerline" pitchFamily="2" charset="0"/>
+              </a:rPr>
+              <a:t>logFile</a:t>
+            </a:r>
+            <a:r>
+              <a:rPr lang="en-GB" dirty="0">
+                <a:solidFill>
+                  <a:srgbClr val="000000"/>
+                </a:solidFill>
+                <a:effectLst/>
+                <a:latin typeface="Roboto Mono Light for Powerline" pitchFamily="2" charset="0"/>
+                <a:ea typeface="Roboto Mono Light for Powerline" pitchFamily="2" charset="0"/>
+              </a:rPr>
+              <a:t> steps/logs/preprocess-machimus_atricapillus_gca933228815v1.log</a:t>
+            </a:r>
+          </a:p>
+          <a:p>
+            <a:pPr marL="324000" lvl="1" indent="0">
+              <a:buNone/>
+            </a:pPr>
+            <a:r>
+              <a:rPr lang="en-GB" dirty="0">
+                <a:solidFill>
+                  <a:srgbClr val="000000"/>
+                </a:solidFill>
+                <a:effectLst/>
+                <a:latin typeface="Roboto Mono Light for Powerline" pitchFamily="2" charset="0"/>
+                <a:ea typeface="Roboto Mono Light for Powerline" pitchFamily="2" charset="0"/>
+              </a:rPr>
+              <a:t>[...]</a:t>
+            </a:r>
+          </a:p>
+          <a:p>
+            <a:pPr marL="324000" lvl="1" indent="0">
+              <a:buNone/>
+            </a:pPr>
+            <a:r>
+              <a:rPr lang="en-GB" b="1" dirty="0">
+                <a:solidFill>
+                  <a:srgbClr val="000000"/>
+                </a:solidFill>
+                <a:effectLst/>
+                <a:latin typeface="Roboto Mono Light for Powerline" pitchFamily="2" charset="0"/>
+                <a:ea typeface="Roboto Mono Light for Powerline" pitchFamily="2" charset="0"/>
+              </a:rPr>
+              <a:t>## Alignment</a:t>
+            </a:r>
+          </a:p>
+          <a:p>
+            <a:pPr marL="324000" lvl="1" indent="0">
+              <a:buNone/>
+            </a:pPr>
+            <a:endParaRPr lang="en-GB" b="1" dirty="0">
+              <a:solidFill>
+                <a:srgbClr val="000000"/>
+              </a:solidFill>
+              <a:effectLst/>
+              <a:latin typeface="Roboto Mono Light for Powerline" pitchFamily="2" charset="0"/>
+              <a:ea typeface="Roboto Mono Light for Powerline" pitchFamily="2" charset="0"/>
+            </a:endParaRPr>
+          </a:p>
+          <a:p>
+            <a:pPr marL="324000" lvl="1" indent="0">
+              <a:buNone/>
+            </a:pPr>
+            <a:r>
+              <a:rPr lang="en-GB" b="1" dirty="0">
+                <a:solidFill>
+                  <a:srgbClr val="000000"/>
+                </a:solidFill>
+                <a:effectLst/>
+                <a:latin typeface="Roboto Mono Light for Powerline" pitchFamily="2" charset="0"/>
+                <a:ea typeface="Roboto Mono Light for Powerline" pitchFamily="2" charset="0"/>
+              </a:rPr>
+              <a:t>### Round 0</a:t>
+            </a:r>
+          </a:p>
+          <a:p>
+            <a:pPr marL="324000" lvl="1" indent="0">
+              <a:buNone/>
+            </a:pPr>
+            <a:r>
+              <a:rPr lang="en-GB" b="1" dirty="0">
+                <a:solidFill>
+                  <a:srgbClr val="000000"/>
+                </a:solidFill>
+                <a:effectLst/>
+                <a:latin typeface="Roboto Mono Light for Powerline" pitchFamily="2" charset="0"/>
+                <a:ea typeface="Roboto Mono Light for Powerline" pitchFamily="2" charset="0"/>
+              </a:rPr>
+              <a:t>cactus-blast</a:t>
+            </a:r>
+            <a:r>
+              <a:rPr lang="en-GB" dirty="0">
+                <a:solidFill>
+                  <a:srgbClr val="000000"/>
+                </a:solidFill>
+                <a:effectLst/>
+                <a:latin typeface="Roboto Mono Light for Powerline" pitchFamily="2" charset="0"/>
+                <a:ea typeface="Roboto Mono Light for Powerline" pitchFamily="2" charset="0"/>
+              </a:rPr>
+              <a:t> </a:t>
+            </a:r>
+            <a:r>
+              <a:rPr lang="en-GB" dirty="0" err="1">
+                <a:solidFill>
+                  <a:srgbClr val="000000"/>
+                </a:solidFill>
+                <a:effectLst/>
+                <a:latin typeface="Roboto Mono Light for Powerline" pitchFamily="2" charset="0"/>
+                <a:ea typeface="Roboto Mono Light for Powerline" pitchFamily="2" charset="0"/>
+              </a:rPr>
+              <a:t>jobstore</a:t>
+            </a:r>
+            <a:r>
+              <a:rPr lang="en-GB" dirty="0">
+                <a:solidFill>
+                  <a:srgbClr val="000000"/>
+                </a:solidFill>
+                <a:effectLst/>
+                <a:latin typeface="Roboto Mono Light for Powerline" pitchFamily="2" charset="0"/>
+                <a:ea typeface="Roboto Mono Light for Powerline" pitchFamily="2" charset="0"/>
+              </a:rPr>
+              <a:t>/40 steps/</a:t>
+            </a:r>
+            <a:r>
+              <a:rPr lang="en-GB" dirty="0" err="1">
+                <a:solidFill>
+                  <a:srgbClr val="000000"/>
+                </a:solidFill>
+                <a:effectLst/>
+                <a:latin typeface="Roboto Mono Light for Powerline" pitchFamily="2" charset="0"/>
+                <a:ea typeface="Roboto Mono Light for Powerline" pitchFamily="2" charset="0"/>
+              </a:rPr>
+              <a:t>steps.txt</a:t>
+            </a:r>
+            <a:r>
+              <a:rPr lang="en-GB" dirty="0">
+                <a:solidFill>
+                  <a:srgbClr val="000000"/>
+                </a:solidFill>
+                <a:effectLst/>
+                <a:latin typeface="Roboto Mono Light for Powerline" pitchFamily="2" charset="0"/>
+                <a:ea typeface="Roboto Mono Light for Powerline" pitchFamily="2" charset="0"/>
+              </a:rPr>
+              <a:t> steps/Anc06.paf --root Anc06 --</a:t>
+            </a:r>
+            <a:r>
+              <a:rPr lang="en-GB" dirty="0" err="1">
+                <a:solidFill>
+                  <a:srgbClr val="000000"/>
+                </a:solidFill>
+                <a:effectLst/>
+                <a:latin typeface="Roboto Mono Light for Powerline" pitchFamily="2" charset="0"/>
+                <a:ea typeface="Roboto Mono Light for Powerline" pitchFamily="2" charset="0"/>
+              </a:rPr>
+              <a:t>logInfo</a:t>
+            </a:r>
+            <a:r>
+              <a:rPr lang="en-GB" dirty="0">
+                <a:solidFill>
+                  <a:srgbClr val="000000"/>
+                </a:solidFill>
+                <a:effectLst/>
+                <a:latin typeface="Roboto Mono Light for Powerline" pitchFamily="2" charset="0"/>
+                <a:ea typeface="Roboto Mono Light for Powerline" pitchFamily="2" charset="0"/>
+              </a:rPr>
+              <a:t> --</a:t>
+            </a:r>
+            <a:r>
+              <a:rPr lang="en-GB" dirty="0" err="1">
+                <a:solidFill>
+                  <a:srgbClr val="000000"/>
+                </a:solidFill>
+                <a:effectLst/>
+                <a:latin typeface="Roboto Mono Light for Powerline" pitchFamily="2" charset="0"/>
+                <a:ea typeface="Roboto Mono Light for Powerline" pitchFamily="2" charset="0"/>
+              </a:rPr>
+              <a:t>retryCount</a:t>
+            </a:r>
+            <a:r>
+              <a:rPr lang="en-GB" dirty="0">
+                <a:solidFill>
+                  <a:srgbClr val="000000"/>
+                </a:solidFill>
+                <a:effectLst/>
+                <a:latin typeface="Roboto Mono Light for Powerline" pitchFamily="2" charset="0"/>
+                <a:ea typeface="Roboto Mono Light for Powerline" pitchFamily="2" charset="0"/>
+              </a:rPr>
+              <a:t> 0 --</a:t>
+            </a:r>
+            <a:r>
+              <a:rPr lang="en-GB" dirty="0" err="1">
+                <a:solidFill>
+                  <a:srgbClr val="000000"/>
+                </a:solidFill>
+                <a:effectLst/>
+                <a:latin typeface="Roboto Mono Light for Powerline" pitchFamily="2" charset="0"/>
+                <a:ea typeface="Roboto Mono Light for Powerline" pitchFamily="2" charset="0"/>
+              </a:rPr>
+              <a:t>maxCores</a:t>
+            </a:r>
+            <a:r>
+              <a:rPr lang="en-GB" dirty="0">
+                <a:solidFill>
+                  <a:srgbClr val="000000"/>
+                </a:solidFill>
+                <a:effectLst/>
+                <a:latin typeface="Roboto Mono Light for Powerline" pitchFamily="2" charset="0"/>
+                <a:ea typeface="Roboto Mono Light for Powerline" pitchFamily="2" charset="0"/>
+              </a:rPr>
+              <a:t> 48 --</a:t>
+            </a:r>
+            <a:r>
+              <a:rPr lang="en-GB" dirty="0" err="1">
+                <a:solidFill>
+                  <a:srgbClr val="000000"/>
+                </a:solidFill>
+                <a:effectLst/>
+                <a:latin typeface="Roboto Mono Light for Powerline" pitchFamily="2" charset="0"/>
+                <a:ea typeface="Roboto Mono Light for Powerline" pitchFamily="2" charset="0"/>
+              </a:rPr>
+              <a:t>gpu</a:t>
+            </a:r>
+            <a:r>
+              <a:rPr lang="en-GB" dirty="0">
+                <a:solidFill>
+                  <a:srgbClr val="000000"/>
+                </a:solidFill>
+                <a:effectLst/>
+                <a:latin typeface="Roboto Mono Light for Powerline" pitchFamily="2" charset="0"/>
+                <a:ea typeface="Roboto Mono Light for Powerline" pitchFamily="2" charset="0"/>
+              </a:rPr>
+              <a:t> all --</a:t>
+            </a:r>
+            <a:r>
+              <a:rPr lang="en-GB" dirty="0" err="1">
+                <a:solidFill>
+                  <a:srgbClr val="000000"/>
+                </a:solidFill>
+                <a:effectLst/>
+                <a:latin typeface="Roboto Mono Light for Powerline" pitchFamily="2" charset="0"/>
+                <a:ea typeface="Roboto Mono Light for Powerline" pitchFamily="2" charset="0"/>
+              </a:rPr>
+              <a:t>logFile</a:t>
+            </a:r>
+            <a:r>
+              <a:rPr lang="en-GB" dirty="0">
+                <a:solidFill>
+                  <a:srgbClr val="000000"/>
+                </a:solidFill>
+                <a:effectLst/>
+                <a:latin typeface="Roboto Mono Light for Powerline" pitchFamily="2" charset="0"/>
+                <a:ea typeface="Roboto Mono Light for Powerline" pitchFamily="2" charset="0"/>
+              </a:rPr>
+              <a:t> steps/logs/blast-Anc06.log</a:t>
+            </a:r>
+          </a:p>
+          <a:p>
+            <a:pPr marL="324000" lvl="1" indent="0">
+              <a:buNone/>
+            </a:pPr>
+            <a:r>
+              <a:rPr lang="en-GB" b="1" dirty="0">
+                <a:solidFill>
+                  <a:srgbClr val="000000"/>
+                </a:solidFill>
+                <a:effectLst/>
+                <a:latin typeface="Roboto Mono Light for Powerline" pitchFamily="2" charset="0"/>
+                <a:ea typeface="Roboto Mono Light for Powerline" pitchFamily="2" charset="0"/>
+              </a:rPr>
+              <a:t>cactus-align</a:t>
+            </a:r>
+            <a:r>
+              <a:rPr lang="en-GB" dirty="0">
+                <a:solidFill>
+                  <a:srgbClr val="000000"/>
+                </a:solidFill>
+                <a:effectLst/>
+                <a:latin typeface="Roboto Mono Light for Powerline" pitchFamily="2" charset="0"/>
+                <a:ea typeface="Roboto Mono Light for Powerline" pitchFamily="2" charset="0"/>
+              </a:rPr>
+              <a:t> </a:t>
+            </a:r>
+            <a:r>
+              <a:rPr lang="en-GB" dirty="0" err="1">
+                <a:solidFill>
+                  <a:srgbClr val="000000"/>
+                </a:solidFill>
+                <a:effectLst/>
+                <a:latin typeface="Roboto Mono Light for Powerline" pitchFamily="2" charset="0"/>
+                <a:ea typeface="Roboto Mono Light for Powerline" pitchFamily="2" charset="0"/>
+              </a:rPr>
+              <a:t>jobstore</a:t>
+            </a:r>
+            <a:r>
+              <a:rPr lang="en-GB" dirty="0">
+                <a:solidFill>
+                  <a:srgbClr val="000000"/>
+                </a:solidFill>
+                <a:effectLst/>
+                <a:latin typeface="Roboto Mono Light for Powerline" pitchFamily="2" charset="0"/>
+                <a:ea typeface="Roboto Mono Light for Powerline" pitchFamily="2" charset="0"/>
+              </a:rPr>
+              <a:t>/41 steps/</a:t>
+            </a:r>
+            <a:r>
+              <a:rPr lang="en-GB" dirty="0" err="1">
+                <a:solidFill>
+                  <a:srgbClr val="000000"/>
+                </a:solidFill>
+                <a:effectLst/>
+                <a:latin typeface="Roboto Mono Light for Powerline" pitchFamily="2" charset="0"/>
+                <a:ea typeface="Roboto Mono Light for Powerline" pitchFamily="2" charset="0"/>
+              </a:rPr>
+              <a:t>steps.txt</a:t>
+            </a:r>
+            <a:r>
+              <a:rPr lang="en-GB" dirty="0">
+                <a:solidFill>
+                  <a:srgbClr val="000000"/>
+                </a:solidFill>
+                <a:effectLst/>
+                <a:latin typeface="Roboto Mono Light for Powerline" pitchFamily="2" charset="0"/>
+                <a:ea typeface="Roboto Mono Light for Powerline" pitchFamily="2" charset="0"/>
+              </a:rPr>
+              <a:t> steps/Anc06.paf steps/Anc06.hal --root Anc06 --</a:t>
+            </a:r>
+            <a:r>
+              <a:rPr lang="en-GB" dirty="0" err="1">
+                <a:solidFill>
+                  <a:srgbClr val="000000"/>
+                </a:solidFill>
+                <a:effectLst/>
+                <a:latin typeface="Roboto Mono Light for Powerline" pitchFamily="2" charset="0"/>
+                <a:ea typeface="Roboto Mono Light for Powerline" pitchFamily="2" charset="0"/>
+              </a:rPr>
+              <a:t>logInfo</a:t>
+            </a:r>
+            <a:r>
+              <a:rPr lang="en-GB" dirty="0">
+                <a:solidFill>
+                  <a:srgbClr val="000000"/>
+                </a:solidFill>
+                <a:effectLst/>
+                <a:latin typeface="Roboto Mono Light for Powerline" pitchFamily="2" charset="0"/>
+                <a:ea typeface="Roboto Mono Light for Powerline" pitchFamily="2" charset="0"/>
+              </a:rPr>
+              <a:t> --</a:t>
+            </a:r>
+            <a:r>
+              <a:rPr lang="en-GB" dirty="0" err="1">
+                <a:solidFill>
+                  <a:srgbClr val="000000"/>
+                </a:solidFill>
+                <a:effectLst/>
+                <a:latin typeface="Roboto Mono Light for Powerline" pitchFamily="2" charset="0"/>
+                <a:ea typeface="Roboto Mono Light for Powerline" pitchFamily="2" charset="0"/>
+              </a:rPr>
+              <a:t>retryCount</a:t>
+            </a:r>
+            <a:r>
+              <a:rPr lang="en-GB" dirty="0">
+                <a:solidFill>
+                  <a:srgbClr val="000000"/>
+                </a:solidFill>
+                <a:effectLst/>
+                <a:latin typeface="Roboto Mono Light for Powerline" pitchFamily="2" charset="0"/>
+                <a:ea typeface="Roboto Mono Light for Powerline" pitchFamily="2" charset="0"/>
+              </a:rPr>
+              <a:t> 0 --</a:t>
+            </a:r>
+            <a:r>
+              <a:rPr lang="en-GB" dirty="0" err="1">
+                <a:solidFill>
+                  <a:srgbClr val="000000"/>
+                </a:solidFill>
+                <a:effectLst/>
+                <a:latin typeface="Roboto Mono Light for Powerline" pitchFamily="2" charset="0"/>
+                <a:ea typeface="Roboto Mono Light for Powerline" pitchFamily="2" charset="0"/>
+              </a:rPr>
+              <a:t>maxCores</a:t>
+            </a:r>
+            <a:r>
+              <a:rPr lang="en-GB" dirty="0">
+                <a:solidFill>
+                  <a:srgbClr val="000000"/>
+                </a:solidFill>
+                <a:effectLst/>
+                <a:latin typeface="Roboto Mono Light for Powerline" pitchFamily="2" charset="0"/>
+                <a:ea typeface="Roboto Mono Light for Powerline" pitchFamily="2" charset="0"/>
+              </a:rPr>
+              <a:t> 48 --</a:t>
+            </a:r>
+            <a:r>
+              <a:rPr lang="en-GB" dirty="0" err="1">
+                <a:solidFill>
+                  <a:srgbClr val="000000"/>
+                </a:solidFill>
+                <a:effectLst/>
+                <a:latin typeface="Roboto Mono Light for Powerline" pitchFamily="2" charset="0"/>
+                <a:ea typeface="Roboto Mono Light for Powerline" pitchFamily="2" charset="0"/>
+              </a:rPr>
+              <a:t>logFile</a:t>
+            </a:r>
+            <a:r>
+              <a:rPr lang="en-GB" dirty="0">
+                <a:solidFill>
+                  <a:srgbClr val="000000"/>
+                </a:solidFill>
+                <a:effectLst/>
+                <a:latin typeface="Roboto Mono Light for Powerline" pitchFamily="2" charset="0"/>
+                <a:ea typeface="Roboto Mono Light for Powerline" pitchFamily="2" charset="0"/>
+              </a:rPr>
+              <a:t> steps/logs/align-Anc06.log</a:t>
+            </a:r>
+          </a:p>
+          <a:p>
+            <a:pPr marL="324000" lvl="1" indent="0">
+              <a:buNone/>
+            </a:pPr>
+            <a:r>
+              <a:rPr lang="en-GB" b="1" dirty="0">
+                <a:solidFill>
+                  <a:srgbClr val="000000"/>
+                </a:solidFill>
+                <a:effectLst/>
+                <a:latin typeface="Roboto Mono Light for Powerline" pitchFamily="2" charset="0"/>
+                <a:ea typeface="Roboto Mono Light for Powerline" pitchFamily="2" charset="0"/>
+              </a:rPr>
+              <a:t>hal2fasta</a:t>
+            </a:r>
+            <a:r>
+              <a:rPr lang="en-GB" dirty="0">
+                <a:solidFill>
+                  <a:srgbClr val="000000"/>
+                </a:solidFill>
+                <a:effectLst/>
+                <a:latin typeface="Roboto Mono Light for Powerline" pitchFamily="2" charset="0"/>
+                <a:ea typeface="Roboto Mono Light for Powerline" pitchFamily="2" charset="0"/>
+              </a:rPr>
+              <a:t> steps/Anc06.hal Anc06 --hdf5InMemory &gt; steps/Anc06.fa</a:t>
+            </a:r>
+          </a:p>
+          <a:p>
+            <a:pPr marL="324000" lvl="1" indent="0">
+              <a:buNone/>
+            </a:pPr>
+            <a:endParaRPr lang="en-GB" b="1" dirty="0">
+              <a:solidFill>
+                <a:srgbClr val="000000"/>
+              </a:solidFill>
+              <a:effectLst/>
+              <a:latin typeface="Roboto Mono Light for Powerline" pitchFamily="2" charset="0"/>
+              <a:ea typeface="Roboto Mono Light for Powerline" pitchFamily="2" charset="0"/>
+            </a:endParaRPr>
+          </a:p>
+          <a:p>
+            <a:pPr marL="324000" lvl="1" indent="0">
+              <a:buNone/>
+            </a:pPr>
+            <a:r>
+              <a:rPr lang="en-GB" b="1" dirty="0">
+                <a:solidFill>
+                  <a:srgbClr val="000000"/>
+                </a:solidFill>
+                <a:effectLst/>
+                <a:latin typeface="Roboto Mono Light for Powerline" pitchFamily="2" charset="0"/>
+                <a:ea typeface="Roboto Mono Light for Powerline" pitchFamily="2" charset="0"/>
+              </a:rPr>
+              <a:t>cactus-blast</a:t>
+            </a:r>
+            <a:r>
+              <a:rPr lang="en-GB" dirty="0">
+                <a:solidFill>
+                  <a:srgbClr val="000000"/>
+                </a:solidFill>
+                <a:effectLst/>
+                <a:latin typeface="Roboto Mono Light for Powerline" pitchFamily="2" charset="0"/>
+                <a:ea typeface="Roboto Mono Light for Powerline" pitchFamily="2" charset="0"/>
+              </a:rPr>
+              <a:t> </a:t>
+            </a:r>
+            <a:r>
+              <a:rPr lang="en-GB" dirty="0" err="1">
+                <a:solidFill>
+                  <a:srgbClr val="000000"/>
+                </a:solidFill>
+                <a:effectLst/>
+                <a:latin typeface="Roboto Mono Light for Powerline" pitchFamily="2" charset="0"/>
+                <a:ea typeface="Roboto Mono Light for Powerline" pitchFamily="2" charset="0"/>
+              </a:rPr>
+              <a:t>jobstore</a:t>
+            </a:r>
+            <a:r>
+              <a:rPr lang="en-GB" dirty="0">
+                <a:solidFill>
+                  <a:srgbClr val="000000"/>
+                </a:solidFill>
+                <a:effectLst/>
+                <a:latin typeface="Roboto Mono Light for Powerline" pitchFamily="2" charset="0"/>
+                <a:ea typeface="Roboto Mono Light for Powerline" pitchFamily="2" charset="0"/>
+              </a:rPr>
+              <a:t>/42 steps/</a:t>
+            </a:r>
+            <a:r>
+              <a:rPr lang="en-GB" dirty="0" err="1">
+                <a:solidFill>
+                  <a:srgbClr val="000000"/>
+                </a:solidFill>
+                <a:effectLst/>
+                <a:latin typeface="Roboto Mono Light for Powerline" pitchFamily="2" charset="0"/>
+                <a:ea typeface="Roboto Mono Light for Powerline" pitchFamily="2" charset="0"/>
+              </a:rPr>
+              <a:t>steps.txt</a:t>
+            </a:r>
+            <a:r>
+              <a:rPr lang="en-GB" dirty="0">
+                <a:solidFill>
+                  <a:srgbClr val="000000"/>
+                </a:solidFill>
+                <a:effectLst/>
+                <a:latin typeface="Roboto Mono Light for Powerline" pitchFamily="2" charset="0"/>
+                <a:ea typeface="Roboto Mono Light for Powerline" pitchFamily="2" charset="0"/>
+              </a:rPr>
+              <a:t> steps/Anc09.paf --root Anc09 --</a:t>
+            </a:r>
+            <a:r>
+              <a:rPr lang="en-GB" dirty="0" err="1">
+                <a:solidFill>
+                  <a:srgbClr val="000000"/>
+                </a:solidFill>
+                <a:effectLst/>
+                <a:latin typeface="Roboto Mono Light for Powerline" pitchFamily="2" charset="0"/>
+                <a:ea typeface="Roboto Mono Light for Powerline" pitchFamily="2" charset="0"/>
+              </a:rPr>
+              <a:t>logInfo</a:t>
+            </a:r>
+            <a:r>
+              <a:rPr lang="en-GB" dirty="0">
+                <a:solidFill>
+                  <a:srgbClr val="000000"/>
+                </a:solidFill>
+                <a:effectLst/>
+                <a:latin typeface="Roboto Mono Light for Powerline" pitchFamily="2" charset="0"/>
+                <a:ea typeface="Roboto Mono Light for Powerline" pitchFamily="2" charset="0"/>
+              </a:rPr>
+              <a:t> --</a:t>
+            </a:r>
+            <a:r>
+              <a:rPr lang="en-GB" dirty="0" err="1">
+                <a:solidFill>
+                  <a:srgbClr val="000000"/>
+                </a:solidFill>
+                <a:effectLst/>
+                <a:latin typeface="Roboto Mono Light for Powerline" pitchFamily="2" charset="0"/>
+                <a:ea typeface="Roboto Mono Light for Powerline" pitchFamily="2" charset="0"/>
+              </a:rPr>
+              <a:t>retryCount</a:t>
+            </a:r>
+            <a:r>
+              <a:rPr lang="en-GB" dirty="0">
+                <a:solidFill>
+                  <a:srgbClr val="000000"/>
+                </a:solidFill>
+                <a:effectLst/>
+                <a:latin typeface="Roboto Mono Light for Powerline" pitchFamily="2" charset="0"/>
+                <a:ea typeface="Roboto Mono Light for Powerline" pitchFamily="2" charset="0"/>
+              </a:rPr>
+              <a:t> 0 --</a:t>
+            </a:r>
+            <a:r>
+              <a:rPr lang="en-GB" dirty="0" err="1">
+                <a:solidFill>
+                  <a:srgbClr val="000000"/>
+                </a:solidFill>
+                <a:effectLst/>
+                <a:latin typeface="Roboto Mono Light for Powerline" pitchFamily="2" charset="0"/>
+                <a:ea typeface="Roboto Mono Light for Powerline" pitchFamily="2" charset="0"/>
+              </a:rPr>
+              <a:t>maxCores</a:t>
+            </a:r>
+            <a:r>
+              <a:rPr lang="en-GB" dirty="0">
+                <a:solidFill>
+                  <a:srgbClr val="000000"/>
+                </a:solidFill>
+                <a:effectLst/>
+                <a:latin typeface="Roboto Mono Light for Powerline" pitchFamily="2" charset="0"/>
+                <a:ea typeface="Roboto Mono Light for Powerline" pitchFamily="2" charset="0"/>
+              </a:rPr>
+              <a:t> 48 --</a:t>
+            </a:r>
+            <a:r>
+              <a:rPr lang="en-GB" dirty="0" err="1">
+                <a:solidFill>
+                  <a:srgbClr val="000000"/>
+                </a:solidFill>
+                <a:effectLst/>
+                <a:latin typeface="Roboto Mono Light for Powerline" pitchFamily="2" charset="0"/>
+                <a:ea typeface="Roboto Mono Light for Powerline" pitchFamily="2" charset="0"/>
+              </a:rPr>
+              <a:t>gpu</a:t>
+            </a:r>
+            <a:r>
+              <a:rPr lang="en-GB" dirty="0">
+                <a:solidFill>
+                  <a:srgbClr val="000000"/>
+                </a:solidFill>
+                <a:effectLst/>
+                <a:latin typeface="Roboto Mono Light for Powerline" pitchFamily="2" charset="0"/>
+                <a:ea typeface="Roboto Mono Light for Powerline" pitchFamily="2" charset="0"/>
+              </a:rPr>
+              <a:t> all --</a:t>
+            </a:r>
+            <a:r>
+              <a:rPr lang="en-GB" dirty="0" err="1">
+                <a:solidFill>
+                  <a:srgbClr val="000000"/>
+                </a:solidFill>
+                <a:effectLst/>
+                <a:latin typeface="Roboto Mono Light for Powerline" pitchFamily="2" charset="0"/>
+                <a:ea typeface="Roboto Mono Light for Powerline" pitchFamily="2" charset="0"/>
+              </a:rPr>
+              <a:t>logFile</a:t>
+            </a:r>
+            <a:r>
+              <a:rPr lang="en-GB" dirty="0">
+                <a:solidFill>
+                  <a:srgbClr val="000000"/>
+                </a:solidFill>
+                <a:effectLst/>
+                <a:latin typeface="Roboto Mono Light for Powerline" pitchFamily="2" charset="0"/>
+                <a:ea typeface="Roboto Mono Light for Powerline" pitchFamily="2" charset="0"/>
+              </a:rPr>
+              <a:t> steps/logs/blast-Anc09.log</a:t>
+            </a:r>
+          </a:p>
+          <a:p>
+            <a:pPr marL="324000" lvl="1" indent="0">
+              <a:buNone/>
+            </a:pPr>
+            <a:r>
+              <a:rPr lang="en-GB" b="1" dirty="0">
+                <a:solidFill>
+                  <a:srgbClr val="000000"/>
+                </a:solidFill>
+                <a:effectLst/>
+                <a:latin typeface="Roboto Mono Light for Powerline" pitchFamily="2" charset="0"/>
+                <a:ea typeface="Roboto Mono Light for Powerline" pitchFamily="2" charset="0"/>
+              </a:rPr>
+              <a:t>cactus-align</a:t>
+            </a:r>
+            <a:r>
+              <a:rPr lang="en-GB" dirty="0">
+                <a:solidFill>
+                  <a:srgbClr val="000000"/>
+                </a:solidFill>
+                <a:effectLst/>
+                <a:latin typeface="Roboto Mono Light for Powerline" pitchFamily="2" charset="0"/>
+                <a:ea typeface="Roboto Mono Light for Powerline" pitchFamily="2" charset="0"/>
+              </a:rPr>
+              <a:t> </a:t>
+            </a:r>
+            <a:r>
+              <a:rPr lang="en-GB" dirty="0" err="1">
+                <a:solidFill>
+                  <a:srgbClr val="000000"/>
+                </a:solidFill>
+                <a:effectLst/>
+                <a:latin typeface="Roboto Mono Light for Powerline" pitchFamily="2" charset="0"/>
+                <a:ea typeface="Roboto Mono Light for Powerline" pitchFamily="2" charset="0"/>
+              </a:rPr>
+              <a:t>jobstore</a:t>
+            </a:r>
+            <a:r>
+              <a:rPr lang="en-GB" dirty="0">
+                <a:solidFill>
+                  <a:srgbClr val="000000"/>
+                </a:solidFill>
+                <a:effectLst/>
+                <a:latin typeface="Roboto Mono Light for Powerline" pitchFamily="2" charset="0"/>
+                <a:ea typeface="Roboto Mono Light for Powerline" pitchFamily="2" charset="0"/>
+              </a:rPr>
+              <a:t>/43 steps/</a:t>
+            </a:r>
+            <a:r>
+              <a:rPr lang="en-GB" dirty="0" err="1">
+                <a:solidFill>
+                  <a:srgbClr val="000000"/>
+                </a:solidFill>
+                <a:effectLst/>
+                <a:latin typeface="Roboto Mono Light for Powerline" pitchFamily="2" charset="0"/>
+                <a:ea typeface="Roboto Mono Light for Powerline" pitchFamily="2" charset="0"/>
+              </a:rPr>
+              <a:t>steps.txt</a:t>
+            </a:r>
+            <a:r>
+              <a:rPr lang="en-GB" dirty="0">
+                <a:solidFill>
+                  <a:srgbClr val="000000"/>
+                </a:solidFill>
+                <a:effectLst/>
+                <a:latin typeface="Roboto Mono Light for Powerline" pitchFamily="2" charset="0"/>
+                <a:ea typeface="Roboto Mono Light for Powerline" pitchFamily="2" charset="0"/>
+              </a:rPr>
+              <a:t> steps/Anc09.paf steps/Anc09.hal --root Anc09 --</a:t>
+            </a:r>
+            <a:r>
+              <a:rPr lang="en-GB" dirty="0" err="1">
+                <a:solidFill>
+                  <a:srgbClr val="000000"/>
+                </a:solidFill>
+                <a:effectLst/>
+                <a:latin typeface="Roboto Mono Light for Powerline" pitchFamily="2" charset="0"/>
+                <a:ea typeface="Roboto Mono Light for Powerline" pitchFamily="2" charset="0"/>
+              </a:rPr>
+              <a:t>logInfo</a:t>
+            </a:r>
+            <a:r>
+              <a:rPr lang="en-GB" dirty="0">
+                <a:solidFill>
+                  <a:srgbClr val="000000"/>
+                </a:solidFill>
+                <a:effectLst/>
+                <a:latin typeface="Roboto Mono Light for Powerline" pitchFamily="2" charset="0"/>
+                <a:ea typeface="Roboto Mono Light for Powerline" pitchFamily="2" charset="0"/>
+              </a:rPr>
+              <a:t> --</a:t>
+            </a:r>
+            <a:r>
+              <a:rPr lang="en-GB" dirty="0" err="1">
+                <a:solidFill>
+                  <a:srgbClr val="000000"/>
+                </a:solidFill>
+                <a:effectLst/>
+                <a:latin typeface="Roboto Mono Light for Powerline" pitchFamily="2" charset="0"/>
+                <a:ea typeface="Roboto Mono Light for Powerline" pitchFamily="2" charset="0"/>
+              </a:rPr>
+              <a:t>retryCount</a:t>
+            </a:r>
+            <a:r>
+              <a:rPr lang="en-GB" dirty="0">
+                <a:solidFill>
+                  <a:srgbClr val="000000"/>
+                </a:solidFill>
+                <a:effectLst/>
+                <a:latin typeface="Roboto Mono Light for Powerline" pitchFamily="2" charset="0"/>
+                <a:ea typeface="Roboto Mono Light for Powerline" pitchFamily="2" charset="0"/>
+              </a:rPr>
+              <a:t> 0 --</a:t>
+            </a:r>
+            <a:r>
+              <a:rPr lang="en-GB" dirty="0" err="1">
+                <a:solidFill>
+                  <a:srgbClr val="000000"/>
+                </a:solidFill>
+                <a:effectLst/>
+                <a:latin typeface="Roboto Mono Light for Powerline" pitchFamily="2" charset="0"/>
+                <a:ea typeface="Roboto Mono Light for Powerline" pitchFamily="2" charset="0"/>
+              </a:rPr>
+              <a:t>maxCores</a:t>
+            </a:r>
+            <a:r>
+              <a:rPr lang="en-GB" dirty="0">
+                <a:solidFill>
+                  <a:srgbClr val="000000"/>
+                </a:solidFill>
+                <a:effectLst/>
+                <a:latin typeface="Roboto Mono Light for Powerline" pitchFamily="2" charset="0"/>
+                <a:ea typeface="Roboto Mono Light for Powerline" pitchFamily="2" charset="0"/>
+              </a:rPr>
+              <a:t> 48 --</a:t>
+            </a:r>
+            <a:r>
+              <a:rPr lang="en-GB" dirty="0" err="1">
+                <a:solidFill>
+                  <a:srgbClr val="000000"/>
+                </a:solidFill>
+                <a:effectLst/>
+                <a:latin typeface="Roboto Mono Light for Powerline" pitchFamily="2" charset="0"/>
+                <a:ea typeface="Roboto Mono Light for Powerline" pitchFamily="2" charset="0"/>
+              </a:rPr>
+              <a:t>logFile</a:t>
+            </a:r>
+            <a:r>
+              <a:rPr lang="en-GB" dirty="0">
+                <a:solidFill>
+                  <a:srgbClr val="000000"/>
+                </a:solidFill>
+                <a:effectLst/>
+                <a:latin typeface="Roboto Mono Light for Powerline" pitchFamily="2" charset="0"/>
+                <a:ea typeface="Roboto Mono Light for Powerline" pitchFamily="2" charset="0"/>
+              </a:rPr>
+              <a:t> steps/logs/align-Anc09.log</a:t>
+            </a:r>
+          </a:p>
+          <a:p>
+            <a:pPr marL="324000" lvl="1" indent="0">
+              <a:buNone/>
+            </a:pPr>
+            <a:r>
+              <a:rPr lang="en-GB" b="1" dirty="0">
+                <a:solidFill>
+                  <a:srgbClr val="000000"/>
+                </a:solidFill>
+                <a:effectLst/>
+                <a:latin typeface="Roboto Mono Light for Powerline" pitchFamily="2" charset="0"/>
+                <a:ea typeface="Roboto Mono Light for Powerline" pitchFamily="2" charset="0"/>
+              </a:rPr>
+              <a:t>hal2fasta</a:t>
+            </a:r>
+            <a:r>
+              <a:rPr lang="en-GB" dirty="0">
+                <a:solidFill>
+                  <a:srgbClr val="000000"/>
+                </a:solidFill>
+                <a:effectLst/>
+                <a:latin typeface="Roboto Mono Light for Powerline" pitchFamily="2" charset="0"/>
+                <a:ea typeface="Roboto Mono Light for Powerline" pitchFamily="2" charset="0"/>
+              </a:rPr>
+              <a:t> steps/Anc09.hal Anc09 --hdf5InMemory &gt; steps/Anc09.fa</a:t>
+            </a:r>
+          </a:p>
+        </p:txBody>
+      </p:sp>
+      <p:sp>
+        <p:nvSpPr>
+          <p:cNvPr id="4" name="Content Placeholder 2">
+            <a:extLst>
+              <a:ext uri="{FF2B5EF4-FFF2-40B4-BE49-F238E27FC236}">
+                <a16:creationId xmlns:a16="http://schemas.microsoft.com/office/drawing/2014/main" id="{4610F094-5571-C79E-F688-30CB83D683F5}"/>
+              </a:ext>
+            </a:extLst>
+          </p:cNvPr>
+          <p:cNvSpPr txBox="1">
+            <a:spLocks/>
+          </p:cNvSpPr>
+          <p:nvPr/>
+        </p:nvSpPr>
+        <p:spPr>
+          <a:xfrm>
+            <a:off x="6254031" y="2164442"/>
+            <a:ext cx="5759973" cy="4393299"/>
+          </a:xfrm>
+          <a:prstGeom prst="rect">
+            <a:avLst/>
+          </a:prstGeom>
+          <a:solidFill>
+            <a:schemeClr val="tx2">
+              <a:lumMod val="20000"/>
+              <a:lumOff val="80000"/>
+            </a:schemeClr>
+          </a:solidFill>
+          <a:ln>
+            <a:gradFill>
+              <a:gsLst>
+                <a:gs pos="0">
+                  <a:schemeClr val="accent1">
+                    <a:lumMod val="5000"/>
+                    <a:lumOff val="95000"/>
+                  </a:schemeClr>
+                </a:gs>
+                <a:gs pos="74000">
+                  <a:schemeClr val="accent1">
+                    <a:lumMod val="45000"/>
+                    <a:lumOff val="55000"/>
+                  </a:schemeClr>
+                </a:gs>
+                <a:gs pos="83000">
+                  <a:schemeClr val="accent1">
+                    <a:lumMod val="45000"/>
+                    <a:lumOff val="55000"/>
+                  </a:schemeClr>
+                </a:gs>
+                <a:gs pos="100000">
+                  <a:schemeClr val="accent1">
+                    <a:lumMod val="30000"/>
+                    <a:lumOff val="70000"/>
+                  </a:schemeClr>
+                </a:gs>
+              </a:gsLst>
+              <a:lin ang="5400000" scaled="1"/>
+            </a:gradFill>
+          </a:ln>
+        </p:spPr>
+        <p:txBody>
+          <a:bodyPr vert="horz" lIns="91440" tIns="45720" rIns="91440" bIns="45720" rtlCol="0" anchor="ctr">
+            <a:normAutofit fontScale="62500" lnSpcReduction="20000"/>
+          </a:bodyPr>
+          <a:lstStyle>
+            <a:lvl1pPr marL="306000" indent="-306000" algn="l" defTabSz="457200" rtl="0" eaLnBrk="1" latinLnBrk="0" hangingPunct="1">
+              <a:spcBef>
+                <a:spcPct val="20000"/>
+              </a:spcBef>
+              <a:spcAft>
+                <a:spcPts val="600"/>
+              </a:spcAft>
+              <a:buClr>
+                <a:schemeClr val="accent2"/>
+              </a:buClr>
+              <a:buSzPct val="92000"/>
+              <a:buFont typeface="Wingdings 2" panose="05020102010507070707" pitchFamily="18" charset="2"/>
+              <a:buChar char=""/>
+              <a:defRPr sz="1800" kern="1200">
+                <a:solidFill>
+                  <a:schemeClr val="tx2"/>
+                </a:solidFill>
+                <a:latin typeface="+mn-lt"/>
+                <a:ea typeface="+mn-ea"/>
+                <a:cs typeface="+mn-cs"/>
+              </a:defRPr>
+            </a:lvl1pPr>
+            <a:lvl2pPr marL="630000" indent="-306000" algn="l" defTabSz="457200" rtl="0" eaLnBrk="1" latinLnBrk="0" hangingPunct="1">
+              <a:spcBef>
+                <a:spcPct val="20000"/>
+              </a:spcBef>
+              <a:spcAft>
+                <a:spcPts val="600"/>
+              </a:spcAft>
+              <a:buClr>
+                <a:schemeClr val="accent2"/>
+              </a:buClr>
+              <a:buSzPct val="92000"/>
+              <a:buFont typeface="Wingdings 2" panose="05020102010507070707" pitchFamily="18" charset="2"/>
+              <a:buChar char=""/>
+              <a:defRPr sz="1600" kern="1200">
+                <a:solidFill>
+                  <a:schemeClr val="tx2"/>
+                </a:solidFill>
+                <a:latin typeface="+mn-lt"/>
+                <a:ea typeface="+mn-ea"/>
+                <a:cs typeface="+mn-cs"/>
+              </a:defRPr>
+            </a:lvl2pPr>
+            <a:lvl3pPr marL="900000" indent="-270000" algn="l" defTabSz="457200" rtl="0" eaLnBrk="1" latinLnBrk="0" hangingPunct="1">
+              <a:spcBef>
+                <a:spcPct val="20000"/>
+              </a:spcBef>
+              <a:spcAft>
+                <a:spcPts val="600"/>
+              </a:spcAft>
+              <a:buClr>
+                <a:schemeClr val="accent2"/>
+              </a:buClr>
+              <a:buSzPct val="92000"/>
+              <a:buFont typeface="Wingdings 2" panose="05020102010507070707" pitchFamily="18" charset="2"/>
+              <a:buChar char=""/>
+              <a:defRPr sz="1400" kern="1200">
+                <a:solidFill>
+                  <a:schemeClr val="tx2"/>
+                </a:solidFill>
+                <a:latin typeface="+mn-lt"/>
+                <a:ea typeface="+mn-ea"/>
+                <a:cs typeface="+mn-cs"/>
+              </a:defRPr>
+            </a:lvl3pPr>
+            <a:lvl4pPr marL="1242000" indent="-234000" algn="l" defTabSz="457200" rtl="0" eaLnBrk="1" latinLnBrk="0" hangingPunct="1">
+              <a:spcBef>
+                <a:spcPct val="20000"/>
+              </a:spcBef>
+              <a:spcAft>
+                <a:spcPts val="600"/>
+              </a:spcAft>
+              <a:buClr>
+                <a:schemeClr val="accent2"/>
+              </a:buClr>
+              <a:buSzPct val="92000"/>
+              <a:buFont typeface="Wingdings 2" panose="05020102010507070707" pitchFamily="18" charset="2"/>
+              <a:buChar char=""/>
+              <a:defRPr sz="1200" kern="1200">
+                <a:solidFill>
+                  <a:schemeClr val="tx2"/>
+                </a:solidFill>
+                <a:latin typeface="+mn-lt"/>
+                <a:ea typeface="+mn-ea"/>
+                <a:cs typeface="+mn-cs"/>
+              </a:defRPr>
+            </a:lvl4pPr>
+            <a:lvl5pPr marL="1602000" indent="-234000" algn="l" defTabSz="457200" rtl="0" eaLnBrk="1" latinLnBrk="0" hangingPunct="1">
+              <a:spcBef>
+                <a:spcPct val="20000"/>
+              </a:spcBef>
+              <a:spcAft>
+                <a:spcPts val="600"/>
+              </a:spcAft>
+              <a:buClr>
+                <a:schemeClr val="accent2"/>
+              </a:buClr>
+              <a:buSzPct val="92000"/>
+              <a:buFont typeface="Wingdings 2" panose="05020102010507070707" pitchFamily="18" charset="2"/>
+              <a:buChar char=""/>
+              <a:defRPr sz="1200" kern="1200">
+                <a:solidFill>
+                  <a:schemeClr val="tx2"/>
+                </a:solidFill>
+                <a:latin typeface="+mn-lt"/>
+                <a:ea typeface="+mn-ea"/>
+                <a:cs typeface="+mn-cs"/>
+              </a:defRPr>
+            </a:lvl5pPr>
+            <a:lvl6pPr marL="1900000" indent="-228600" algn="l" defTabSz="457200" rtl="0" eaLnBrk="1" latinLnBrk="0" hangingPunct="1">
+              <a:spcBef>
+                <a:spcPct val="20000"/>
+              </a:spcBef>
+              <a:spcAft>
+                <a:spcPts val="600"/>
+              </a:spcAft>
+              <a:buClr>
+                <a:schemeClr val="accent2"/>
+              </a:buClr>
+              <a:buSzPct val="92000"/>
+              <a:buFont typeface="Wingdings 2" panose="05020102010507070707" pitchFamily="18" charset="2"/>
+              <a:buChar char=""/>
+              <a:defRPr sz="1200" kern="1200">
+                <a:solidFill>
+                  <a:schemeClr val="tx2"/>
+                </a:solidFill>
+                <a:latin typeface="+mn-lt"/>
+                <a:ea typeface="+mn-ea"/>
+                <a:cs typeface="+mn-cs"/>
+              </a:defRPr>
+            </a:lvl6pPr>
+            <a:lvl7pPr marL="2200000" indent="-228600" algn="l" defTabSz="457200" rtl="0" eaLnBrk="1" latinLnBrk="0" hangingPunct="1">
+              <a:spcBef>
+                <a:spcPct val="20000"/>
+              </a:spcBef>
+              <a:spcAft>
+                <a:spcPts val="600"/>
+              </a:spcAft>
+              <a:buClr>
+                <a:schemeClr val="accent2"/>
+              </a:buClr>
+              <a:buSzPct val="92000"/>
+              <a:buFont typeface="Wingdings 2" panose="05020102010507070707" pitchFamily="18" charset="2"/>
+              <a:buChar char=""/>
+              <a:defRPr sz="1200" kern="1200">
+                <a:solidFill>
+                  <a:schemeClr val="tx2"/>
+                </a:solidFill>
+                <a:latin typeface="+mn-lt"/>
+                <a:ea typeface="+mn-ea"/>
+                <a:cs typeface="+mn-cs"/>
+              </a:defRPr>
+            </a:lvl7pPr>
+            <a:lvl8pPr marL="2500000" indent="-228600" algn="l" defTabSz="457200" rtl="0" eaLnBrk="1" latinLnBrk="0" hangingPunct="1">
+              <a:spcBef>
+                <a:spcPct val="20000"/>
+              </a:spcBef>
+              <a:spcAft>
+                <a:spcPts val="600"/>
+              </a:spcAft>
+              <a:buClr>
+                <a:schemeClr val="accent2"/>
+              </a:buClr>
+              <a:buSzPct val="92000"/>
+              <a:buFont typeface="Wingdings 2" panose="05020102010507070707" pitchFamily="18" charset="2"/>
+              <a:buChar char=""/>
+              <a:defRPr sz="1200" kern="1200">
+                <a:solidFill>
+                  <a:schemeClr val="tx2"/>
+                </a:solidFill>
+                <a:latin typeface="+mn-lt"/>
+                <a:ea typeface="+mn-ea"/>
+                <a:cs typeface="+mn-cs"/>
+              </a:defRPr>
+            </a:lvl8pPr>
+            <a:lvl9pPr marL="2800000" indent="-228600" algn="l" defTabSz="457200" rtl="0" eaLnBrk="1" latinLnBrk="0" hangingPunct="1">
+              <a:spcBef>
+                <a:spcPct val="20000"/>
+              </a:spcBef>
+              <a:spcAft>
+                <a:spcPts val="600"/>
+              </a:spcAft>
+              <a:buClr>
+                <a:schemeClr val="accent2"/>
+              </a:buClr>
+              <a:buSzPct val="92000"/>
+              <a:buFont typeface="Wingdings 2" panose="05020102010507070707" pitchFamily="18" charset="2"/>
+              <a:buChar char=""/>
+              <a:defRPr sz="1200" kern="1200">
+                <a:solidFill>
+                  <a:schemeClr val="tx2"/>
+                </a:solidFill>
+                <a:latin typeface="+mn-lt"/>
+                <a:ea typeface="+mn-ea"/>
+                <a:cs typeface="+mn-cs"/>
+              </a:defRPr>
+            </a:lvl9pPr>
+          </a:lstStyle>
+          <a:p>
+            <a:pPr marL="324000" lvl="1" indent="0">
+              <a:buNone/>
+            </a:pPr>
+            <a:endParaRPr lang="en-GB" b="1" dirty="0">
+              <a:solidFill>
+                <a:srgbClr val="000000"/>
+              </a:solidFill>
+              <a:latin typeface="Roboto Mono Light for Powerline" pitchFamily="2" charset="0"/>
+              <a:ea typeface="Roboto Mono Light for Powerline" pitchFamily="2" charset="0"/>
+            </a:endParaRPr>
+          </a:p>
+          <a:p>
+            <a:pPr marL="324000" lvl="1" indent="0">
+              <a:buNone/>
+            </a:pPr>
+            <a:r>
+              <a:rPr lang="en-GB" b="1" dirty="0">
+                <a:solidFill>
+                  <a:srgbClr val="000000"/>
+                </a:solidFill>
+                <a:latin typeface="Roboto Mono Light for Powerline" pitchFamily="2" charset="0"/>
+                <a:ea typeface="Roboto Mono Light for Powerline" pitchFamily="2" charset="0"/>
+              </a:rPr>
+              <a:t>### Round 1</a:t>
+            </a:r>
+          </a:p>
+          <a:p>
+            <a:pPr marL="324000" lvl="1" indent="0">
+              <a:buNone/>
+            </a:pPr>
+            <a:r>
+              <a:rPr lang="en-GB" b="1" dirty="0">
+                <a:solidFill>
+                  <a:srgbClr val="000000"/>
+                </a:solidFill>
+                <a:latin typeface="Roboto Mono Light for Powerline" pitchFamily="2" charset="0"/>
+                <a:ea typeface="Roboto Mono Light for Powerline" pitchFamily="2" charset="0"/>
+              </a:rPr>
+              <a:t>[…]</a:t>
+            </a:r>
+          </a:p>
+          <a:p>
+            <a:pPr marL="324000" lvl="1" indent="0">
+              <a:buNone/>
+            </a:pPr>
+            <a:r>
+              <a:rPr lang="en-GB" b="1" dirty="0">
+                <a:solidFill>
+                  <a:srgbClr val="000000"/>
+                </a:solidFill>
+                <a:latin typeface="Roboto Mono Light for Powerline" pitchFamily="2" charset="0"/>
+                <a:ea typeface="Roboto Mono Light for Powerline" pitchFamily="2" charset="0"/>
+              </a:rPr>
+              <a:t>### Round 2</a:t>
+            </a:r>
+          </a:p>
+          <a:p>
+            <a:pPr marL="324000" lvl="1" indent="0">
+              <a:buNone/>
+            </a:pPr>
+            <a:r>
+              <a:rPr lang="en-GB" b="1" dirty="0">
+                <a:solidFill>
+                  <a:srgbClr val="000000"/>
+                </a:solidFill>
+                <a:latin typeface="Roboto Mono Light for Powerline" pitchFamily="2" charset="0"/>
+                <a:ea typeface="Roboto Mono Light for Powerline" pitchFamily="2" charset="0"/>
+              </a:rPr>
+              <a:t>[…]</a:t>
+            </a:r>
+          </a:p>
+          <a:p>
+            <a:pPr marL="324000" lvl="1" indent="0">
+              <a:buNone/>
+            </a:pPr>
+            <a:r>
+              <a:rPr lang="en-GB" b="1" dirty="0">
+                <a:solidFill>
+                  <a:srgbClr val="000000"/>
+                </a:solidFill>
+                <a:latin typeface="Roboto Mono Light for Powerline" pitchFamily="2" charset="0"/>
+                <a:ea typeface="Roboto Mono Light for Powerline" pitchFamily="2" charset="0"/>
+              </a:rPr>
+              <a:t>### Round k</a:t>
+            </a:r>
+          </a:p>
+          <a:p>
+            <a:pPr marL="324000" lvl="1" indent="0">
+              <a:buNone/>
+            </a:pPr>
+            <a:r>
+              <a:rPr lang="en-GB" b="1" dirty="0">
+                <a:solidFill>
+                  <a:srgbClr val="000000"/>
+                </a:solidFill>
+                <a:latin typeface="Roboto Mono Light for Powerline" pitchFamily="2" charset="0"/>
+                <a:ea typeface="Roboto Mono Light for Powerline" pitchFamily="2" charset="0"/>
+              </a:rPr>
+              <a:t>cactus-blast</a:t>
+            </a:r>
+            <a:r>
+              <a:rPr lang="en-GB" dirty="0">
+                <a:solidFill>
+                  <a:srgbClr val="000000"/>
+                </a:solidFill>
+                <a:latin typeface="Roboto Mono Light for Powerline" pitchFamily="2" charset="0"/>
+                <a:ea typeface="Roboto Mono Light for Powerline" pitchFamily="2" charset="0"/>
+              </a:rPr>
+              <a:t> </a:t>
+            </a:r>
+            <a:r>
+              <a:rPr lang="en-GB" dirty="0" err="1">
+                <a:solidFill>
+                  <a:srgbClr val="000000"/>
+                </a:solidFill>
+                <a:latin typeface="Roboto Mono Light for Powerline" pitchFamily="2" charset="0"/>
+                <a:ea typeface="Roboto Mono Light for Powerline" pitchFamily="2" charset="0"/>
+              </a:rPr>
+              <a:t>jobstore</a:t>
+            </a:r>
+            <a:r>
+              <a:rPr lang="en-GB" dirty="0">
+                <a:solidFill>
+                  <a:srgbClr val="000000"/>
+                </a:solidFill>
+                <a:latin typeface="Roboto Mono Light for Powerline" pitchFamily="2" charset="0"/>
+                <a:ea typeface="Roboto Mono Light for Powerline" pitchFamily="2" charset="0"/>
+              </a:rPr>
+              <a:t>/116 steps/</a:t>
+            </a:r>
+            <a:r>
+              <a:rPr lang="en-GB" dirty="0" err="1">
+                <a:solidFill>
+                  <a:srgbClr val="000000"/>
+                </a:solidFill>
+                <a:latin typeface="Roboto Mono Light for Powerline" pitchFamily="2" charset="0"/>
+                <a:ea typeface="Roboto Mono Light for Powerline" pitchFamily="2" charset="0"/>
+              </a:rPr>
+              <a:t>steps.txt</a:t>
+            </a:r>
+            <a:r>
+              <a:rPr lang="en-GB" dirty="0">
+                <a:solidFill>
+                  <a:srgbClr val="000000"/>
+                </a:solidFill>
+                <a:latin typeface="Roboto Mono Light for Powerline" pitchFamily="2" charset="0"/>
+                <a:ea typeface="Roboto Mono Light for Powerline" pitchFamily="2" charset="0"/>
+              </a:rPr>
+              <a:t> steps/Anc00.paf --root Anc00 --</a:t>
+            </a:r>
+            <a:r>
+              <a:rPr lang="en-GB" dirty="0" err="1">
+                <a:solidFill>
+                  <a:srgbClr val="000000"/>
+                </a:solidFill>
+                <a:latin typeface="Roboto Mono Light for Powerline" pitchFamily="2" charset="0"/>
+                <a:ea typeface="Roboto Mono Light for Powerline" pitchFamily="2" charset="0"/>
+              </a:rPr>
+              <a:t>logInfo</a:t>
+            </a:r>
+            <a:r>
+              <a:rPr lang="en-GB" dirty="0">
+                <a:solidFill>
+                  <a:srgbClr val="000000"/>
+                </a:solidFill>
+                <a:latin typeface="Roboto Mono Light for Powerline" pitchFamily="2" charset="0"/>
+                <a:ea typeface="Roboto Mono Light for Powerline" pitchFamily="2" charset="0"/>
+              </a:rPr>
+              <a:t> --</a:t>
+            </a:r>
+            <a:r>
+              <a:rPr lang="en-GB" dirty="0" err="1">
+                <a:solidFill>
+                  <a:srgbClr val="000000"/>
+                </a:solidFill>
+                <a:latin typeface="Roboto Mono Light for Powerline" pitchFamily="2" charset="0"/>
+                <a:ea typeface="Roboto Mono Light for Powerline" pitchFamily="2" charset="0"/>
+              </a:rPr>
+              <a:t>retryCount</a:t>
+            </a:r>
+            <a:r>
+              <a:rPr lang="en-GB" dirty="0">
+                <a:solidFill>
+                  <a:srgbClr val="000000"/>
+                </a:solidFill>
+                <a:latin typeface="Roboto Mono Light for Powerline" pitchFamily="2" charset="0"/>
+                <a:ea typeface="Roboto Mono Light for Powerline" pitchFamily="2" charset="0"/>
+              </a:rPr>
+              <a:t> 0 --</a:t>
+            </a:r>
+            <a:r>
+              <a:rPr lang="en-GB" dirty="0" err="1">
+                <a:solidFill>
+                  <a:srgbClr val="000000"/>
+                </a:solidFill>
+                <a:latin typeface="Roboto Mono Light for Powerline" pitchFamily="2" charset="0"/>
+                <a:ea typeface="Roboto Mono Light for Powerline" pitchFamily="2" charset="0"/>
+              </a:rPr>
+              <a:t>maxCores</a:t>
+            </a:r>
+            <a:r>
+              <a:rPr lang="en-GB" dirty="0">
+                <a:solidFill>
+                  <a:srgbClr val="000000"/>
+                </a:solidFill>
+                <a:latin typeface="Roboto Mono Light for Powerline" pitchFamily="2" charset="0"/>
+                <a:ea typeface="Roboto Mono Light for Powerline" pitchFamily="2" charset="0"/>
+              </a:rPr>
+              <a:t> 48 --</a:t>
+            </a:r>
+            <a:r>
+              <a:rPr lang="en-GB" dirty="0" err="1">
+                <a:solidFill>
+                  <a:srgbClr val="000000"/>
+                </a:solidFill>
+                <a:latin typeface="Roboto Mono Light for Powerline" pitchFamily="2" charset="0"/>
+                <a:ea typeface="Roboto Mono Light for Powerline" pitchFamily="2" charset="0"/>
+              </a:rPr>
+              <a:t>gpu</a:t>
+            </a:r>
+            <a:r>
+              <a:rPr lang="en-GB" dirty="0">
+                <a:solidFill>
+                  <a:srgbClr val="000000"/>
+                </a:solidFill>
+                <a:latin typeface="Roboto Mono Light for Powerline" pitchFamily="2" charset="0"/>
+                <a:ea typeface="Roboto Mono Light for Powerline" pitchFamily="2" charset="0"/>
+              </a:rPr>
+              <a:t> all --</a:t>
+            </a:r>
+            <a:r>
+              <a:rPr lang="en-GB" dirty="0" err="1">
+                <a:solidFill>
+                  <a:srgbClr val="000000"/>
+                </a:solidFill>
+                <a:latin typeface="Roboto Mono Light for Powerline" pitchFamily="2" charset="0"/>
+                <a:ea typeface="Roboto Mono Light for Powerline" pitchFamily="2" charset="0"/>
+              </a:rPr>
+              <a:t>logFile</a:t>
+            </a:r>
+            <a:r>
+              <a:rPr lang="en-GB" dirty="0">
+                <a:solidFill>
+                  <a:srgbClr val="000000"/>
+                </a:solidFill>
+                <a:latin typeface="Roboto Mono Light for Powerline" pitchFamily="2" charset="0"/>
+                <a:ea typeface="Roboto Mono Light for Powerline" pitchFamily="2" charset="0"/>
+              </a:rPr>
+              <a:t> steps/logs/blast-Anc00.log</a:t>
+            </a:r>
+          </a:p>
+          <a:p>
+            <a:pPr marL="324000" lvl="1" indent="0">
+              <a:buNone/>
+            </a:pPr>
+            <a:r>
+              <a:rPr lang="en-GB" b="1" dirty="0">
+                <a:solidFill>
+                  <a:srgbClr val="000000"/>
+                </a:solidFill>
+                <a:latin typeface="Roboto Mono Light for Powerline" pitchFamily="2" charset="0"/>
+                <a:ea typeface="Roboto Mono Light for Powerline" pitchFamily="2" charset="0"/>
+              </a:rPr>
+              <a:t>cactus-align</a:t>
+            </a:r>
+            <a:r>
+              <a:rPr lang="en-GB" dirty="0">
+                <a:solidFill>
+                  <a:srgbClr val="000000"/>
+                </a:solidFill>
+                <a:latin typeface="Roboto Mono Light for Powerline" pitchFamily="2" charset="0"/>
+                <a:ea typeface="Roboto Mono Light for Powerline" pitchFamily="2" charset="0"/>
+              </a:rPr>
+              <a:t> </a:t>
+            </a:r>
+            <a:r>
+              <a:rPr lang="en-GB" dirty="0" err="1">
+                <a:solidFill>
+                  <a:srgbClr val="000000"/>
+                </a:solidFill>
+                <a:latin typeface="Roboto Mono Light for Powerline" pitchFamily="2" charset="0"/>
+                <a:ea typeface="Roboto Mono Light for Powerline" pitchFamily="2" charset="0"/>
+              </a:rPr>
+              <a:t>jobstore</a:t>
+            </a:r>
+            <a:r>
+              <a:rPr lang="en-GB" dirty="0">
+                <a:solidFill>
+                  <a:srgbClr val="000000"/>
+                </a:solidFill>
+                <a:latin typeface="Roboto Mono Light for Powerline" pitchFamily="2" charset="0"/>
+                <a:ea typeface="Roboto Mono Light for Powerline" pitchFamily="2" charset="0"/>
+              </a:rPr>
+              <a:t>/117 steps/</a:t>
+            </a:r>
+            <a:r>
+              <a:rPr lang="en-GB" dirty="0" err="1">
+                <a:solidFill>
+                  <a:srgbClr val="000000"/>
+                </a:solidFill>
+                <a:latin typeface="Roboto Mono Light for Powerline" pitchFamily="2" charset="0"/>
+                <a:ea typeface="Roboto Mono Light for Powerline" pitchFamily="2" charset="0"/>
+              </a:rPr>
+              <a:t>steps.txt</a:t>
+            </a:r>
+            <a:r>
+              <a:rPr lang="en-GB" dirty="0">
+                <a:solidFill>
+                  <a:srgbClr val="000000"/>
+                </a:solidFill>
+                <a:latin typeface="Roboto Mono Light for Powerline" pitchFamily="2" charset="0"/>
+                <a:ea typeface="Roboto Mono Light for Powerline" pitchFamily="2" charset="0"/>
+              </a:rPr>
+              <a:t> steps/Anc00.paf steps/40-way-drosophila.hal --root Anc00 --</a:t>
+            </a:r>
+            <a:r>
+              <a:rPr lang="en-GB" dirty="0" err="1">
+                <a:solidFill>
+                  <a:srgbClr val="000000"/>
+                </a:solidFill>
+                <a:latin typeface="Roboto Mono Light for Powerline" pitchFamily="2" charset="0"/>
+                <a:ea typeface="Roboto Mono Light for Powerline" pitchFamily="2" charset="0"/>
+              </a:rPr>
+              <a:t>logInfo</a:t>
+            </a:r>
+            <a:r>
+              <a:rPr lang="en-GB" dirty="0">
+                <a:solidFill>
+                  <a:srgbClr val="000000"/>
+                </a:solidFill>
+                <a:latin typeface="Roboto Mono Light for Powerline" pitchFamily="2" charset="0"/>
+                <a:ea typeface="Roboto Mono Light for Powerline" pitchFamily="2" charset="0"/>
+              </a:rPr>
+              <a:t> --</a:t>
+            </a:r>
+            <a:r>
+              <a:rPr lang="en-GB" dirty="0" err="1">
+                <a:solidFill>
+                  <a:srgbClr val="000000"/>
+                </a:solidFill>
+                <a:latin typeface="Roboto Mono Light for Powerline" pitchFamily="2" charset="0"/>
+                <a:ea typeface="Roboto Mono Light for Powerline" pitchFamily="2" charset="0"/>
+              </a:rPr>
+              <a:t>retryCount</a:t>
+            </a:r>
+            <a:r>
+              <a:rPr lang="en-GB" dirty="0">
+                <a:solidFill>
+                  <a:srgbClr val="000000"/>
+                </a:solidFill>
+                <a:latin typeface="Roboto Mono Light for Powerline" pitchFamily="2" charset="0"/>
+                <a:ea typeface="Roboto Mono Light for Powerline" pitchFamily="2" charset="0"/>
+              </a:rPr>
+              <a:t> 0 --</a:t>
+            </a:r>
+            <a:r>
+              <a:rPr lang="en-GB" dirty="0" err="1">
+                <a:solidFill>
+                  <a:srgbClr val="000000"/>
+                </a:solidFill>
+                <a:latin typeface="Roboto Mono Light for Powerline" pitchFamily="2" charset="0"/>
+                <a:ea typeface="Roboto Mono Light for Powerline" pitchFamily="2" charset="0"/>
+              </a:rPr>
+              <a:t>maxCores</a:t>
+            </a:r>
+            <a:r>
+              <a:rPr lang="en-GB" dirty="0">
+                <a:solidFill>
+                  <a:srgbClr val="000000"/>
+                </a:solidFill>
+                <a:latin typeface="Roboto Mono Light for Powerline" pitchFamily="2" charset="0"/>
+                <a:ea typeface="Roboto Mono Light for Powerline" pitchFamily="2" charset="0"/>
+              </a:rPr>
+              <a:t> 48 --</a:t>
+            </a:r>
+            <a:r>
+              <a:rPr lang="en-GB" dirty="0" err="1">
+                <a:solidFill>
+                  <a:srgbClr val="000000"/>
+                </a:solidFill>
+                <a:latin typeface="Roboto Mono Light for Powerline" pitchFamily="2" charset="0"/>
+                <a:ea typeface="Roboto Mono Light for Powerline" pitchFamily="2" charset="0"/>
+              </a:rPr>
+              <a:t>logFile</a:t>
+            </a:r>
+            <a:r>
+              <a:rPr lang="en-GB" dirty="0">
+                <a:solidFill>
+                  <a:srgbClr val="000000"/>
+                </a:solidFill>
+                <a:latin typeface="Roboto Mono Light for Powerline" pitchFamily="2" charset="0"/>
+                <a:ea typeface="Roboto Mono Light for Powerline" pitchFamily="2" charset="0"/>
+              </a:rPr>
+              <a:t> steps/logs/align-Anc00.log</a:t>
+            </a:r>
+          </a:p>
+          <a:p>
+            <a:pPr marL="324000" lvl="1" indent="0">
+              <a:buNone/>
+            </a:pPr>
+            <a:r>
+              <a:rPr lang="en-GB" b="1" dirty="0">
+                <a:solidFill>
+                  <a:srgbClr val="000000"/>
+                </a:solidFill>
+                <a:latin typeface="Roboto Mono Light for Powerline" pitchFamily="2" charset="0"/>
+                <a:ea typeface="Roboto Mono Light for Powerline" pitchFamily="2" charset="0"/>
+              </a:rPr>
+              <a:t>hal2fasta</a:t>
+            </a:r>
+            <a:r>
+              <a:rPr lang="en-GB" dirty="0">
+                <a:solidFill>
+                  <a:srgbClr val="000000"/>
+                </a:solidFill>
+                <a:latin typeface="Roboto Mono Light for Powerline" pitchFamily="2" charset="0"/>
+                <a:ea typeface="Roboto Mono Light for Powerline" pitchFamily="2" charset="0"/>
+              </a:rPr>
+              <a:t> steps/40-way-drosophila.hal Anc00 --hdf5InMemory &gt; steps/Anc00.fa</a:t>
+            </a:r>
+          </a:p>
+          <a:p>
+            <a:pPr marL="324000" lvl="1" indent="0">
+              <a:buNone/>
+            </a:pPr>
+            <a:endParaRPr lang="en-GB" b="1" dirty="0">
+              <a:solidFill>
+                <a:srgbClr val="000000"/>
+              </a:solidFill>
+              <a:latin typeface="Roboto Mono Light for Powerline" pitchFamily="2" charset="0"/>
+              <a:ea typeface="Roboto Mono Light for Powerline" pitchFamily="2" charset="0"/>
+            </a:endParaRPr>
+          </a:p>
+          <a:p>
+            <a:pPr marL="324000" lvl="1" indent="0">
+              <a:buNone/>
+            </a:pPr>
+            <a:r>
+              <a:rPr lang="en-GB" b="1" dirty="0">
+                <a:solidFill>
+                  <a:srgbClr val="000000"/>
+                </a:solidFill>
+                <a:latin typeface="Roboto Mono Light for Powerline" pitchFamily="2" charset="0"/>
+                <a:ea typeface="Roboto Mono Light for Powerline" pitchFamily="2" charset="0"/>
+              </a:rPr>
+              <a:t>## HAL merging</a:t>
+            </a:r>
+          </a:p>
+          <a:p>
+            <a:pPr marL="324000" lvl="1" indent="0">
+              <a:buNone/>
+            </a:pPr>
+            <a:r>
+              <a:rPr lang="en-GB" b="1" dirty="0" err="1">
+                <a:solidFill>
+                  <a:srgbClr val="000000"/>
+                </a:solidFill>
+                <a:latin typeface="Roboto Mono Light for Powerline" pitchFamily="2" charset="0"/>
+                <a:ea typeface="Roboto Mono Light for Powerline" pitchFamily="2" charset="0"/>
+              </a:rPr>
+              <a:t>halAppendSubtree</a:t>
+            </a:r>
+            <a:r>
+              <a:rPr lang="en-GB" dirty="0">
+                <a:solidFill>
+                  <a:srgbClr val="000000"/>
+                </a:solidFill>
+                <a:latin typeface="Roboto Mono Light for Powerline" pitchFamily="2" charset="0"/>
+                <a:ea typeface="Roboto Mono Light for Powerline" pitchFamily="2" charset="0"/>
+              </a:rPr>
+              <a:t> steps/40-way-drosophila.hal steps/Anc02.hal Anc02 Anc02 --merge --hdf5InMemory</a:t>
+            </a:r>
+          </a:p>
+          <a:p>
+            <a:pPr marL="324000" lvl="1" indent="0">
+              <a:buNone/>
+            </a:pPr>
+            <a:r>
+              <a:rPr lang="en-GB" b="1" dirty="0" err="1">
+                <a:solidFill>
+                  <a:srgbClr val="000000"/>
+                </a:solidFill>
+                <a:latin typeface="Roboto Mono Light for Powerline" pitchFamily="2" charset="0"/>
+                <a:ea typeface="Roboto Mono Light for Powerline" pitchFamily="2" charset="0"/>
+              </a:rPr>
+              <a:t>halAppendSubtree</a:t>
+            </a:r>
+            <a:r>
+              <a:rPr lang="en-GB" dirty="0">
+                <a:solidFill>
+                  <a:srgbClr val="000000"/>
+                </a:solidFill>
+                <a:latin typeface="Roboto Mono Light for Powerline" pitchFamily="2" charset="0"/>
+                <a:ea typeface="Roboto Mono Light for Powerline" pitchFamily="2" charset="0"/>
+              </a:rPr>
+              <a:t> steps/40-way-drosophila.hal steps/Anc05.hal Anc05 Anc05 --merge --hdf5InMemory</a:t>
+            </a:r>
+          </a:p>
+          <a:p>
+            <a:pPr marL="324000" lvl="1" indent="0">
+              <a:buNone/>
+            </a:pPr>
+            <a:r>
+              <a:rPr lang="en-GB" b="1" dirty="0">
+                <a:solidFill>
+                  <a:srgbClr val="000000"/>
+                </a:solidFill>
+                <a:latin typeface="Roboto Mono Light for Powerline" pitchFamily="2" charset="0"/>
+                <a:ea typeface="Roboto Mono Light for Powerline" pitchFamily="2" charset="0"/>
+              </a:rPr>
+              <a:t>[...]</a:t>
+            </a:r>
+          </a:p>
+        </p:txBody>
+      </p:sp>
+      <p:sp>
+        <p:nvSpPr>
+          <p:cNvPr id="6" name="Left Brace 5">
+            <a:extLst>
+              <a:ext uri="{FF2B5EF4-FFF2-40B4-BE49-F238E27FC236}">
+                <a16:creationId xmlns:a16="http://schemas.microsoft.com/office/drawing/2014/main" id="{070C9E84-FF42-FEB3-424D-7CB2A27777C4}"/>
+              </a:ext>
+            </a:extLst>
+          </p:cNvPr>
+          <p:cNvSpPr/>
+          <p:nvPr/>
+        </p:nvSpPr>
+        <p:spPr>
+          <a:xfrm>
+            <a:off x="372027" y="4143069"/>
+            <a:ext cx="367862" cy="1087773"/>
+          </a:xfrm>
+          <a:prstGeom prst="leftBrace">
+            <a:avLst>
+              <a:gd name="adj1" fmla="val 31846"/>
+              <a:gd name="adj2" fmla="val 50000"/>
+            </a:avLst>
+          </a:prstGeom>
+        </p:spPr>
+        <p:style>
+          <a:lnRef idx="3">
+            <a:schemeClr val="accent3"/>
+          </a:lnRef>
+          <a:fillRef idx="0">
+            <a:schemeClr val="accent3"/>
+          </a:fillRef>
+          <a:effectRef idx="2">
+            <a:schemeClr val="accent3"/>
+          </a:effectRef>
+          <a:fontRef idx="minor">
+            <a:schemeClr val="tx1"/>
+          </a:fontRef>
+        </p:style>
+        <p:txBody>
+          <a:bodyPr rtlCol="0" anchor="ctr"/>
+          <a:lstStyle/>
+          <a:p>
+            <a:pPr algn="ctr"/>
+            <a:endParaRPr lang="en-US"/>
+          </a:p>
+        </p:txBody>
+      </p:sp>
+      <p:sp>
+        <p:nvSpPr>
+          <p:cNvPr id="7" name="Left Brace 6">
+            <a:extLst>
+              <a:ext uri="{FF2B5EF4-FFF2-40B4-BE49-F238E27FC236}">
+                <a16:creationId xmlns:a16="http://schemas.microsoft.com/office/drawing/2014/main" id="{836D44EA-C0B4-2733-2DC8-E28EEA88D7C1}"/>
+              </a:ext>
+            </a:extLst>
+          </p:cNvPr>
+          <p:cNvSpPr/>
+          <p:nvPr/>
+        </p:nvSpPr>
+        <p:spPr>
+          <a:xfrm>
+            <a:off x="372027" y="5455085"/>
+            <a:ext cx="367862" cy="996185"/>
+          </a:xfrm>
+          <a:prstGeom prst="leftBrace">
+            <a:avLst>
+              <a:gd name="adj1" fmla="val 31846"/>
+              <a:gd name="adj2" fmla="val 50000"/>
+            </a:avLst>
+          </a:prstGeom>
+        </p:spPr>
+        <p:style>
+          <a:lnRef idx="3">
+            <a:schemeClr val="accent3"/>
+          </a:lnRef>
+          <a:fillRef idx="0">
+            <a:schemeClr val="accent3"/>
+          </a:fillRef>
+          <a:effectRef idx="2">
+            <a:schemeClr val="accent3"/>
+          </a:effectRef>
+          <a:fontRef idx="minor">
+            <a:schemeClr val="tx1"/>
+          </a:fontRef>
+        </p:style>
+        <p:txBody>
+          <a:bodyPr rtlCol="0" anchor="ctr"/>
+          <a:lstStyle/>
+          <a:p>
+            <a:pPr algn="ctr"/>
+            <a:endParaRPr lang="en-US"/>
+          </a:p>
+        </p:txBody>
+      </p:sp>
+      <p:sp>
+        <p:nvSpPr>
+          <p:cNvPr id="8" name="Left Brace 7">
+            <a:extLst>
+              <a:ext uri="{FF2B5EF4-FFF2-40B4-BE49-F238E27FC236}">
+                <a16:creationId xmlns:a16="http://schemas.microsoft.com/office/drawing/2014/main" id="{A8A71186-B7B3-6A5D-2DF8-B7D3F3036C87}"/>
+              </a:ext>
+            </a:extLst>
+          </p:cNvPr>
+          <p:cNvSpPr/>
+          <p:nvPr/>
+        </p:nvSpPr>
+        <p:spPr>
+          <a:xfrm>
+            <a:off x="6269493" y="3810583"/>
+            <a:ext cx="367862" cy="1162250"/>
+          </a:xfrm>
+          <a:prstGeom prst="leftBrace">
+            <a:avLst>
+              <a:gd name="adj1" fmla="val 31846"/>
+              <a:gd name="adj2" fmla="val 50000"/>
+            </a:avLst>
+          </a:prstGeom>
+        </p:spPr>
+        <p:style>
+          <a:lnRef idx="3">
+            <a:schemeClr val="accent3"/>
+          </a:lnRef>
+          <a:fillRef idx="0">
+            <a:schemeClr val="accent3"/>
+          </a:fillRef>
+          <a:effectRef idx="2">
+            <a:schemeClr val="accent3"/>
+          </a:effectRef>
+          <a:fontRef idx="minor">
+            <a:schemeClr val="tx1"/>
+          </a:fontRef>
+        </p:style>
+        <p:txBody>
+          <a:bodyPr rtlCol="0" anchor="ctr"/>
+          <a:lstStyle/>
+          <a:p>
+            <a:pPr algn="ctr"/>
+            <a:endParaRPr lang="en-US"/>
+          </a:p>
+        </p:txBody>
+      </p:sp>
+      <p:sp>
+        <p:nvSpPr>
+          <p:cNvPr id="9" name="Left Brace 8">
+            <a:extLst>
+              <a:ext uri="{FF2B5EF4-FFF2-40B4-BE49-F238E27FC236}">
+                <a16:creationId xmlns:a16="http://schemas.microsoft.com/office/drawing/2014/main" id="{ACDFA158-97F9-C38B-A4DD-3108D32B62D2}"/>
+              </a:ext>
+            </a:extLst>
+          </p:cNvPr>
+          <p:cNvSpPr/>
+          <p:nvPr/>
+        </p:nvSpPr>
+        <p:spPr>
+          <a:xfrm>
+            <a:off x="6269493" y="2541142"/>
+            <a:ext cx="367862" cy="1101015"/>
+          </a:xfrm>
+          <a:prstGeom prst="leftBrace">
+            <a:avLst>
+              <a:gd name="adj1" fmla="val 31846"/>
+              <a:gd name="adj2" fmla="val 50000"/>
+            </a:avLst>
+          </a:prstGeom>
+          <a:ln w="9525" cap="flat" cmpd="sng" algn="ctr">
+            <a:solidFill>
+              <a:schemeClr val="accent3"/>
+            </a:solidFill>
+            <a:prstDash val="dash"/>
+            <a:round/>
+            <a:headEnd type="none" w="med" len="med"/>
+            <a:tailEnd type="none" w="med" len="med"/>
+          </a:ln>
+        </p:spPr>
+        <p:style>
+          <a:lnRef idx="0">
+            <a:scrgbClr r="0" g="0" b="0"/>
+          </a:lnRef>
+          <a:fillRef idx="0">
+            <a:scrgbClr r="0" g="0" b="0"/>
+          </a:fillRef>
+          <a:effectRef idx="0">
+            <a:scrgbClr r="0" g="0" b="0"/>
+          </a:effectRef>
+          <a:fontRef idx="minor">
+            <a:schemeClr val="tx1"/>
+          </a:fontRef>
+        </p:style>
+        <p:txBody>
+          <a:bodyPr rtlCol="0" anchor="ctr"/>
+          <a:lstStyle/>
+          <a:p>
+            <a:pPr algn="ctr"/>
+            <a:endParaRPr lang="en-US"/>
+          </a:p>
+        </p:txBody>
+      </p:sp>
+    </p:spTree>
+    <p:extLst>
+      <p:ext uri="{BB962C8B-B14F-4D97-AF65-F5344CB8AC3E}">
+        <p14:creationId xmlns:p14="http://schemas.microsoft.com/office/powerpoint/2010/main" val="2513595966"/>
+      </p:ext>
+    </p:extLst>
+  </p:cSld>
+  <p:clrMapOvr>
+    <a:masterClrMapping/>
+  </p:clrMapOvr>
+</p:sld>
+</file>
+
+<file path=ppt/slides/slide23.xml><?xml version="1.0" encoding="utf-8"?>
+<p:sld xmlns:a="http://schemas.openxmlformats.org/drawingml/2006/main" xmlns:r="http://schemas.openxmlformats.org/officeDocument/2006/relationships" xmlns:p="http://schemas.openxmlformats.org/presentationml/2006/main">
+  <p:cSld>
+    <p:spTree>
+      <p:nvGrpSpPr>
+        <p:cNvPr id="1" name=""/>
+        <p:cNvGrpSpPr/>
+        <p:nvPr/>
+      </p:nvGrpSpPr>
+      <p:grpSpPr>
+        <a:xfrm>
+          <a:off x="0" y="0"/>
+          <a:ext cx="0" cy="0"/>
+          <a:chOff x="0" y="0"/>
+          <a:chExt cx="0" cy="0"/>
+        </a:xfrm>
+      </p:grpSpPr>
+      <p:sp>
+        <p:nvSpPr>
+          <p:cNvPr id="2" name="Title 1">
+            <a:extLst>
+              <a:ext uri="{FF2B5EF4-FFF2-40B4-BE49-F238E27FC236}">
+                <a16:creationId xmlns:a16="http://schemas.microsoft.com/office/drawing/2014/main" id="{9BFAFCD8-7165-B551-B749-67C739ACDDFA}"/>
+              </a:ext>
+            </a:extLst>
+          </p:cNvPr>
+          <p:cNvSpPr>
+            <a:spLocks noGrp="1"/>
+          </p:cNvSpPr>
+          <p:nvPr>
+            <p:ph type="title"/>
+          </p:nvPr>
+        </p:nvSpPr>
+        <p:spPr/>
+        <p:txBody>
+          <a:bodyPr/>
+          <a:lstStyle/>
+          <a:p>
+            <a:r>
+              <a:rPr lang="en-US" dirty="0"/>
+              <a:t>Running Cactus</a:t>
+            </a:r>
+          </a:p>
+        </p:txBody>
+      </p:sp>
+      <p:sp>
+        <p:nvSpPr>
+          <p:cNvPr id="3" name="Content Placeholder 2">
+            <a:extLst>
+              <a:ext uri="{FF2B5EF4-FFF2-40B4-BE49-F238E27FC236}">
+                <a16:creationId xmlns:a16="http://schemas.microsoft.com/office/drawing/2014/main" id="{0DD41EDA-B80A-08E9-9262-3EFED673D33F}"/>
+              </a:ext>
+            </a:extLst>
+          </p:cNvPr>
+          <p:cNvSpPr>
+            <a:spLocks noGrp="1"/>
+          </p:cNvSpPr>
+          <p:nvPr>
+            <p:ph idx="1"/>
+          </p:nvPr>
+        </p:nvSpPr>
+        <p:spPr>
+          <a:xfrm>
+            <a:off x="581192" y="2180496"/>
+            <a:ext cx="11029615" cy="4393299"/>
+          </a:xfrm>
+        </p:spPr>
+        <p:txBody>
+          <a:bodyPr>
+            <a:normAutofit/>
+          </a:bodyPr>
+          <a:lstStyle/>
+          <a:p>
+            <a:r>
+              <a:rPr lang="en-GB" b="1" dirty="0">
+                <a:solidFill>
+                  <a:srgbClr val="000000"/>
+                </a:solidFill>
+                <a:effectLst/>
+                <a:latin typeface=".SF NS"/>
+              </a:rPr>
+              <a:t>Output file of Cactus-prepare</a:t>
+            </a:r>
+          </a:p>
+          <a:p>
+            <a:pPr lvl="1"/>
+            <a:r>
+              <a:rPr lang="en-GB" dirty="0">
+                <a:solidFill>
+                  <a:srgbClr val="000000"/>
+                </a:solidFill>
+                <a:effectLst/>
+                <a:latin typeface=".SF NS"/>
+              </a:rPr>
+              <a:t>List of </a:t>
+            </a:r>
+            <a:r>
+              <a:rPr lang="en-GB" dirty="0">
+                <a:solidFill>
+                  <a:srgbClr val="000000"/>
+                </a:solidFill>
+                <a:latin typeface=".SF NS"/>
+              </a:rPr>
+              <a:t>Cactus command-lines </a:t>
+            </a:r>
+          </a:p>
+          <a:p>
+            <a:pPr lvl="1"/>
+            <a:r>
+              <a:rPr lang="en-GB" dirty="0">
+                <a:solidFill>
+                  <a:srgbClr val="000000"/>
+                </a:solidFill>
+                <a:latin typeface=".SF NS"/>
+              </a:rPr>
+              <a:t>Parsed to a specialised Workflow Management System</a:t>
+            </a:r>
+          </a:p>
+          <a:p>
+            <a:pPr lvl="2"/>
+            <a:r>
+              <a:rPr lang="en-GB" dirty="0">
+                <a:solidFill>
+                  <a:srgbClr val="000000"/>
+                </a:solidFill>
+                <a:latin typeface=".SF NS"/>
+              </a:rPr>
+              <a:t>SLURM-based cluster (</a:t>
+            </a:r>
+            <a:r>
+              <a:rPr lang="en-GB" dirty="0" err="1">
+                <a:solidFill>
+                  <a:srgbClr val="000000"/>
+                </a:solidFill>
+                <a:latin typeface=".SF NS"/>
+              </a:rPr>
+              <a:t>Compara</a:t>
+            </a:r>
+            <a:r>
+              <a:rPr lang="en-GB" dirty="0">
+                <a:solidFill>
+                  <a:srgbClr val="000000"/>
+                </a:solidFill>
+                <a:latin typeface=".SF NS"/>
+              </a:rPr>
+              <a:t>)</a:t>
+            </a:r>
+          </a:p>
+          <a:p>
+            <a:pPr lvl="2"/>
+            <a:r>
+              <a:rPr lang="en-GB" dirty="0">
+                <a:solidFill>
+                  <a:srgbClr val="000000"/>
+                </a:solidFill>
+                <a:latin typeface=".SF NS"/>
+              </a:rPr>
+              <a:t>LSF based cluster</a:t>
+            </a:r>
+          </a:p>
+          <a:p>
+            <a:pPr lvl="2"/>
+            <a:r>
+              <a:rPr lang="en-GB" dirty="0" err="1">
+                <a:solidFill>
+                  <a:srgbClr val="000000"/>
+                </a:solidFill>
+                <a:effectLst/>
+                <a:latin typeface=".SF NS"/>
+              </a:rPr>
+              <a:t>Ne</a:t>
+            </a:r>
+            <a:r>
+              <a:rPr lang="en-GB" dirty="0" err="1">
+                <a:solidFill>
+                  <a:srgbClr val="000000"/>
+                </a:solidFill>
+                <a:latin typeface=".SF NS"/>
+              </a:rPr>
+              <a:t>xtflow</a:t>
+            </a:r>
+            <a:r>
+              <a:rPr lang="en-GB" dirty="0">
+                <a:solidFill>
+                  <a:srgbClr val="000000"/>
+                </a:solidFill>
+                <a:latin typeface=".SF NS"/>
+              </a:rPr>
+              <a:t> (work in </a:t>
+            </a:r>
+            <a:r>
+              <a:rPr lang="en-GB" dirty="0" err="1">
+                <a:solidFill>
+                  <a:srgbClr val="000000"/>
+                </a:solidFill>
+                <a:latin typeface=".SF NS"/>
+              </a:rPr>
+              <a:t>proress</a:t>
+            </a:r>
+            <a:r>
+              <a:rPr lang="en-GB" dirty="0">
+                <a:solidFill>
+                  <a:srgbClr val="000000"/>
+                </a:solidFill>
+                <a:latin typeface=".SF NS"/>
+              </a:rPr>
+              <a:t>)</a:t>
+            </a:r>
+            <a:endParaRPr lang="en-GB" dirty="0">
+              <a:solidFill>
+                <a:srgbClr val="000000"/>
+              </a:solidFill>
+              <a:effectLst/>
+              <a:latin typeface=".SF NS"/>
+            </a:endParaRPr>
+          </a:p>
+        </p:txBody>
+      </p:sp>
+    </p:spTree>
+    <p:extLst>
+      <p:ext uri="{BB962C8B-B14F-4D97-AF65-F5344CB8AC3E}">
+        <p14:creationId xmlns:p14="http://schemas.microsoft.com/office/powerpoint/2010/main" val="2094843867"/>
+      </p:ext>
+    </p:extLst>
+  </p:cSld>
+  <p:clrMapOvr>
+    <a:masterClrMapping/>
+  </p:clrMapOvr>
+</p:sld>
+</file>
+
+<file path=ppt/slides/slide24.xml><?xml version="1.0" encoding="utf-8"?>
+<p:sld xmlns:a="http://schemas.openxmlformats.org/drawingml/2006/main" xmlns:r="http://schemas.openxmlformats.org/officeDocument/2006/relationships" xmlns:p="http://schemas.openxmlformats.org/presentationml/2006/main">
+  <p:cSld>
+    <p:spTree>
+      <p:nvGrpSpPr>
+        <p:cNvPr id="1" name=""/>
+        <p:cNvGrpSpPr/>
+        <p:nvPr/>
+      </p:nvGrpSpPr>
+      <p:grpSpPr>
+        <a:xfrm>
+          <a:off x="0" y="0"/>
+          <a:ext cx="0" cy="0"/>
+          <a:chOff x="0" y="0"/>
+          <a:chExt cx="0" cy="0"/>
+        </a:xfrm>
+      </p:grpSpPr>
+      <p:sp>
+        <p:nvSpPr>
+          <p:cNvPr id="2" name="Title 1">
+            <a:extLst>
+              <a:ext uri="{FF2B5EF4-FFF2-40B4-BE49-F238E27FC236}">
+                <a16:creationId xmlns:a16="http://schemas.microsoft.com/office/drawing/2014/main" id="{9BFAFCD8-7165-B551-B749-67C739ACDDFA}"/>
+              </a:ext>
+            </a:extLst>
+          </p:cNvPr>
+          <p:cNvSpPr>
+            <a:spLocks noGrp="1"/>
+          </p:cNvSpPr>
+          <p:nvPr>
+            <p:ph type="title"/>
+          </p:nvPr>
+        </p:nvSpPr>
+        <p:spPr/>
+        <p:txBody>
+          <a:bodyPr/>
+          <a:lstStyle/>
+          <a:p>
+            <a:r>
+              <a:rPr lang="en-US" dirty="0"/>
+              <a:t>Running Cactus</a:t>
+            </a:r>
+          </a:p>
+        </p:txBody>
+      </p:sp>
+      <p:sp>
+        <p:nvSpPr>
+          <p:cNvPr id="3" name="Content Placeholder 2">
+            <a:extLst>
+              <a:ext uri="{FF2B5EF4-FFF2-40B4-BE49-F238E27FC236}">
+                <a16:creationId xmlns:a16="http://schemas.microsoft.com/office/drawing/2014/main" id="{0DD41EDA-B80A-08E9-9262-3EFED673D33F}"/>
+              </a:ext>
+            </a:extLst>
+          </p:cNvPr>
+          <p:cNvSpPr>
+            <a:spLocks noGrp="1"/>
+          </p:cNvSpPr>
+          <p:nvPr>
+            <p:ph idx="1"/>
+          </p:nvPr>
+        </p:nvSpPr>
+        <p:spPr>
+          <a:xfrm>
+            <a:off x="457624" y="1977082"/>
+            <a:ext cx="4853411" cy="4611608"/>
+          </a:xfrm>
+          <a:solidFill>
+            <a:schemeClr val="tx2">
+              <a:lumMod val="20000"/>
+              <a:lumOff val="80000"/>
+            </a:schemeClr>
+          </a:solidFill>
+          <a:ln>
+            <a:solidFill>
+              <a:schemeClr val="accent1"/>
+            </a:solidFill>
+          </a:ln>
+        </p:spPr>
+        <p:txBody>
+          <a:bodyPr>
+            <a:normAutofit fontScale="62500" lnSpcReduction="20000"/>
+          </a:bodyPr>
+          <a:lstStyle/>
+          <a:p>
+            <a:pPr marL="0" indent="0">
+              <a:buNone/>
+            </a:pPr>
+            <a:r>
+              <a:rPr lang="en-GB" dirty="0">
+                <a:solidFill>
+                  <a:srgbClr val="000000"/>
+                </a:solidFill>
+                <a:effectLst/>
+                <a:latin typeface="Roboto Mono Light for Powerline" pitchFamily="2" charset="0"/>
+                <a:ea typeface="Roboto Mono Light for Powerline" pitchFamily="2" charset="0"/>
+              </a:rPr>
+              <a:t>#!/bin/bash</a:t>
+            </a:r>
+          </a:p>
+          <a:p>
+            <a:pPr marL="0" indent="0">
+              <a:buNone/>
+            </a:pPr>
+            <a:r>
+              <a:rPr lang="en-GB" b="1" dirty="0">
+                <a:solidFill>
+                  <a:srgbClr val="000000"/>
+                </a:solidFill>
+                <a:effectLst/>
+                <a:latin typeface="Roboto Mono Light for Powerline" pitchFamily="2" charset="0"/>
+                <a:ea typeface="Roboto Mono Light for Powerline" pitchFamily="2" charset="0"/>
+              </a:rPr>
+              <a:t>### - </a:t>
+            </a:r>
+            <a:r>
+              <a:rPr lang="en-GB" b="1" dirty="0" err="1">
+                <a:solidFill>
+                  <a:srgbClr val="000000"/>
+                </a:solidFill>
+                <a:effectLst/>
+                <a:latin typeface="Roboto Mono Light for Powerline" pitchFamily="2" charset="0"/>
+                <a:ea typeface="Roboto Mono Light for Powerline" pitchFamily="2" charset="0"/>
+              </a:rPr>
+              <a:t>preprocessor</a:t>
+            </a:r>
+            <a:r>
+              <a:rPr lang="en-GB" b="1" dirty="0">
+                <a:solidFill>
+                  <a:srgbClr val="000000"/>
+                </a:solidFill>
+                <a:effectLst/>
+                <a:latin typeface="Roboto Mono Light for Powerline" pitchFamily="2" charset="0"/>
+                <a:ea typeface="Roboto Mono Light for Powerline" pitchFamily="2" charset="0"/>
+              </a:rPr>
+              <a:t> step</a:t>
+            </a:r>
+          </a:p>
+          <a:p>
+            <a:pPr marL="0" indent="0">
+              <a:buNone/>
+            </a:pPr>
+            <a:r>
+              <a:rPr lang="en-GB" dirty="0">
+                <a:solidFill>
+                  <a:srgbClr val="000000"/>
+                </a:solidFill>
+                <a:effectLst/>
+                <a:latin typeface="Roboto Mono Light for Powerline" pitchFamily="2" charset="0"/>
+                <a:ea typeface="Roboto Mono Light for Powerline" pitchFamily="2" charset="0"/>
+              </a:rPr>
+              <a:t>source run/batch/1-preprocessors/scripts/all/all-</a:t>
+            </a:r>
+            <a:r>
+              <a:rPr lang="en-GB" dirty="0" err="1">
+                <a:solidFill>
+                  <a:srgbClr val="000000"/>
+                </a:solidFill>
+                <a:effectLst/>
+                <a:latin typeface="Roboto Mono Light for Powerline" pitchFamily="2" charset="0"/>
+                <a:ea typeface="Roboto Mono Light for Powerline" pitchFamily="2" charset="0"/>
+              </a:rPr>
+              <a:t>preprocessor.sh</a:t>
+            </a:r>
+            <a:endParaRPr lang="en-GB" dirty="0">
+              <a:solidFill>
+                <a:srgbClr val="000000"/>
+              </a:solidFill>
+              <a:effectLst/>
+              <a:latin typeface="Roboto Mono Light for Powerline" pitchFamily="2" charset="0"/>
+              <a:ea typeface="Roboto Mono Light for Powerline" pitchFamily="2" charset="0"/>
+            </a:endParaRPr>
+          </a:p>
+          <a:p>
+            <a:pPr marL="0" indent="0">
+              <a:buNone/>
+            </a:pPr>
+            <a:r>
+              <a:rPr lang="en-GB" b="1" dirty="0">
+                <a:solidFill>
+                  <a:srgbClr val="000000"/>
+                </a:solidFill>
+                <a:effectLst/>
+                <a:latin typeface="Roboto Mono Light for Powerline" pitchFamily="2" charset="0"/>
+                <a:ea typeface="Roboto Mono Light for Powerline" pitchFamily="2" charset="0"/>
+              </a:rPr>
+              <a:t>### - alignments step</a:t>
+            </a:r>
+          </a:p>
+          <a:p>
+            <a:pPr marL="0" indent="0">
+              <a:buNone/>
+            </a:pPr>
+            <a:r>
+              <a:rPr lang="en-GB" dirty="0">
+                <a:solidFill>
+                  <a:srgbClr val="000000"/>
+                </a:solidFill>
+                <a:effectLst/>
+                <a:latin typeface="Roboto Mono Light for Powerline" pitchFamily="2" charset="0"/>
+                <a:ea typeface="Roboto Mono Light for Powerline" pitchFamily="2" charset="0"/>
+              </a:rPr>
+              <a:t>source run/batch/2-alignments/0/scripts/all/Anc06.sh</a:t>
+            </a:r>
+          </a:p>
+          <a:p>
+            <a:pPr marL="0" indent="0">
+              <a:buNone/>
+            </a:pPr>
+            <a:r>
+              <a:rPr lang="en-GB" dirty="0">
+                <a:solidFill>
+                  <a:srgbClr val="000000"/>
+                </a:solidFill>
+                <a:effectLst/>
+                <a:latin typeface="Roboto Mono Light for Powerline" pitchFamily="2" charset="0"/>
+                <a:ea typeface="Roboto Mono Light for Powerline" pitchFamily="2" charset="0"/>
+              </a:rPr>
+              <a:t>source run/batch/2-alignments/0/scripts/all/Anc09.sh</a:t>
+            </a:r>
+          </a:p>
+          <a:p>
+            <a:pPr marL="0" indent="0">
+              <a:buNone/>
+            </a:pPr>
+            <a:r>
+              <a:rPr lang="en-GB" dirty="0">
+                <a:solidFill>
+                  <a:srgbClr val="000000"/>
+                </a:solidFill>
+                <a:effectLst/>
+                <a:latin typeface="Roboto Mono Light for Powerline" pitchFamily="2" charset="0"/>
+                <a:ea typeface="Roboto Mono Light for Powerline" pitchFamily="2" charset="0"/>
+              </a:rPr>
+              <a:t>[...]</a:t>
+            </a:r>
+          </a:p>
+          <a:p>
+            <a:pPr marL="0" indent="0">
+              <a:buNone/>
+            </a:pPr>
+            <a:r>
+              <a:rPr lang="en-GB" b="1" dirty="0">
+                <a:solidFill>
+                  <a:srgbClr val="000000"/>
+                </a:solidFill>
+                <a:effectLst/>
+                <a:latin typeface="Roboto Mono Light for Powerline" pitchFamily="2" charset="0"/>
+                <a:ea typeface="Roboto Mono Light for Powerline" pitchFamily="2" charset="0"/>
+              </a:rPr>
+              <a:t>### - alignments step round 1</a:t>
+            </a:r>
+          </a:p>
+          <a:p>
+            <a:pPr marL="0" indent="0">
+              <a:buNone/>
+            </a:pPr>
+            <a:r>
+              <a:rPr lang="en-GB" dirty="0">
+                <a:solidFill>
+                  <a:srgbClr val="000000"/>
+                </a:solidFill>
+                <a:effectLst/>
+                <a:latin typeface="Roboto Mono Light for Powerline" pitchFamily="2" charset="0"/>
+                <a:ea typeface="Roboto Mono Light for Powerline" pitchFamily="2" charset="0"/>
+              </a:rPr>
+              <a:t>[...]</a:t>
+            </a:r>
+          </a:p>
+          <a:p>
+            <a:pPr marL="0" indent="0">
+              <a:buNone/>
+            </a:pPr>
+            <a:r>
+              <a:rPr lang="en-GB" b="1" dirty="0">
+                <a:solidFill>
+                  <a:srgbClr val="000000"/>
+                </a:solidFill>
+                <a:effectLst/>
+                <a:latin typeface="Roboto Mono Light for Powerline" pitchFamily="2" charset="0"/>
+                <a:ea typeface="Roboto Mono Light for Powerline" pitchFamily="2" charset="0"/>
+              </a:rPr>
+              <a:t>### - alignments step round 2</a:t>
+            </a:r>
+          </a:p>
+          <a:p>
+            <a:pPr marL="0" indent="0">
+              <a:buNone/>
+            </a:pPr>
+            <a:r>
+              <a:rPr lang="en-GB" dirty="0">
+                <a:solidFill>
+                  <a:srgbClr val="000000"/>
+                </a:solidFill>
+                <a:effectLst/>
+                <a:latin typeface="Roboto Mono Light for Powerline" pitchFamily="2" charset="0"/>
+                <a:ea typeface="Roboto Mono Light for Powerline" pitchFamily="2" charset="0"/>
+              </a:rPr>
+              <a:t>[...]</a:t>
+            </a:r>
+          </a:p>
+          <a:p>
+            <a:pPr marL="0" indent="0">
+              <a:buNone/>
+            </a:pPr>
+            <a:r>
+              <a:rPr lang="en-GB" dirty="0">
+                <a:solidFill>
+                  <a:srgbClr val="000000"/>
+                </a:solidFill>
+                <a:effectLst/>
+                <a:latin typeface="Roboto Mono Light for Powerline" pitchFamily="2" charset="0"/>
+                <a:ea typeface="Roboto Mono Light for Powerline" pitchFamily="2" charset="0"/>
+              </a:rPr>
+              <a:t>[...]</a:t>
+            </a:r>
+          </a:p>
+          <a:p>
+            <a:pPr marL="0" indent="0">
+              <a:buNone/>
+            </a:pPr>
+            <a:r>
+              <a:rPr lang="en-GB" b="1" dirty="0">
+                <a:solidFill>
+                  <a:srgbClr val="000000"/>
+                </a:solidFill>
+                <a:effectLst/>
+                <a:latin typeface="Roboto Mono Light for Powerline" pitchFamily="2" charset="0"/>
+                <a:ea typeface="Roboto Mono Light for Powerline" pitchFamily="2" charset="0"/>
+              </a:rPr>
+              <a:t>### - alignments step round k</a:t>
+            </a:r>
+          </a:p>
+          <a:p>
+            <a:pPr marL="0" indent="0">
+              <a:buNone/>
+            </a:pPr>
+            <a:r>
+              <a:rPr lang="en-GB" dirty="0">
+                <a:solidFill>
+                  <a:srgbClr val="000000"/>
+                </a:solidFill>
+                <a:effectLst/>
+                <a:latin typeface="Roboto Mono Light for Powerline" pitchFamily="2" charset="0"/>
+                <a:ea typeface="Roboto Mono Light for Powerline" pitchFamily="2" charset="0"/>
+              </a:rPr>
+              <a:t>source run/batch/2-alignments/13/scripts/all/Anc00.sh</a:t>
+            </a:r>
+          </a:p>
+          <a:p>
+            <a:pPr marL="0" indent="0">
+              <a:buNone/>
+            </a:pPr>
+            <a:r>
+              <a:rPr lang="en-GB" b="1" dirty="0">
+                <a:solidFill>
+                  <a:srgbClr val="000000"/>
+                </a:solidFill>
+                <a:effectLst/>
+                <a:latin typeface="Roboto Mono Light for Powerline" pitchFamily="2" charset="0"/>
+                <a:ea typeface="Roboto Mono Light for Powerline" pitchFamily="2" charset="0"/>
+              </a:rPr>
+              <a:t>### - merging step</a:t>
+            </a:r>
+          </a:p>
+          <a:p>
+            <a:pPr marL="0" indent="0">
+              <a:buNone/>
+            </a:pPr>
+            <a:r>
+              <a:rPr lang="en-GB" dirty="0">
+                <a:solidFill>
+                  <a:srgbClr val="000000"/>
+                </a:solidFill>
+                <a:effectLst/>
+                <a:latin typeface="Roboto Mono Light for Powerline" pitchFamily="2" charset="0"/>
+                <a:ea typeface="Roboto Mono Light for Powerline" pitchFamily="2" charset="0"/>
+              </a:rPr>
+              <a:t>source run/batch/3-merging/scripts/all/all-</a:t>
+            </a:r>
+            <a:r>
+              <a:rPr lang="en-GB" dirty="0" err="1">
+                <a:solidFill>
+                  <a:srgbClr val="000000"/>
+                </a:solidFill>
+                <a:effectLst/>
+                <a:latin typeface="Roboto Mono Light for Powerline" pitchFamily="2" charset="0"/>
+                <a:ea typeface="Roboto Mono Light for Powerline" pitchFamily="2" charset="0"/>
+              </a:rPr>
+              <a:t>merging.sh</a:t>
+            </a:r>
+            <a:endParaRPr lang="en-GB" dirty="0">
+              <a:solidFill>
+                <a:srgbClr val="000000"/>
+              </a:solidFill>
+              <a:effectLst/>
+              <a:latin typeface="Roboto Mono Light for Powerline" pitchFamily="2" charset="0"/>
+              <a:ea typeface="Roboto Mono Light for Powerline" pitchFamily="2" charset="0"/>
+            </a:endParaRPr>
+          </a:p>
+        </p:txBody>
+      </p:sp>
+      <p:sp>
+        <p:nvSpPr>
+          <p:cNvPr id="4" name="Content Placeholder 2">
+            <a:extLst>
+              <a:ext uri="{FF2B5EF4-FFF2-40B4-BE49-F238E27FC236}">
+                <a16:creationId xmlns:a16="http://schemas.microsoft.com/office/drawing/2014/main" id="{A9C0D0E7-FA81-8542-6009-55FC4DD1A0D4}"/>
+              </a:ext>
+            </a:extLst>
+          </p:cNvPr>
+          <p:cNvSpPr txBox="1">
+            <a:spLocks/>
+          </p:cNvSpPr>
+          <p:nvPr/>
+        </p:nvSpPr>
+        <p:spPr>
+          <a:xfrm>
+            <a:off x="5511114" y="2180496"/>
+            <a:ext cx="6099693" cy="3837245"/>
+          </a:xfrm>
+          <a:prstGeom prst="rect">
+            <a:avLst/>
+          </a:prstGeom>
+        </p:spPr>
+        <p:txBody>
+          <a:bodyPr vert="horz" lIns="91440" tIns="45720" rIns="91440" bIns="45720" rtlCol="0" anchor="ctr">
+            <a:normAutofit/>
+          </a:bodyPr>
+          <a:lstStyle>
+            <a:lvl1pPr marL="306000" indent="-306000" algn="l" defTabSz="457200" rtl="0" eaLnBrk="1" latinLnBrk="0" hangingPunct="1">
+              <a:spcBef>
+                <a:spcPct val="20000"/>
+              </a:spcBef>
+              <a:spcAft>
+                <a:spcPts val="600"/>
+              </a:spcAft>
+              <a:buClr>
+                <a:schemeClr val="accent2"/>
+              </a:buClr>
+              <a:buSzPct val="92000"/>
+              <a:buFont typeface="Wingdings 2" panose="05020102010507070707" pitchFamily="18" charset="2"/>
+              <a:buChar char=""/>
+              <a:defRPr sz="1800" kern="1200">
+                <a:solidFill>
+                  <a:schemeClr val="tx2"/>
+                </a:solidFill>
+                <a:latin typeface="+mn-lt"/>
+                <a:ea typeface="+mn-ea"/>
+                <a:cs typeface="+mn-cs"/>
+              </a:defRPr>
+            </a:lvl1pPr>
+            <a:lvl2pPr marL="630000" indent="-306000" algn="l" defTabSz="457200" rtl="0" eaLnBrk="1" latinLnBrk="0" hangingPunct="1">
+              <a:spcBef>
+                <a:spcPct val="20000"/>
+              </a:spcBef>
+              <a:spcAft>
+                <a:spcPts val="600"/>
+              </a:spcAft>
+              <a:buClr>
+                <a:schemeClr val="accent2"/>
+              </a:buClr>
+              <a:buSzPct val="92000"/>
+              <a:buFont typeface="Wingdings 2" panose="05020102010507070707" pitchFamily="18" charset="2"/>
+              <a:buChar char=""/>
+              <a:defRPr sz="1600" kern="1200">
+                <a:solidFill>
+                  <a:schemeClr val="tx2"/>
+                </a:solidFill>
+                <a:latin typeface="+mn-lt"/>
+                <a:ea typeface="+mn-ea"/>
+                <a:cs typeface="+mn-cs"/>
+              </a:defRPr>
+            </a:lvl2pPr>
+            <a:lvl3pPr marL="900000" indent="-270000" algn="l" defTabSz="457200" rtl="0" eaLnBrk="1" latinLnBrk="0" hangingPunct="1">
+              <a:spcBef>
+                <a:spcPct val="20000"/>
+              </a:spcBef>
+              <a:spcAft>
+                <a:spcPts val="600"/>
+              </a:spcAft>
+              <a:buClr>
+                <a:schemeClr val="accent2"/>
+              </a:buClr>
+              <a:buSzPct val="92000"/>
+              <a:buFont typeface="Wingdings 2" panose="05020102010507070707" pitchFamily="18" charset="2"/>
+              <a:buChar char=""/>
+              <a:defRPr sz="1400" kern="1200">
+                <a:solidFill>
+                  <a:schemeClr val="tx2"/>
+                </a:solidFill>
+                <a:latin typeface="+mn-lt"/>
+                <a:ea typeface="+mn-ea"/>
+                <a:cs typeface="+mn-cs"/>
+              </a:defRPr>
+            </a:lvl3pPr>
+            <a:lvl4pPr marL="1242000" indent="-234000" algn="l" defTabSz="457200" rtl="0" eaLnBrk="1" latinLnBrk="0" hangingPunct="1">
+              <a:spcBef>
+                <a:spcPct val="20000"/>
+              </a:spcBef>
+              <a:spcAft>
+                <a:spcPts val="600"/>
+              </a:spcAft>
+              <a:buClr>
+                <a:schemeClr val="accent2"/>
+              </a:buClr>
+              <a:buSzPct val="92000"/>
+              <a:buFont typeface="Wingdings 2" panose="05020102010507070707" pitchFamily="18" charset="2"/>
+              <a:buChar char=""/>
+              <a:defRPr sz="1200" kern="1200">
+                <a:solidFill>
+                  <a:schemeClr val="tx2"/>
+                </a:solidFill>
+                <a:latin typeface="+mn-lt"/>
+                <a:ea typeface="+mn-ea"/>
+                <a:cs typeface="+mn-cs"/>
+              </a:defRPr>
+            </a:lvl4pPr>
+            <a:lvl5pPr marL="1602000" indent="-234000" algn="l" defTabSz="457200" rtl="0" eaLnBrk="1" latinLnBrk="0" hangingPunct="1">
+              <a:spcBef>
+                <a:spcPct val="20000"/>
+              </a:spcBef>
+              <a:spcAft>
+                <a:spcPts val="600"/>
+              </a:spcAft>
+              <a:buClr>
+                <a:schemeClr val="accent2"/>
+              </a:buClr>
+              <a:buSzPct val="92000"/>
+              <a:buFont typeface="Wingdings 2" panose="05020102010507070707" pitchFamily="18" charset="2"/>
+              <a:buChar char=""/>
+              <a:defRPr sz="1200" kern="1200">
+                <a:solidFill>
+                  <a:schemeClr val="tx2"/>
+                </a:solidFill>
+                <a:latin typeface="+mn-lt"/>
+                <a:ea typeface="+mn-ea"/>
+                <a:cs typeface="+mn-cs"/>
+              </a:defRPr>
+            </a:lvl5pPr>
+            <a:lvl6pPr marL="1900000" indent="-228600" algn="l" defTabSz="457200" rtl="0" eaLnBrk="1" latinLnBrk="0" hangingPunct="1">
+              <a:spcBef>
+                <a:spcPct val="20000"/>
+              </a:spcBef>
+              <a:spcAft>
+                <a:spcPts val="600"/>
+              </a:spcAft>
+              <a:buClr>
+                <a:schemeClr val="accent2"/>
+              </a:buClr>
+              <a:buSzPct val="92000"/>
+              <a:buFont typeface="Wingdings 2" panose="05020102010507070707" pitchFamily="18" charset="2"/>
+              <a:buChar char=""/>
+              <a:defRPr sz="1200" kern="1200">
+                <a:solidFill>
+                  <a:schemeClr val="tx2"/>
+                </a:solidFill>
+                <a:latin typeface="+mn-lt"/>
+                <a:ea typeface="+mn-ea"/>
+                <a:cs typeface="+mn-cs"/>
+              </a:defRPr>
+            </a:lvl6pPr>
+            <a:lvl7pPr marL="2200000" indent="-228600" algn="l" defTabSz="457200" rtl="0" eaLnBrk="1" latinLnBrk="0" hangingPunct="1">
+              <a:spcBef>
+                <a:spcPct val="20000"/>
+              </a:spcBef>
+              <a:spcAft>
+                <a:spcPts val="600"/>
+              </a:spcAft>
+              <a:buClr>
+                <a:schemeClr val="accent2"/>
+              </a:buClr>
+              <a:buSzPct val="92000"/>
+              <a:buFont typeface="Wingdings 2" panose="05020102010507070707" pitchFamily="18" charset="2"/>
+              <a:buChar char=""/>
+              <a:defRPr sz="1200" kern="1200">
+                <a:solidFill>
+                  <a:schemeClr val="tx2"/>
+                </a:solidFill>
+                <a:latin typeface="+mn-lt"/>
+                <a:ea typeface="+mn-ea"/>
+                <a:cs typeface="+mn-cs"/>
+              </a:defRPr>
+            </a:lvl7pPr>
+            <a:lvl8pPr marL="2500000" indent="-228600" algn="l" defTabSz="457200" rtl="0" eaLnBrk="1" latinLnBrk="0" hangingPunct="1">
+              <a:spcBef>
+                <a:spcPct val="20000"/>
+              </a:spcBef>
+              <a:spcAft>
+                <a:spcPts val="600"/>
+              </a:spcAft>
+              <a:buClr>
+                <a:schemeClr val="accent2"/>
+              </a:buClr>
+              <a:buSzPct val="92000"/>
+              <a:buFont typeface="Wingdings 2" panose="05020102010507070707" pitchFamily="18" charset="2"/>
+              <a:buChar char=""/>
+              <a:defRPr sz="1200" kern="1200">
+                <a:solidFill>
+                  <a:schemeClr val="tx2"/>
+                </a:solidFill>
+                <a:latin typeface="+mn-lt"/>
+                <a:ea typeface="+mn-ea"/>
+                <a:cs typeface="+mn-cs"/>
+              </a:defRPr>
+            </a:lvl8pPr>
+            <a:lvl9pPr marL="2800000" indent="-228600" algn="l" defTabSz="457200" rtl="0" eaLnBrk="1" latinLnBrk="0" hangingPunct="1">
+              <a:spcBef>
+                <a:spcPct val="20000"/>
+              </a:spcBef>
+              <a:spcAft>
+                <a:spcPts val="600"/>
+              </a:spcAft>
+              <a:buClr>
+                <a:schemeClr val="accent2"/>
+              </a:buClr>
+              <a:buSzPct val="92000"/>
+              <a:buFont typeface="Wingdings 2" panose="05020102010507070707" pitchFamily="18" charset="2"/>
+              <a:buChar char=""/>
+              <a:defRPr sz="1200" kern="1200">
+                <a:solidFill>
+                  <a:schemeClr val="tx2"/>
+                </a:solidFill>
+                <a:latin typeface="+mn-lt"/>
+                <a:ea typeface="+mn-ea"/>
+                <a:cs typeface="+mn-cs"/>
+              </a:defRPr>
+            </a:lvl9pPr>
+          </a:lstStyle>
+          <a:p>
+            <a:r>
+              <a:rPr lang="en-GB" b="1" dirty="0">
+                <a:solidFill>
+                  <a:srgbClr val="000000"/>
+                </a:solidFill>
+                <a:latin typeface=".SF NS"/>
+              </a:rPr>
+              <a:t>SLURM based cluster at </a:t>
+            </a:r>
+            <a:r>
+              <a:rPr lang="en-GB" b="1" dirty="0" err="1">
+                <a:solidFill>
+                  <a:srgbClr val="000000"/>
+                </a:solidFill>
+                <a:latin typeface=".SF NS"/>
+              </a:rPr>
+              <a:t>Ensembl</a:t>
+            </a:r>
+            <a:r>
+              <a:rPr lang="en-GB" b="1" dirty="0">
+                <a:solidFill>
+                  <a:srgbClr val="000000"/>
+                </a:solidFill>
+                <a:latin typeface=".SF NS"/>
+              </a:rPr>
+              <a:t>/</a:t>
+            </a:r>
+            <a:r>
+              <a:rPr lang="en-GB" b="1" dirty="0" err="1">
+                <a:solidFill>
+                  <a:srgbClr val="000000"/>
+                </a:solidFill>
+                <a:latin typeface=".SF NS"/>
+              </a:rPr>
+              <a:t>Compara</a:t>
+            </a:r>
+            <a:endParaRPr lang="en-GB" b="1" dirty="0">
+              <a:solidFill>
+                <a:srgbClr val="000000"/>
+              </a:solidFill>
+              <a:latin typeface=".SF NS"/>
+            </a:endParaRPr>
+          </a:p>
+          <a:p>
+            <a:r>
+              <a:rPr lang="en-GB" b="1" dirty="0">
+                <a:solidFill>
+                  <a:srgbClr val="000000"/>
+                </a:solidFill>
+                <a:latin typeface=".SF NS"/>
+              </a:rPr>
+              <a:t>Algorithm</a:t>
+            </a:r>
+          </a:p>
+          <a:p>
+            <a:pPr marL="666900" lvl="1" indent="-342900">
+              <a:buFont typeface="+mj-lt"/>
+              <a:buAutoNum type="arabicPeriod"/>
+            </a:pPr>
+            <a:r>
+              <a:rPr lang="en-GB" b="1" dirty="0">
+                <a:solidFill>
+                  <a:srgbClr val="000000"/>
+                </a:solidFill>
+                <a:latin typeface="Roboto Mono Light for Powerline" pitchFamily="2" charset="0"/>
+                <a:ea typeface="Roboto Mono Light for Powerline" pitchFamily="2" charset="0"/>
+              </a:rPr>
+              <a:t>Get the tree and </a:t>
+            </a:r>
+            <a:r>
+              <a:rPr lang="en-GB" b="1" dirty="0" err="1">
+                <a:solidFill>
+                  <a:srgbClr val="000000"/>
+                </a:solidFill>
+                <a:latin typeface="Roboto Mono Light for Powerline" pitchFamily="2" charset="0"/>
+                <a:ea typeface="Roboto Mono Light for Powerline" pitchFamily="2" charset="0"/>
+              </a:rPr>
+              <a:t>fasta</a:t>
+            </a:r>
+            <a:r>
+              <a:rPr lang="en-GB" b="1" dirty="0">
+                <a:solidFill>
+                  <a:srgbClr val="000000"/>
+                </a:solidFill>
+                <a:latin typeface="Roboto Mono Light for Powerline" pitchFamily="2" charset="0"/>
+                <a:ea typeface="Roboto Mono Light for Powerline" pitchFamily="2" charset="0"/>
+              </a:rPr>
+              <a:t> files</a:t>
+            </a:r>
+          </a:p>
+          <a:p>
+            <a:pPr marL="666900" lvl="1" indent="-342900">
+              <a:buFont typeface="+mj-lt"/>
+              <a:buAutoNum type="arabicPeriod"/>
+            </a:pPr>
+            <a:r>
+              <a:rPr lang="en-GB" b="1" dirty="0">
+                <a:solidFill>
+                  <a:srgbClr val="000000"/>
+                </a:solidFill>
+                <a:latin typeface="Roboto Mono Light for Powerline" pitchFamily="2" charset="0"/>
+                <a:ea typeface="Roboto Mono Light for Powerline" pitchFamily="2" charset="0"/>
+              </a:rPr>
+              <a:t>Call cactus-prepare and save the output</a:t>
+            </a:r>
+          </a:p>
+          <a:p>
+            <a:pPr marL="666900" lvl="1" indent="-342900">
+              <a:buFont typeface="+mj-lt"/>
+              <a:buAutoNum type="arabicPeriod"/>
+            </a:pPr>
+            <a:r>
+              <a:rPr lang="en-GB" b="1" dirty="0">
+                <a:solidFill>
+                  <a:srgbClr val="000000"/>
+                </a:solidFill>
+                <a:latin typeface="Roboto Mono Light for Powerline" pitchFamily="2" charset="0"/>
+                <a:ea typeface="Roboto Mono Light for Powerline" pitchFamily="2" charset="0"/>
+              </a:rPr>
+              <a:t>Call ”</a:t>
+            </a:r>
+            <a:r>
+              <a:rPr lang="en-GB" b="1" dirty="0" err="1">
+                <a:solidFill>
+                  <a:srgbClr val="000000"/>
+                </a:solidFill>
+                <a:latin typeface="Roboto Mono Light for Powerline" pitchFamily="2" charset="0"/>
+                <a:ea typeface="Roboto Mono Light for Powerline" pitchFamily="2" charset="0"/>
+              </a:rPr>
+              <a:t>slumify</a:t>
+            </a:r>
+            <a:r>
+              <a:rPr lang="en-GB" b="1" dirty="0">
+                <a:solidFill>
+                  <a:srgbClr val="000000"/>
+                </a:solidFill>
+                <a:latin typeface="Roboto Mono Light for Powerline" pitchFamily="2" charset="0"/>
+                <a:ea typeface="Roboto Mono Light for Powerline" pitchFamily="2" charset="0"/>
+              </a:rPr>
+              <a:t>” script to parse the output of cactus-prepare</a:t>
+            </a:r>
+          </a:p>
+          <a:p>
+            <a:pPr marL="666900" lvl="1" indent="-342900">
+              <a:buFont typeface="+mj-lt"/>
+              <a:buAutoNum type="arabicPeriod"/>
+            </a:pPr>
+            <a:r>
+              <a:rPr lang="en-GB" b="1" dirty="0">
+                <a:solidFill>
+                  <a:srgbClr val="000000"/>
+                </a:solidFill>
+                <a:latin typeface="Roboto Mono Light for Powerline" pitchFamily="2" charset="0"/>
+                <a:ea typeface="Roboto Mono Light for Powerline" pitchFamily="2" charset="0"/>
+              </a:rPr>
+              <a:t>Call script to dispatch the jobs to the SLURM cluster</a:t>
+            </a:r>
+          </a:p>
+        </p:txBody>
+      </p:sp>
+    </p:spTree>
+    <p:extLst>
+      <p:ext uri="{BB962C8B-B14F-4D97-AF65-F5344CB8AC3E}">
+        <p14:creationId xmlns:p14="http://schemas.microsoft.com/office/powerpoint/2010/main" val="3866266793"/>
+      </p:ext>
+    </p:extLst>
+  </p:cSld>
+  <p:clrMapOvr>
+    <a:masterClrMapping/>
+  </p:clrMapOvr>
+</p:sld>
+</file>
+
+<file path=ppt/slides/slide25.xml><?xml version="1.0" encoding="utf-8"?>
+<p:sld xmlns:a="http://schemas.openxmlformats.org/drawingml/2006/main" xmlns:r="http://schemas.openxmlformats.org/officeDocument/2006/relationships" xmlns:p="http://schemas.openxmlformats.org/presentationml/2006/main">
+  <p:cSld>
+    <p:spTree>
+      <p:nvGrpSpPr>
+        <p:cNvPr id="1" name=""/>
+        <p:cNvGrpSpPr/>
+        <p:nvPr/>
+      </p:nvGrpSpPr>
+      <p:grpSpPr>
+        <a:xfrm>
+          <a:off x="0" y="0"/>
+          <a:ext cx="0" cy="0"/>
+          <a:chOff x="0" y="0"/>
+          <a:chExt cx="0" cy="0"/>
+        </a:xfrm>
+      </p:grpSpPr>
+      <p:sp>
+        <p:nvSpPr>
+          <p:cNvPr id="2" name="Title 1">
+            <a:extLst>
+              <a:ext uri="{FF2B5EF4-FFF2-40B4-BE49-F238E27FC236}">
+                <a16:creationId xmlns:a16="http://schemas.microsoft.com/office/drawing/2014/main" id="{CBF26DE5-891D-C410-C5D8-0F8B292284F0}"/>
+              </a:ext>
+            </a:extLst>
+          </p:cNvPr>
+          <p:cNvSpPr>
+            <a:spLocks noGrp="1"/>
+          </p:cNvSpPr>
+          <p:nvPr>
+            <p:ph type="title"/>
+          </p:nvPr>
+        </p:nvSpPr>
+        <p:spPr/>
+        <p:txBody>
+          <a:bodyPr/>
+          <a:lstStyle/>
+          <a:p>
+            <a:r>
+              <a:rPr lang="en-US"/>
+              <a:t>Thank you!</a:t>
+            </a:r>
+          </a:p>
+        </p:txBody>
+      </p:sp>
+      <p:sp>
+        <p:nvSpPr>
+          <p:cNvPr id="3" name="Content Placeholder 2">
+            <a:extLst>
+              <a:ext uri="{FF2B5EF4-FFF2-40B4-BE49-F238E27FC236}">
+                <a16:creationId xmlns:a16="http://schemas.microsoft.com/office/drawing/2014/main" id="{F448A2D7-4152-FCED-DE3E-3537F568EB96}"/>
+              </a:ext>
+            </a:extLst>
+          </p:cNvPr>
+          <p:cNvSpPr>
+            <a:spLocks noGrp="1"/>
+          </p:cNvSpPr>
+          <p:nvPr>
+            <p:ph idx="1"/>
+          </p:nvPr>
+        </p:nvSpPr>
+        <p:spPr/>
+        <p:txBody>
+          <a:bodyPr/>
+          <a:lstStyle/>
+          <a:p>
+            <a:r>
+              <a:rPr lang="en-US" dirty="0"/>
+              <a:t>Questions?</a:t>
+            </a:r>
+          </a:p>
+        </p:txBody>
+      </p:sp>
+    </p:spTree>
+    <p:extLst>
+      <p:ext uri="{BB962C8B-B14F-4D97-AF65-F5344CB8AC3E}">
+        <p14:creationId xmlns:p14="http://schemas.microsoft.com/office/powerpoint/2010/main" val="2388715852"/>
       </p:ext>
     </p:extLst>
   </p:cSld>
@@ -6999,7 +14006,7 @@
         </p:spPr>
         <p:txBody>
           <a:bodyPr>
-            <a:normAutofit fontScale="77500" lnSpcReduction="20000"/>
+            <a:normAutofit fontScale="62500" lnSpcReduction="20000"/>
           </a:bodyPr>
           <a:lstStyle/>
           <a:p>
@@ -7427,7 +14434,21 @@
             <a:pPr marL="0" indent="0">
               <a:buNone/>
             </a:pPr>
-            <a:endParaRPr lang="en-CH" dirty="0"/>
+            <a:endParaRPr lang="en-GB" dirty="0"/>
+          </a:p>
+          <a:p>
+            <a:pPr marL="0" indent="0">
+              <a:buNone/>
+            </a:pPr>
+            <a:r>
+              <a:rPr lang="en-GB" b="1" dirty="0"/>
+              <a:t>PS – For SPACK users – it will be available soon via </a:t>
+            </a:r>
+            <a:r>
+              <a:rPr lang="en-GB" b="1" dirty="0" err="1"/>
+              <a:t>Ensembl</a:t>
+            </a:r>
+            <a:endParaRPr lang="en-CH" b="1" dirty="0"/>
           </a:p>
         </p:txBody>
       </p:sp>

--- a/docs/aligning_whole_genomes_with_cactus.pptx
+++ b/docs/aligning_whole_genomes_with_cactus.pptx
@@ -5118,6 +5118,25 @@
               <a:t>Let’s have MORE Fun!</a:t>
             </a:r>
           </a:p>
+          <a:p>
+            <a:endParaRPr lang="en-US" dirty="0"/>
+          </a:p>
+          <a:p>
+            <a:r>
+              <a:rPr lang="en-US" sz="2200" dirty="0" err="1">
+                <a:latin typeface="Roboto Mono Light for Powerline" pitchFamily="2" charset="0"/>
+                <a:ea typeface="Roboto Mono Light for Powerline" pitchFamily="2" charset="0"/>
+              </a:rPr>
+              <a:t>mdcat</a:t>
+            </a:r>
+            <a:r>
+              <a:rPr lang="en-US" sz="2200" dirty="0">
+                <a:latin typeface="Roboto Mono Light for Powerline" pitchFamily="2" charset="0"/>
+                <a:ea typeface="Roboto Mono Light for Powerline" pitchFamily="2" charset="0"/>
+              </a:rPr>
+              <a:t> /workspace/cactus/exercises/02/exercise-02.md</a:t>
+            </a:r>
+          </a:p>
         </p:txBody>
       </p:sp>
     </p:spTree>
@@ -14966,6 +14985,25 @@
               <a:rPr lang="en-US" dirty="0"/>
               <a:t>Let’s have some Fun!</a:t>
             </a:r>
+          </a:p>
+          <a:p>
+            <a:r>
+              <a:rPr lang="en-US" sz="2200" dirty="0" err="1">
+                <a:latin typeface="Roboto Mono Light for Powerline" pitchFamily="2" charset="0"/>
+                <a:ea typeface="Roboto Mono Light for Powerline" pitchFamily="2" charset="0"/>
+              </a:rPr>
+              <a:t>mdcat</a:t>
+            </a:r>
+            <a:r>
+              <a:rPr lang="en-US" sz="2200" dirty="0">
+                <a:latin typeface="Roboto Mono Light for Powerline" pitchFamily="2" charset="0"/>
+                <a:ea typeface="Roboto Mono Light for Powerline" pitchFamily="2" charset="0"/>
+              </a:rPr>
+              <a:t> /workspace/cactus/exercises/01/exercise-01.md</a:t>
+            </a:r>
+          </a:p>
+          <a:p>
+            <a:endParaRPr lang="en-US" dirty="0"/>
           </a:p>
         </p:txBody>
       </p:sp>

--- a/docs/aligning_whole_genomes_with_cactus.pptx
+++ b/docs/aligning_whole_genomes_with_cactus.pptx
@@ -16,22 +16,24 @@
     <p:sldId id="283" r:id="rId10"/>
     <p:sldId id="259" r:id="rId11"/>
     <p:sldId id="258" r:id="rId12"/>
-    <p:sldId id="284" r:id="rId13"/>
-    <p:sldId id="274" r:id="rId14"/>
-    <p:sldId id="275" r:id="rId15"/>
-    <p:sldId id="277" r:id="rId16"/>
-    <p:sldId id="276" r:id="rId17"/>
-    <p:sldId id="256" r:id="rId18"/>
-    <p:sldId id="257" r:id="rId19"/>
-    <p:sldId id="267" r:id="rId20"/>
-    <p:sldId id="268" r:id="rId21"/>
-    <p:sldId id="260" r:id="rId22"/>
-    <p:sldId id="261" r:id="rId23"/>
-    <p:sldId id="262" r:id="rId24"/>
-    <p:sldId id="263" r:id="rId25"/>
-    <p:sldId id="264" r:id="rId26"/>
-    <p:sldId id="265" r:id="rId27"/>
-    <p:sldId id="280" r:id="rId28"/>
+    <p:sldId id="274" r:id="rId13"/>
+    <p:sldId id="275" r:id="rId14"/>
+    <p:sldId id="284" r:id="rId15"/>
+    <p:sldId id="285" r:id="rId16"/>
+    <p:sldId id="277" r:id="rId17"/>
+    <p:sldId id="276" r:id="rId18"/>
+    <p:sldId id="256" r:id="rId19"/>
+    <p:sldId id="257" r:id="rId20"/>
+    <p:sldId id="267" r:id="rId21"/>
+    <p:sldId id="268" r:id="rId22"/>
+    <p:sldId id="260" r:id="rId23"/>
+    <p:sldId id="261" r:id="rId24"/>
+    <p:sldId id="262" r:id="rId25"/>
+    <p:sldId id="263" r:id="rId26"/>
+    <p:sldId id="264" r:id="rId27"/>
+    <p:sldId id="265" r:id="rId28"/>
+    <p:sldId id="280" r:id="rId29"/>
+    <p:sldId id="286" r:id="rId30"/>
   </p:sldIdLst>
   <p:sldSz cx="12192000" cy="6858000"/>
   <p:notesSz cx="6858000" cy="9144000"/>
@@ -5069,111 +5071,6 @@
           <p:cNvPr id="2" name="Title 1">
             <a:extLst>
               <a:ext uri="{FF2B5EF4-FFF2-40B4-BE49-F238E27FC236}">
-                <a16:creationId xmlns:a16="http://schemas.microsoft.com/office/drawing/2014/main" id="{AAC1ABBB-F4CD-78E2-2D69-0BFA2AC88B46}"/>
-              </a:ext>
-            </a:extLst>
-          </p:cNvPr>
-          <p:cNvSpPr>
-            <a:spLocks noGrp="1"/>
-          </p:cNvSpPr>
-          <p:nvPr>
-            <p:ph type="title"/>
-          </p:nvPr>
-        </p:nvSpPr>
-        <p:spPr/>
-        <p:txBody>
-          <a:bodyPr/>
-          <a:lstStyle/>
-          <a:p>
-            <a:r>
-              <a:rPr lang="en-US" dirty="0"/>
-              <a:t>Exercise 02</a:t>
-            </a:r>
-          </a:p>
-        </p:txBody>
-      </p:sp>
-      <p:sp>
-        <p:nvSpPr>
-          <p:cNvPr id="3" name="Content Placeholder 2">
-            <a:extLst>
-              <a:ext uri="{FF2B5EF4-FFF2-40B4-BE49-F238E27FC236}">
-                <a16:creationId xmlns:a16="http://schemas.microsoft.com/office/drawing/2014/main" id="{E5294168-300C-5925-0850-5D8D7A52977F}"/>
-              </a:ext>
-            </a:extLst>
-          </p:cNvPr>
-          <p:cNvSpPr>
-            <a:spLocks noGrp="1"/>
-          </p:cNvSpPr>
-          <p:nvPr>
-            <p:ph idx="1"/>
-          </p:nvPr>
-        </p:nvSpPr>
-        <p:spPr/>
-        <p:txBody>
-          <a:bodyPr/>
-          <a:lstStyle/>
-          <a:p>
-            <a:r>
-              <a:rPr lang="en-US" dirty="0"/>
-              <a:t>Let’s have MORE Fun!</a:t>
-            </a:r>
-          </a:p>
-          <a:p>
-            <a:endParaRPr lang="en-US" dirty="0"/>
-          </a:p>
-          <a:p>
-            <a:r>
-              <a:rPr lang="en-US" sz="2200" dirty="0" err="1">
-                <a:latin typeface="Roboto Mono Light for Powerline" pitchFamily="2" charset="0"/>
-                <a:ea typeface="Roboto Mono Light for Powerline" pitchFamily="2" charset="0"/>
-              </a:rPr>
-              <a:t>mdcat</a:t>
-            </a:r>
-            <a:r>
-              <a:rPr lang="en-US" sz="2200" dirty="0">
-                <a:latin typeface="Roboto Mono Light for Powerline" pitchFamily="2" charset="0"/>
-                <a:ea typeface="Roboto Mono Light for Powerline" pitchFamily="2" charset="0"/>
-              </a:rPr>
-              <a:t> /workspace/cactus/exercises/02/exercise-02.md</a:t>
-            </a:r>
-          </a:p>
-        </p:txBody>
-      </p:sp>
-    </p:spTree>
-    <p:extLst>
-      <p:ext uri="{BB962C8B-B14F-4D97-AF65-F5344CB8AC3E}">
-        <p14:creationId xmlns:p14="http://schemas.microsoft.com/office/powerpoint/2010/main" val="2847045574"/>
-      </p:ext>
-    </p:extLst>
-  </p:cSld>
-  <p:clrMapOvr>
-    <a:masterClrMapping/>
-  </p:clrMapOvr>
-</p:sld>
-</file>
-
-<file path=ppt/slides/slide13.xml><?xml version="1.0" encoding="utf-8"?>
-<p:sld xmlns:a="http://schemas.openxmlformats.org/drawingml/2006/main" xmlns:r="http://schemas.openxmlformats.org/officeDocument/2006/relationships" xmlns:p="http://schemas.openxmlformats.org/presentationml/2006/main">
-  <p:cSld>
-    <p:spTree>
-      <p:nvGrpSpPr>
-        <p:cNvPr id="1" name=""/>
-        <p:cNvGrpSpPr/>
-        <p:nvPr/>
-      </p:nvGrpSpPr>
-      <p:grpSpPr>
-        <a:xfrm>
-          <a:off x="0" y="0"/>
-          <a:ext cx="0" cy="0"/>
-          <a:chOff x="0" y="0"/>
-          <a:chExt cx="0" cy="0"/>
-        </a:xfrm>
-      </p:grpSpPr>
-      <p:sp>
-        <p:nvSpPr>
-          <p:cNvPr id="2" name="Title 1">
-            <a:extLst>
-              <a:ext uri="{FF2B5EF4-FFF2-40B4-BE49-F238E27FC236}">
                 <a16:creationId xmlns:a16="http://schemas.microsoft.com/office/drawing/2014/main" id="{9BFAFCD8-7165-B551-B749-67C739ACDDFA}"/>
               </a:ext>
             </a:extLst>
@@ -5826,7 +5723,7 @@
         </p:nvSpPr>
         <p:spPr>
           <a:xfrm>
-            <a:off x="7507310" y="3245726"/>
+            <a:off x="7364848" y="3245726"/>
             <a:ext cx="4827152" cy="2308324"/>
           </a:xfrm>
           <a:prstGeom prst="rect">
@@ -6089,7 +5986,7 @@
 </p:sld>
 </file>
 
-<file path=ppt/slides/slide14.xml><?xml version="1.0" encoding="utf-8"?>
+<file path=ppt/slides/slide13.xml><?xml version="1.0" encoding="utf-8"?>
 <p:sld xmlns:a="http://schemas.openxmlformats.org/drawingml/2006/main" xmlns:r="http://schemas.openxmlformats.org/officeDocument/2006/relationships" xmlns:p="http://schemas.openxmlformats.org/presentationml/2006/main">
   <p:cSld>
     <p:spTree>
@@ -8461,7 +8358,7 @@
 </p:sld>
 </file>
 
-<file path=ppt/slides/slide15.xml><?xml version="1.0" encoding="utf-8"?>
+<file path=ppt/slides/slide14.xml><?xml version="1.0" encoding="utf-8"?>
 <p:sld xmlns:a="http://schemas.openxmlformats.org/drawingml/2006/main" xmlns:r="http://schemas.openxmlformats.org/officeDocument/2006/relationships" xmlns:p="http://schemas.openxmlformats.org/presentationml/2006/main">
   <p:cSld>
     <p:spTree>
@@ -8483,7 +8380,7 @@
           <p:cNvPr id="2" name="Title 1">
             <a:extLst>
               <a:ext uri="{FF2B5EF4-FFF2-40B4-BE49-F238E27FC236}">
-                <a16:creationId xmlns:a16="http://schemas.microsoft.com/office/drawing/2014/main" id="{9BFAFCD8-7165-B551-B749-67C739ACDDFA}"/>
+                <a16:creationId xmlns:a16="http://schemas.microsoft.com/office/drawing/2014/main" id="{AAC1ABBB-F4CD-78E2-2D69-0BFA2AC88B46}"/>
               </a:ext>
             </a:extLst>
           </p:cNvPr>
@@ -8501,7 +8398,7 @@
           <a:p>
             <a:r>
               <a:rPr lang="en-US" dirty="0"/>
-              <a:t>Running Cactus</a:t>
+              <a:t>Exercise 02</a:t>
             </a:r>
           </a:p>
         </p:txBody>
@@ -8511,7 +8408,7 @@
           <p:cNvPr id="3" name="Content Placeholder 2">
             <a:extLst>
               <a:ext uri="{FF2B5EF4-FFF2-40B4-BE49-F238E27FC236}">
-                <a16:creationId xmlns:a16="http://schemas.microsoft.com/office/drawing/2014/main" id="{0DD41EDA-B80A-08E9-9262-3EFED673D33F}"/>
+                <a16:creationId xmlns:a16="http://schemas.microsoft.com/office/drawing/2014/main" id="{E5294168-300C-5925-0850-5D8D7A52977F}"/>
               </a:ext>
             </a:extLst>
           </p:cNvPr>
@@ -8522,167 +8419,102 @@
             <p:ph idx="1"/>
           </p:nvPr>
         </p:nvSpPr>
-        <p:spPr>
-          <a:xfrm>
-            <a:off x="581192" y="2180496"/>
-            <a:ext cx="11029615" cy="4393299"/>
-          </a:xfrm>
-        </p:spPr>
+        <p:spPr/>
         <p:txBody>
-          <a:bodyPr>
-            <a:normAutofit/>
-          </a:bodyPr>
+          <a:bodyPr/>
           <a:lstStyle/>
           <a:p>
             <a:r>
-              <a:rPr lang="en-GB" b="1" dirty="0">
-                <a:solidFill>
-                  <a:srgbClr val="000000"/>
-                </a:solidFill>
-                <a:effectLst/>
-                <a:latin typeface=".SF NS"/>
-              </a:rPr>
-              <a:t>Output file of Cactus-prepare</a:t>
-            </a:r>
-          </a:p>
-          <a:p>
-            <a:pPr lvl="1"/>
-            <a:r>
-              <a:rPr lang="en-GB" dirty="0">
-                <a:solidFill>
-                  <a:srgbClr val="000000"/>
-                </a:solidFill>
-                <a:effectLst/>
-                <a:latin typeface=".SF NS"/>
-              </a:rPr>
-              <a:t>List of </a:t>
-            </a:r>
-            <a:r>
-              <a:rPr lang="en-GB" dirty="0">
-                <a:solidFill>
-                  <a:srgbClr val="000000"/>
-                </a:solidFill>
-                <a:latin typeface=".SF NS"/>
-              </a:rPr>
-              <a:t>Cactus command-lines </a:t>
-            </a:r>
-          </a:p>
-          <a:p>
-            <a:pPr lvl="1"/>
-            <a:r>
-              <a:rPr lang="en-GB" dirty="0">
-                <a:solidFill>
-                  <a:srgbClr val="000000"/>
-                </a:solidFill>
-                <a:latin typeface=".SF NS"/>
-              </a:rPr>
-              <a:t>Parsed to a specialised Workflow Management System</a:t>
-            </a:r>
-          </a:p>
-          <a:p>
-            <a:pPr lvl="2"/>
-            <a:r>
-              <a:rPr lang="en-GB" dirty="0">
-                <a:solidFill>
-                  <a:srgbClr val="000000"/>
-                </a:solidFill>
-                <a:latin typeface=".SF NS"/>
-              </a:rPr>
-              <a:t>SLURM-based cluster (</a:t>
-            </a:r>
-            <a:r>
-              <a:rPr lang="en-GB" dirty="0" err="1">
-                <a:solidFill>
-                  <a:srgbClr val="000000"/>
-                </a:solidFill>
-                <a:latin typeface=".SF NS"/>
-              </a:rPr>
-              <a:t>Compara</a:t>
-            </a:r>
-            <a:r>
-              <a:rPr lang="en-GB" dirty="0">
-                <a:solidFill>
-                  <a:srgbClr val="000000"/>
-                </a:solidFill>
-                <a:latin typeface=".SF NS"/>
-              </a:rPr>
-              <a:t>)</a:t>
-            </a:r>
-          </a:p>
-          <a:p>
-            <a:pPr lvl="2"/>
-            <a:r>
-              <a:rPr lang="en-GB" dirty="0">
-                <a:solidFill>
-                  <a:srgbClr val="000000"/>
-                </a:solidFill>
-                <a:latin typeface=".SF NS"/>
-              </a:rPr>
-              <a:t>LSF based cluster</a:t>
-            </a:r>
-          </a:p>
-          <a:p>
-            <a:pPr lvl="2"/>
-            <a:r>
-              <a:rPr lang="en-GB" dirty="0" err="1">
-                <a:solidFill>
-                  <a:srgbClr val="000000"/>
-                </a:solidFill>
-                <a:effectLst/>
-                <a:latin typeface=".SF NS"/>
-              </a:rPr>
-              <a:t>Ne</a:t>
-            </a:r>
-            <a:r>
-              <a:rPr lang="en-GB" dirty="0" err="1">
-                <a:solidFill>
-                  <a:srgbClr val="000000"/>
-                </a:solidFill>
-                <a:latin typeface=".SF NS"/>
-              </a:rPr>
-              <a:t>xtflow</a:t>
-            </a:r>
-            <a:r>
-              <a:rPr lang="en-GB" dirty="0">
-                <a:solidFill>
-                  <a:srgbClr val="000000"/>
-                </a:solidFill>
-                <a:latin typeface=".SF NS"/>
-              </a:rPr>
-              <a:t> (work in </a:t>
-            </a:r>
-            <a:r>
-              <a:rPr lang="en-GB" dirty="0" err="1">
-                <a:solidFill>
-                  <a:srgbClr val="000000"/>
-                </a:solidFill>
-                <a:latin typeface=".SF NS"/>
-              </a:rPr>
-              <a:t>proress</a:t>
-            </a:r>
-            <a:r>
-              <a:rPr lang="en-GB" dirty="0">
-                <a:solidFill>
-                  <a:srgbClr val="000000"/>
-                </a:solidFill>
-                <a:latin typeface=".SF NS"/>
-              </a:rPr>
-              <a:t>)</a:t>
-            </a:r>
-            <a:endParaRPr lang="en-GB" dirty="0">
-              <a:solidFill>
-                <a:srgbClr val="000000"/>
-              </a:solidFill>
-              <a:effectLst/>
-              <a:latin typeface=".SF NS"/>
-            </a:endParaRPr>
+              <a:rPr lang="en-US" dirty="0"/>
+              <a:t>Let’s have MORE Fun!</a:t>
+            </a:r>
+          </a:p>
+          <a:p>
+            <a:endParaRPr lang="en-US" dirty="0"/>
+          </a:p>
+          <a:p>
+            <a:r>
+              <a:rPr lang="en-US" sz="2200" dirty="0">
+                <a:latin typeface="Roboto Mono Light for Powerline" pitchFamily="2" charset="0"/>
+                <a:ea typeface="Roboto Mono Light for Powerline" pitchFamily="2" charset="0"/>
+              </a:rPr>
+              <a:t>/workspace/cactus/exercises/02/exercise-02.md</a:t>
+            </a:r>
           </a:p>
         </p:txBody>
       </p:sp>
     </p:spTree>
     <p:extLst>
       <p:ext uri="{BB962C8B-B14F-4D97-AF65-F5344CB8AC3E}">
-        <p14:creationId xmlns:p14="http://schemas.microsoft.com/office/powerpoint/2010/main" val="1243796632"/>
+        <p14:creationId xmlns:p14="http://schemas.microsoft.com/office/powerpoint/2010/main" val="2847045574"/>
+      </p:ext>
+    </p:extLst>
+  </p:cSld>
+  <p:clrMapOvr>
+    <a:masterClrMapping/>
+  </p:clrMapOvr>
+</p:sld>
+</file>
+
+<file path=ppt/slides/slide15.xml><?xml version="1.0" encoding="utf-8"?>
+<p:sld xmlns:a="http://schemas.openxmlformats.org/drawingml/2006/main" xmlns:r="http://schemas.openxmlformats.org/officeDocument/2006/relationships" xmlns:p="http://schemas.openxmlformats.org/presentationml/2006/main" showMasterSp="0">
+  <p:cSld>
+    <p:bg>
+      <p:bgPr>
+        <a:solidFill>
+          <a:schemeClr val="bg1"/>
+        </a:solidFill>
+        <a:effectLst/>
+      </p:bgPr>
+    </p:bg>
+    <p:spTree>
+      <p:nvGrpSpPr>
+        <p:cNvPr id="1" name=""/>
+        <p:cNvGrpSpPr/>
+        <p:nvPr/>
+      </p:nvGrpSpPr>
+      <p:grpSpPr>
+        <a:xfrm>
+          <a:off x="0" y="0"/>
+          <a:ext cx="0" cy="0"/>
+          <a:chOff x="0" y="0"/>
+          <a:chExt cx="0" cy="0"/>
+        </a:xfrm>
+      </p:grpSpPr>
+      <p:pic>
+        <p:nvPicPr>
+          <p:cNvPr id="6" name="Picture 5" descr="A diagram of a computer&#10;&#10;Description automatically generated">
+            <a:extLst>
+              <a:ext uri="{FF2B5EF4-FFF2-40B4-BE49-F238E27FC236}">
+                <a16:creationId xmlns:a16="http://schemas.microsoft.com/office/drawing/2014/main" id="{81CDCE3B-BB7E-19C6-E8FA-8F80FD4F8DC9}"/>
+              </a:ext>
+            </a:extLst>
+          </p:cNvPr>
+          <p:cNvPicPr>
+            <a:picLocks noChangeAspect="1"/>
+          </p:cNvPicPr>
+          <p:nvPr/>
+        </p:nvPicPr>
+        <p:blipFill>
+          <a:blip r:embed="rId2"/>
+          <a:stretch>
+            <a:fillRect/>
+          </a:stretch>
+        </p:blipFill>
+        <p:spPr>
+          <a:xfrm>
+            <a:off x="1134655" y="179748"/>
+            <a:ext cx="9922687" cy="6498504"/>
+          </a:xfrm>
+          <a:prstGeom prst="rect">
+            <a:avLst/>
+          </a:prstGeom>
+        </p:spPr>
+      </p:pic>
+    </p:spTree>
+    <p:extLst>
+      <p:ext uri="{BB962C8B-B14F-4D97-AF65-F5344CB8AC3E}">
+        <p14:creationId xmlns:p14="http://schemas.microsoft.com/office/powerpoint/2010/main" val="3543613099"/>
       </p:ext>
     </p:extLst>
   </p:cSld>
@@ -8732,6 +8564,237 @@
           <a:p>
             <a:r>
               <a:rPr lang="en-US" dirty="0"/>
+              <a:t>Running Cactus</a:t>
+            </a:r>
+          </a:p>
+        </p:txBody>
+      </p:sp>
+      <p:sp>
+        <p:nvSpPr>
+          <p:cNvPr id="3" name="Content Placeholder 2">
+            <a:extLst>
+              <a:ext uri="{FF2B5EF4-FFF2-40B4-BE49-F238E27FC236}">
+                <a16:creationId xmlns:a16="http://schemas.microsoft.com/office/drawing/2014/main" id="{0DD41EDA-B80A-08E9-9262-3EFED673D33F}"/>
+              </a:ext>
+            </a:extLst>
+          </p:cNvPr>
+          <p:cNvSpPr>
+            <a:spLocks noGrp="1"/>
+          </p:cNvSpPr>
+          <p:nvPr>
+            <p:ph idx="1"/>
+          </p:nvPr>
+        </p:nvSpPr>
+        <p:spPr>
+          <a:xfrm>
+            <a:off x="581192" y="2180496"/>
+            <a:ext cx="11029615" cy="4393299"/>
+          </a:xfrm>
+        </p:spPr>
+        <p:txBody>
+          <a:bodyPr>
+            <a:normAutofit/>
+          </a:bodyPr>
+          <a:lstStyle/>
+          <a:p>
+            <a:r>
+              <a:rPr lang="en-GB" b="1" dirty="0">
+                <a:solidFill>
+                  <a:srgbClr val="000000"/>
+                </a:solidFill>
+                <a:effectLst/>
+                <a:latin typeface=".SF NS"/>
+              </a:rPr>
+              <a:t>Output file of Cactus-prepare</a:t>
+            </a:r>
+          </a:p>
+          <a:p>
+            <a:pPr lvl="1"/>
+            <a:r>
+              <a:rPr lang="en-GB" dirty="0">
+                <a:solidFill>
+                  <a:srgbClr val="000000"/>
+                </a:solidFill>
+                <a:effectLst/>
+                <a:latin typeface=".SF NS"/>
+              </a:rPr>
+              <a:t>List of </a:t>
+            </a:r>
+            <a:r>
+              <a:rPr lang="en-GB" dirty="0">
+                <a:solidFill>
+                  <a:srgbClr val="000000"/>
+                </a:solidFill>
+                <a:latin typeface=".SF NS"/>
+              </a:rPr>
+              <a:t>Cactus command-lines </a:t>
+            </a:r>
+          </a:p>
+          <a:p>
+            <a:pPr lvl="1"/>
+            <a:r>
+              <a:rPr lang="en-GB" dirty="0">
+                <a:solidFill>
+                  <a:srgbClr val="000000"/>
+                </a:solidFill>
+                <a:latin typeface=".SF NS"/>
+              </a:rPr>
+              <a:t>Parsed to a specialised Workflow Management System</a:t>
+            </a:r>
+          </a:p>
+          <a:p>
+            <a:pPr lvl="2"/>
+            <a:r>
+              <a:rPr lang="en-GB" dirty="0">
+                <a:solidFill>
+                  <a:srgbClr val="000000"/>
+                </a:solidFill>
+                <a:latin typeface=".SF NS"/>
+              </a:rPr>
+              <a:t>SLURM-based cluster (</a:t>
+            </a:r>
+            <a:r>
+              <a:rPr lang="en-GB" dirty="0" err="1">
+                <a:solidFill>
+                  <a:srgbClr val="000000"/>
+                </a:solidFill>
+                <a:latin typeface=".SF NS"/>
+              </a:rPr>
+              <a:t>Compara</a:t>
+            </a:r>
+            <a:r>
+              <a:rPr lang="en-GB" dirty="0">
+                <a:solidFill>
+                  <a:srgbClr val="000000"/>
+                </a:solidFill>
+                <a:latin typeface=".SF NS"/>
+              </a:rPr>
+              <a:t>)</a:t>
+            </a:r>
+          </a:p>
+          <a:p>
+            <a:pPr lvl="2"/>
+            <a:r>
+              <a:rPr lang="en-GB" dirty="0">
+                <a:solidFill>
+                  <a:srgbClr val="000000"/>
+                </a:solidFill>
+                <a:latin typeface=".SF NS"/>
+              </a:rPr>
+              <a:t>LSF based cluster</a:t>
+            </a:r>
+          </a:p>
+          <a:p>
+            <a:pPr lvl="2"/>
+            <a:r>
+              <a:rPr lang="en-GB" dirty="0" err="1">
+                <a:solidFill>
+                  <a:srgbClr val="000000"/>
+                </a:solidFill>
+                <a:effectLst/>
+                <a:latin typeface=".SF NS"/>
+              </a:rPr>
+              <a:t>Ne</a:t>
+            </a:r>
+            <a:r>
+              <a:rPr lang="en-GB" dirty="0" err="1">
+                <a:solidFill>
+                  <a:srgbClr val="000000"/>
+                </a:solidFill>
+                <a:latin typeface=".SF NS"/>
+              </a:rPr>
+              <a:t>xtflow</a:t>
+            </a:r>
+            <a:r>
+              <a:rPr lang="en-GB" dirty="0">
+                <a:solidFill>
+                  <a:srgbClr val="000000"/>
+                </a:solidFill>
+                <a:latin typeface=".SF NS"/>
+              </a:rPr>
+              <a:t> (work in </a:t>
+            </a:r>
+            <a:r>
+              <a:rPr lang="en-GB" dirty="0" err="1">
+                <a:solidFill>
+                  <a:srgbClr val="000000"/>
+                </a:solidFill>
+                <a:latin typeface=".SF NS"/>
+              </a:rPr>
+              <a:t>proress</a:t>
+            </a:r>
+            <a:r>
+              <a:rPr lang="en-GB" dirty="0">
+                <a:solidFill>
+                  <a:srgbClr val="000000"/>
+                </a:solidFill>
+                <a:latin typeface=".SF NS"/>
+              </a:rPr>
+              <a:t>)</a:t>
+            </a:r>
+            <a:endParaRPr lang="en-GB" dirty="0">
+              <a:solidFill>
+                <a:srgbClr val="000000"/>
+              </a:solidFill>
+              <a:effectLst/>
+              <a:latin typeface=".SF NS"/>
+            </a:endParaRPr>
+          </a:p>
+        </p:txBody>
+      </p:sp>
+    </p:spTree>
+    <p:extLst>
+      <p:ext uri="{BB962C8B-B14F-4D97-AF65-F5344CB8AC3E}">
+        <p14:creationId xmlns:p14="http://schemas.microsoft.com/office/powerpoint/2010/main" val="1243796632"/>
+      </p:ext>
+    </p:extLst>
+  </p:cSld>
+  <p:clrMapOvr>
+    <a:masterClrMapping/>
+  </p:clrMapOvr>
+</p:sld>
+</file>
+
+<file path=ppt/slides/slide17.xml><?xml version="1.0" encoding="utf-8"?>
+<p:sld xmlns:a="http://schemas.openxmlformats.org/drawingml/2006/main" xmlns:r="http://schemas.openxmlformats.org/officeDocument/2006/relationships" xmlns:p="http://schemas.openxmlformats.org/presentationml/2006/main">
+  <p:cSld>
+    <p:spTree>
+      <p:nvGrpSpPr>
+        <p:cNvPr id="1" name=""/>
+        <p:cNvGrpSpPr/>
+        <p:nvPr/>
+      </p:nvGrpSpPr>
+      <p:grpSpPr>
+        <a:xfrm>
+          <a:off x="0" y="0"/>
+          <a:ext cx="0" cy="0"/>
+          <a:chOff x="0" y="0"/>
+          <a:chExt cx="0" cy="0"/>
+        </a:xfrm>
+      </p:grpSpPr>
+      <p:sp>
+        <p:nvSpPr>
+          <p:cNvPr id="2" name="Title 1">
+            <a:extLst>
+              <a:ext uri="{FF2B5EF4-FFF2-40B4-BE49-F238E27FC236}">
+                <a16:creationId xmlns:a16="http://schemas.microsoft.com/office/drawing/2014/main" id="{9BFAFCD8-7165-B551-B749-67C739ACDDFA}"/>
+              </a:ext>
+            </a:extLst>
+          </p:cNvPr>
+          <p:cNvSpPr>
+            <a:spLocks noGrp="1"/>
+          </p:cNvSpPr>
+          <p:nvPr>
+            <p:ph type="title"/>
+          </p:nvPr>
+        </p:nvSpPr>
+        <p:spPr/>
+        <p:txBody>
+          <a:bodyPr/>
+          <a:lstStyle/>
+          <a:p>
+            <a:r>
+              <a:rPr lang="en-US" dirty="0"/>
               <a:t>Take away</a:t>
             </a:r>
           </a:p>
@@ -9494,7 +9557,7 @@
 </p:sld>
 </file>
 
-<file path=ppt/slides/slide17.xml><?xml version="1.0" encoding="utf-8"?>
+<file path=ppt/slides/slide18.xml><?xml version="1.0" encoding="utf-8"?>
 <p:sld xmlns:a="http://schemas.openxmlformats.org/drawingml/2006/main" xmlns:r="http://schemas.openxmlformats.org/officeDocument/2006/relationships" xmlns:p="http://schemas.openxmlformats.org/presentationml/2006/main">
   <p:cSld>
     <p:spTree>
@@ -9608,7 +9671,7 @@
 </p:sld>
 </file>
 
-<file path=ppt/slides/slide18.xml><?xml version="1.0" encoding="utf-8"?>
+<file path=ppt/slides/slide19.xml><?xml version="1.0" encoding="utf-8"?>
 <p:sld xmlns:a="http://schemas.openxmlformats.org/drawingml/2006/main" xmlns:r="http://schemas.openxmlformats.org/officeDocument/2006/relationships" xmlns:p="http://schemas.openxmlformats.org/presentationml/2006/main">
   <p:cSld>
     <p:spTree>
@@ -9882,311 +9945,6 @@
     <p:extLst>
       <p:ext uri="{BB962C8B-B14F-4D97-AF65-F5344CB8AC3E}">
         <p14:creationId xmlns:p14="http://schemas.microsoft.com/office/powerpoint/2010/main" val="3672807186"/>
-      </p:ext>
-    </p:extLst>
-  </p:cSld>
-  <p:clrMapOvr>
-    <a:masterClrMapping/>
-  </p:clrMapOvr>
-</p:sld>
-</file>
-
-<file path=ppt/slides/slide19.xml><?xml version="1.0" encoding="utf-8"?>
-<p:sld xmlns:a="http://schemas.openxmlformats.org/drawingml/2006/main" xmlns:r="http://schemas.openxmlformats.org/officeDocument/2006/relationships" xmlns:p="http://schemas.openxmlformats.org/presentationml/2006/main">
-  <p:cSld>
-    <p:spTree>
-      <p:nvGrpSpPr>
-        <p:cNvPr id="1" name=""/>
-        <p:cNvGrpSpPr/>
-        <p:nvPr/>
-      </p:nvGrpSpPr>
-      <p:grpSpPr>
-        <a:xfrm>
-          <a:off x="0" y="0"/>
-          <a:ext cx="0" cy="0"/>
-          <a:chOff x="0" y="0"/>
-          <a:chExt cx="0" cy="0"/>
-        </a:xfrm>
-      </p:grpSpPr>
-      <p:sp>
-        <p:nvSpPr>
-          <p:cNvPr id="2" name="Title 1">
-            <a:extLst>
-              <a:ext uri="{FF2B5EF4-FFF2-40B4-BE49-F238E27FC236}">
-                <a16:creationId xmlns:a16="http://schemas.microsoft.com/office/drawing/2014/main" id="{AF483C38-3812-8869-A867-1C4C553A7B9C}"/>
-              </a:ext>
-            </a:extLst>
-          </p:cNvPr>
-          <p:cNvSpPr>
-            <a:spLocks noGrp="1"/>
-          </p:cNvSpPr>
-          <p:nvPr>
-            <p:ph type="title"/>
-          </p:nvPr>
-        </p:nvSpPr>
-        <p:spPr/>
-        <p:txBody>
-          <a:bodyPr/>
-          <a:lstStyle/>
-          <a:p>
-            <a:r>
-              <a:rPr lang="en-CH" dirty="0"/>
-              <a:t>Install cactus – part 1</a:t>
-            </a:r>
-          </a:p>
-        </p:txBody>
-      </p:sp>
-      <p:sp>
-        <p:nvSpPr>
-          <p:cNvPr id="3" name="Content Placeholder 2">
-            <a:extLst>
-              <a:ext uri="{FF2B5EF4-FFF2-40B4-BE49-F238E27FC236}">
-                <a16:creationId xmlns:a16="http://schemas.microsoft.com/office/drawing/2014/main" id="{D5F1F866-94FD-2EC5-004E-B77E7B69AB0F}"/>
-              </a:ext>
-            </a:extLst>
-          </p:cNvPr>
-          <p:cNvSpPr>
-            <a:spLocks noGrp="1"/>
-          </p:cNvSpPr>
-          <p:nvPr>
-            <p:ph idx="1"/>
-          </p:nvPr>
-        </p:nvSpPr>
-        <p:spPr>
-          <a:xfrm>
-            <a:off x="581192" y="2598233"/>
-            <a:ext cx="11029615" cy="4047893"/>
-          </a:xfrm>
-        </p:spPr>
-        <p:txBody>
-          <a:bodyPr>
-            <a:noAutofit/>
-          </a:bodyPr>
-          <a:lstStyle/>
-          <a:p>
-            <a:pPr marL="0" indent="0">
-              <a:buNone/>
-            </a:pPr>
-            <a:r>
-              <a:rPr lang="en-GB" sz="1600" dirty="0">
-                <a:solidFill>
-                  <a:schemeClr val="tx1"/>
-                </a:solidFill>
-                <a:latin typeface="Avenir Book" panose="02000503020000020003" pitchFamily="2" charset="0"/>
-              </a:rPr>
-              <a:t># </a:t>
-            </a:r>
-            <a:r>
-              <a:rPr lang="en-GB" sz="1600" b="1" dirty="0">
-                <a:solidFill>
-                  <a:schemeClr val="tx1"/>
-                </a:solidFill>
-                <a:latin typeface="Avenir Book" panose="02000503020000020003" pitchFamily="2" charset="0"/>
-              </a:rPr>
-              <a:t>We are going to create another directory where we will install cactus</a:t>
-            </a:r>
-            <a:endParaRPr lang="en-GB" sz="1600" dirty="0">
-              <a:solidFill>
-                <a:schemeClr val="tx1"/>
-              </a:solidFill>
-              <a:latin typeface="Avenir Book" panose="02000503020000020003" pitchFamily="2" charset="0"/>
-            </a:endParaRPr>
-          </a:p>
-          <a:p>
-            <a:pPr marL="0" indent="0">
-              <a:buNone/>
-            </a:pPr>
-            <a:r>
-              <a:rPr lang="en-GB" sz="1600" dirty="0" err="1">
-                <a:solidFill>
-                  <a:schemeClr val="tx1"/>
-                </a:solidFill>
-                <a:latin typeface="Avenir Book" panose="02000503020000020003" pitchFamily="2" charset="0"/>
-              </a:rPr>
-              <a:t>mkdir</a:t>
-            </a:r>
-            <a:r>
-              <a:rPr lang="en-GB" sz="1600" dirty="0">
-                <a:solidFill>
-                  <a:schemeClr val="tx1"/>
-                </a:solidFill>
-                <a:latin typeface="Avenir Book" panose="02000503020000020003" pitchFamily="2" charset="0"/>
-              </a:rPr>
-              <a:t> –p programme &amp;&amp; cd programme</a:t>
-            </a:r>
-          </a:p>
-          <a:p>
-            <a:pPr marL="0" indent="0">
-              <a:buNone/>
-            </a:pPr>
-            <a:endParaRPr lang="en-GB" sz="1600" dirty="0">
-              <a:solidFill>
-                <a:schemeClr val="tx1"/>
-              </a:solidFill>
-              <a:latin typeface="Avenir Book" panose="02000503020000020003" pitchFamily="2" charset="0"/>
-            </a:endParaRPr>
-          </a:p>
-          <a:p>
-            <a:pPr marL="0" indent="0">
-              <a:buNone/>
-            </a:pPr>
-            <a:r>
-              <a:rPr lang="en-GB" sz="1600" dirty="0">
-                <a:solidFill>
-                  <a:schemeClr val="tx1"/>
-                </a:solidFill>
-                <a:latin typeface="Avenir Book" panose="02000503020000020003" pitchFamily="2" charset="0"/>
-              </a:rPr>
-              <a:t># </a:t>
-            </a:r>
-            <a:r>
-              <a:rPr lang="en-GB" sz="1600" b="1" dirty="0">
-                <a:solidFill>
-                  <a:schemeClr val="tx1"/>
-                </a:solidFill>
-                <a:latin typeface="Avenir Book" panose="02000503020000020003" pitchFamily="2" charset="0"/>
-              </a:rPr>
-              <a:t>Export PATH</a:t>
-            </a:r>
-            <a:endParaRPr lang="en-GB" sz="1600" dirty="0">
-              <a:solidFill>
-                <a:schemeClr val="tx1"/>
-              </a:solidFill>
-              <a:latin typeface="Avenir Book" panose="02000503020000020003" pitchFamily="2" charset="0"/>
-            </a:endParaRPr>
-          </a:p>
-          <a:p>
-            <a:pPr marL="0" indent="0">
-              <a:buNone/>
-            </a:pPr>
-            <a:r>
-              <a:rPr lang="en-GB" sz="1600" dirty="0">
-                <a:solidFill>
-                  <a:schemeClr val="tx1"/>
-                </a:solidFill>
-                <a:latin typeface="Avenir Book" panose="02000503020000020003" pitchFamily="2" charset="0"/>
-              </a:rPr>
-              <a:t>export PATH="/workspace/</a:t>
-            </a:r>
-            <a:r>
-              <a:rPr lang="en-GB" sz="1600" dirty="0" err="1">
-                <a:solidFill>
-                  <a:schemeClr val="tx1"/>
-                </a:solidFill>
-                <a:latin typeface="Avenir Book" panose="02000503020000020003" pitchFamily="2" charset="0"/>
-              </a:rPr>
-              <a:t>conda</a:t>
-            </a:r>
-            <a:r>
-              <a:rPr lang="en-GB" sz="1600" dirty="0">
-                <a:solidFill>
-                  <a:schemeClr val="tx1"/>
-                </a:solidFill>
-                <a:latin typeface="Avenir Book" panose="02000503020000020003" pitchFamily="2" charset="0"/>
-              </a:rPr>
-              <a:t>/bin:$PATH”</a:t>
-            </a:r>
-          </a:p>
-          <a:p>
-            <a:pPr marL="0" indent="0">
-              <a:buNone/>
-            </a:pPr>
-            <a:endParaRPr lang="en-GB" sz="1600" b="1" dirty="0">
-              <a:solidFill>
-                <a:schemeClr val="tx1"/>
-              </a:solidFill>
-              <a:latin typeface="Avenir Book" panose="02000503020000020003" pitchFamily="2" charset="0"/>
-            </a:endParaRPr>
-          </a:p>
-          <a:p>
-            <a:pPr marL="0" indent="0">
-              <a:buNone/>
-            </a:pPr>
-            <a:r>
-              <a:rPr lang="en-GB" sz="1600" b="1" dirty="0">
-                <a:solidFill>
-                  <a:schemeClr val="tx1"/>
-                </a:solidFill>
-                <a:latin typeface="Avenir Book" panose="02000503020000020003" pitchFamily="2" charset="0"/>
-              </a:rPr>
-              <a:t># Let’s install a few more dependencies (this step is normally not necessary when installing cactus on a server! )</a:t>
-            </a:r>
-          </a:p>
-          <a:p>
-            <a:pPr marL="0" indent="0">
-              <a:buNone/>
-            </a:pPr>
-            <a:r>
-              <a:rPr lang="en-GB" sz="1600" dirty="0" err="1">
-                <a:solidFill>
-                  <a:schemeClr val="tx1"/>
-                </a:solidFill>
-                <a:latin typeface="Avenir Book" panose="02000503020000020003" pitchFamily="2" charset="0"/>
-              </a:rPr>
-              <a:t>conda</a:t>
-            </a:r>
-            <a:r>
-              <a:rPr lang="en-GB" sz="1600" dirty="0">
-                <a:solidFill>
-                  <a:schemeClr val="tx1"/>
-                </a:solidFill>
-                <a:latin typeface="Avenir Book" panose="02000503020000020003" pitchFamily="2" charset="0"/>
-              </a:rPr>
-              <a:t> install gxx_linux-64</a:t>
-            </a:r>
-          </a:p>
-          <a:p>
-            <a:pPr marL="0" indent="0">
-              <a:buNone/>
-            </a:pPr>
-            <a:r>
-              <a:rPr lang="en-GB" sz="1600" dirty="0" err="1">
-                <a:solidFill>
-                  <a:schemeClr val="tx1"/>
-                </a:solidFill>
-                <a:latin typeface="Avenir Book" panose="02000503020000020003" pitchFamily="2" charset="0"/>
-              </a:rPr>
-              <a:t>conda</a:t>
-            </a:r>
-            <a:r>
-              <a:rPr lang="en-GB" sz="1600" dirty="0">
-                <a:solidFill>
-                  <a:schemeClr val="tx1"/>
-                </a:solidFill>
-                <a:latin typeface="Avenir Book" panose="02000503020000020003" pitchFamily="2" charset="0"/>
-              </a:rPr>
-              <a:t> install –c anaconda hdf5</a:t>
-            </a:r>
-          </a:p>
-          <a:p>
-            <a:pPr marL="0" indent="0">
-              <a:buNone/>
-            </a:pPr>
-            <a:r>
-              <a:rPr lang="en-GB" sz="1600" dirty="0" err="1">
-                <a:solidFill>
-                  <a:schemeClr val="tx1"/>
-                </a:solidFill>
-                <a:latin typeface="Avenir Book" panose="02000503020000020003" pitchFamily="2" charset="0"/>
-              </a:rPr>
-              <a:t>sudo</a:t>
-            </a:r>
-            <a:r>
-              <a:rPr lang="en-GB" sz="1600" dirty="0">
-                <a:solidFill>
-                  <a:schemeClr val="tx1"/>
-                </a:solidFill>
-                <a:latin typeface="Avenir Book" panose="02000503020000020003" pitchFamily="2" charset="0"/>
-              </a:rPr>
-              <a:t> apt-get install python3-pip</a:t>
-            </a:r>
-          </a:p>
-        </p:txBody>
-      </p:sp>
-    </p:spTree>
-    <p:extLst>
-      <p:ext uri="{BB962C8B-B14F-4D97-AF65-F5344CB8AC3E}">
-        <p14:creationId xmlns:p14="http://schemas.microsoft.com/office/powerpoint/2010/main" val="2350206018"/>
       </p:ext>
     </p:extLst>
   </p:cSld>
@@ -10385,6 +10143,311 @@
           <p:cNvPr id="2" name="Title 1">
             <a:extLst>
               <a:ext uri="{FF2B5EF4-FFF2-40B4-BE49-F238E27FC236}">
+                <a16:creationId xmlns:a16="http://schemas.microsoft.com/office/drawing/2014/main" id="{AF483C38-3812-8869-A867-1C4C553A7B9C}"/>
+              </a:ext>
+            </a:extLst>
+          </p:cNvPr>
+          <p:cNvSpPr>
+            <a:spLocks noGrp="1"/>
+          </p:cNvSpPr>
+          <p:nvPr>
+            <p:ph type="title"/>
+          </p:nvPr>
+        </p:nvSpPr>
+        <p:spPr/>
+        <p:txBody>
+          <a:bodyPr/>
+          <a:lstStyle/>
+          <a:p>
+            <a:r>
+              <a:rPr lang="en-CH" dirty="0"/>
+              <a:t>Install cactus – part 1</a:t>
+            </a:r>
+          </a:p>
+        </p:txBody>
+      </p:sp>
+      <p:sp>
+        <p:nvSpPr>
+          <p:cNvPr id="3" name="Content Placeholder 2">
+            <a:extLst>
+              <a:ext uri="{FF2B5EF4-FFF2-40B4-BE49-F238E27FC236}">
+                <a16:creationId xmlns:a16="http://schemas.microsoft.com/office/drawing/2014/main" id="{D5F1F866-94FD-2EC5-004E-B77E7B69AB0F}"/>
+              </a:ext>
+            </a:extLst>
+          </p:cNvPr>
+          <p:cNvSpPr>
+            <a:spLocks noGrp="1"/>
+          </p:cNvSpPr>
+          <p:nvPr>
+            <p:ph idx="1"/>
+          </p:nvPr>
+        </p:nvSpPr>
+        <p:spPr>
+          <a:xfrm>
+            <a:off x="581192" y="2598233"/>
+            <a:ext cx="11029615" cy="4047893"/>
+          </a:xfrm>
+        </p:spPr>
+        <p:txBody>
+          <a:bodyPr>
+            <a:noAutofit/>
+          </a:bodyPr>
+          <a:lstStyle/>
+          <a:p>
+            <a:pPr marL="0" indent="0">
+              <a:buNone/>
+            </a:pPr>
+            <a:r>
+              <a:rPr lang="en-GB" sz="1600" dirty="0">
+                <a:solidFill>
+                  <a:schemeClr val="tx1"/>
+                </a:solidFill>
+                <a:latin typeface="Avenir Book" panose="02000503020000020003" pitchFamily="2" charset="0"/>
+              </a:rPr>
+              <a:t># </a:t>
+            </a:r>
+            <a:r>
+              <a:rPr lang="en-GB" sz="1600" b="1" dirty="0">
+                <a:solidFill>
+                  <a:schemeClr val="tx1"/>
+                </a:solidFill>
+                <a:latin typeface="Avenir Book" panose="02000503020000020003" pitchFamily="2" charset="0"/>
+              </a:rPr>
+              <a:t>We are going to create another directory where we will install cactus</a:t>
+            </a:r>
+            <a:endParaRPr lang="en-GB" sz="1600" dirty="0">
+              <a:solidFill>
+                <a:schemeClr val="tx1"/>
+              </a:solidFill>
+              <a:latin typeface="Avenir Book" panose="02000503020000020003" pitchFamily="2" charset="0"/>
+            </a:endParaRPr>
+          </a:p>
+          <a:p>
+            <a:pPr marL="0" indent="0">
+              <a:buNone/>
+            </a:pPr>
+            <a:r>
+              <a:rPr lang="en-GB" sz="1600" dirty="0" err="1">
+                <a:solidFill>
+                  <a:schemeClr val="tx1"/>
+                </a:solidFill>
+                <a:latin typeface="Avenir Book" panose="02000503020000020003" pitchFamily="2" charset="0"/>
+              </a:rPr>
+              <a:t>mkdir</a:t>
+            </a:r>
+            <a:r>
+              <a:rPr lang="en-GB" sz="1600" dirty="0">
+                <a:solidFill>
+                  <a:schemeClr val="tx1"/>
+                </a:solidFill>
+                <a:latin typeface="Avenir Book" panose="02000503020000020003" pitchFamily="2" charset="0"/>
+              </a:rPr>
+              <a:t> –p programme &amp;&amp; cd programme</a:t>
+            </a:r>
+          </a:p>
+          <a:p>
+            <a:pPr marL="0" indent="0">
+              <a:buNone/>
+            </a:pPr>
+            <a:endParaRPr lang="en-GB" sz="1600" dirty="0">
+              <a:solidFill>
+                <a:schemeClr val="tx1"/>
+              </a:solidFill>
+              <a:latin typeface="Avenir Book" panose="02000503020000020003" pitchFamily="2" charset="0"/>
+            </a:endParaRPr>
+          </a:p>
+          <a:p>
+            <a:pPr marL="0" indent="0">
+              <a:buNone/>
+            </a:pPr>
+            <a:r>
+              <a:rPr lang="en-GB" sz="1600" dirty="0">
+                <a:solidFill>
+                  <a:schemeClr val="tx1"/>
+                </a:solidFill>
+                <a:latin typeface="Avenir Book" panose="02000503020000020003" pitchFamily="2" charset="0"/>
+              </a:rPr>
+              <a:t># </a:t>
+            </a:r>
+            <a:r>
+              <a:rPr lang="en-GB" sz="1600" b="1" dirty="0">
+                <a:solidFill>
+                  <a:schemeClr val="tx1"/>
+                </a:solidFill>
+                <a:latin typeface="Avenir Book" panose="02000503020000020003" pitchFamily="2" charset="0"/>
+              </a:rPr>
+              <a:t>Export PATH</a:t>
+            </a:r>
+            <a:endParaRPr lang="en-GB" sz="1600" dirty="0">
+              <a:solidFill>
+                <a:schemeClr val="tx1"/>
+              </a:solidFill>
+              <a:latin typeface="Avenir Book" panose="02000503020000020003" pitchFamily="2" charset="0"/>
+            </a:endParaRPr>
+          </a:p>
+          <a:p>
+            <a:pPr marL="0" indent="0">
+              <a:buNone/>
+            </a:pPr>
+            <a:r>
+              <a:rPr lang="en-GB" sz="1600" dirty="0">
+                <a:solidFill>
+                  <a:schemeClr val="tx1"/>
+                </a:solidFill>
+                <a:latin typeface="Avenir Book" panose="02000503020000020003" pitchFamily="2" charset="0"/>
+              </a:rPr>
+              <a:t>export PATH="/workspace/</a:t>
+            </a:r>
+            <a:r>
+              <a:rPr lang="en-GB" sz="1600" dirty="0" err="1">
+                <a:solidFill>
+                  <a:schemeClr val="tx1"/>
+                </a:solidFill>
+                <a:latin typeface="Avenir Book" panose="02000503020000020003" pitchFamily="2" charset="0"/>
+              </a:rPr>
+              <a:t>conda</a:t>
+            </a:r>
+            <a:r>
+              <a:rPr lang="en-GB" sz="1600" dirty="0">
+                <a:solidFill>
+                  <a:schemeClr val="tx1"/>
+                </a:solidFill>
+                <a:latin typeface="Avenir Book" panose="02000503020000020003" pitchFamily="2" charset="0"/>
+              </a:rPr>
+              <a:t>/bin:$PATH”</a:t>
+            </a:r>
+          </a:p>
+          <a:p>
+            <a:pPr marL="0" indent="0">
+              <a:buNone/>
+            </a:pPr>
+            <a:endParaRPr lang="en-GB" sz="1600" b="1" dirty="0">
+              <a:solidFill>
+                <a:schemeClr val="tx1"/>
+              </a:solidFill>
+              <a:latin typeface="Avenir Book" panose="02000503020000020003" pitchFamily="2" charset="0"/>
+            </a:endParaRPr>
+          </a:p>
+          <a:p>
+            <a:pPr marL="0" indent="0">
+              <a:buNone/>
+            </a:pPr>
+            <a:r>
+              <a:rPr lang="en-GB" sz="1600" b="1" dirty="0">
+                <a:solidFill>
+                  <a:schemeClr val="tx1"/>
+                </a:solidFill>
+                <a:latin typeface="Avenir Book" panose="02000503020000020003" pitchFamily="2" charset="0"/>
+              </a:rPr>
+              <a:t># Let’s install a few more dependencies (this step is normally not necessary when installing cactus on a server! )</a:t>
+            </a:r>
+          </a:p>
+          <a:p>
+            <a:pPr marL="0" indent="0">
+              <a:buNone/>
+            </a:pPr>
+            <a:r>
+              <a:rPr lang="en-GB" sz="1600" dirty="0" err="1">
+                <a:solidFill>
+                  <a:schemeClr val="tx1"/>
+                </a:solidFill>
+                <a:latin typeface="Avenir Book" panose="02000503020000020003" pitchFamily="2" charset="0"/>
+              </a:rPr>
+              <a:t>conda</a:t>
+            </a:r>
+            <a:r>
+              <a:rPr lang="en-GB" sz="1600" dirty="0">
+                <a:solidFill>
+                  <a:schemeClr val="tx1"/>
+                </a:solidFill>
+                <a:latin typeface="Avenir Book" panose="02000503020000020003" pitchFamily="2" charset="0"/>
+              </a:rPr>
+              <a:t> install gxx_linux-64</a:t>
+            </a:r>
+          </a:p>
+          <a:p>
+            <a:pPr marL="0" indent="0">
+              <a:buNone/>
+            </a:pPr>
+            <a:r>
+              <a:rPr lang="en-GB" sz="1600" dirty="0" err="1">
+                <a:solidFill>
+                  <a:schemeClr val="tx1"/>
+                </a:solidFill>
+                <a:latin typeface="Avenir Book" panose="02000503020000020003" pitchFamily="2" charset="0"/>
+              </a:rPr>
+              <a:t>conda</a:t>
+            </a:r>
+            <a:r>
+              <a:rPr lang="en-GB" sz="1600" dirty="0">
+                <a:solidFill>
+                  <a:schemeClr val="tx1"/>
+                </a:solidFill>
+                <a:latin typeface="Avenir Book" panose="02000503020000020003" pitchFamily="2" charset="0"/>
+              </a:rPr>
+              <a:t> install –c anaconda hdf5</a:t>
+            </a:r>
+          </a:p>
+          <a:p>
+            <a:pPr marL="0" indent="0">
+              <a:buNone/>
+            </a:pPr>
+            <a:r>
+              <a:rPr lang="en-GB" sz="1600" dirty="0" err="1">
+                <a:solidFill>
+                  <a:schemeClr val="tx1"/>
+                </a:solidFill>
+                <a:latin typeface="Avenir Book" panose="02000503020000020003" pitchFamily="2" charset="0"/>
+              </a:rPr>
+              <a:t>sudo</a:t>
+            </a:r>
+            <a:r>
+              <a:rPr lang="en-GB" sz="1600" dirty="0">
+                <a:solidFill>
+                  <a:schemeClr val="tx1"/>
+                </a:solidFill>
+                <a:latin typeface="Avenir Book" panose="02000503020000020003" pitchFamily="2" charset="0"/>
+              </a:rPr>
+              <a:t> apt-get install python3-pip</a:t>
+            </a:r>
+          </a:p>
+        </p:txBody>
+      </p:sp>
+    </p:spTree>
+    <p:extLst>
+      <p:ext uri="{BB962C8B-B14F-4D97-AF65-F5344CB8AC3E}">
+        <p14:creationId xmlns:p14="http://schemas.microsoft.com/office/powerpoint/2010/main" val="2350206018"/>
+      </p:ext>
+    </p:extLst>
+  </p:cSld>
+  <p:clrMapOvr>
+    <a:masterClrMapping/>
+  </p:clrMapOvr>
+</p:sld>
+</file>
+
+<file path=ppt/slides/slide21.xml><?xml version="1.0" encoding="utf-8"?>
+<p:sld xmlns:a="http://schemas.openxmlformats.org/drawingml/2006/main" xmlns:r="http://schemas.openxmlformats.org/officeDocument/2006/relationships" xmlns:p="http://schemas.openxmlformats.org/presentationml/2006/main">
+  <p:cSld>
+    <p:spTree>
+      <p:nvGrpSpPr>
+        <p:cNvPr id="1" name=""/>
+        <p:cNvGrpSpPr/>
+        <p:nvPr/>
+      </p:nvGrpSpPr>
+      <p:grpSpPr>
+        <a:xfrm>
+          <a:off x="0" y="0"/>
+          <a:ext cx="0" cy="0"/>
+          <a:chOff x="0" y="0"/>
+          <a:chExt cx="0" cy="0"/>
+        </a:xfrm>
+      </p:grpSpPr>
+      <p:sp>
+        <p:nvSpPr>
+          <p:cNvPr id="2" name="Title 1">
+            <a:extLst>
+              <a:ext uri="{FF2B5EF4-FFF2-40B4-BE49-F238E27FC236}">
                 <a16:creationId xmlns:a16="http://schemas.microsoft.com/office/drawing/2014/main" id="{8C5F1C37-EF1D-2231-DECA-783F69E2D4D6}"/>
               </a:ext>
             </a:extLst>
@@ -10895,7 +10958,7 @@
 </p:sld>
 </file>
 
-<file path=ppt/slides/slide21.xml><?xml version="1.0" encoding="utf-8"?>
+<file path=ppt/slides/slide22.xml><?xml version="1.0" encoding="utf-8"?>
 <p:sld xmlns:a="http://schemas.openxmlformats.org/drawingml/2006/main" xmlns:r="http://schemas.openxmlformats.org/officeDocument/2006/relationships" xmlns:p="http://schemas.openxmlformats.org/presentationml/2006/main">
   <p:cSld>
     <p:spTree>
@@ -11084,7 +11147,7 @@
 </p:sld>
 </file>
 
-<file path=ppt/slides/slide22.xml><?xml version="1.0" encoding="utf-8"?>
+<file path=ppt/slides/slide23.xml><?xml version="1.0" encoding="utf-8"?>
 <p:sld xmlns:a="http://schemas.openxmlformats.org/drawingml/2006/main" xmlns:r="http://schemas.openxmlformats.org/officeDocument/2006/relationships" xmlns:p="http://schemas.openxmlformats.org/presentationml/2006/main">
   <p:cSld>
     <p:spTree>
@@ -11466,7 +11529,7 @@
 </p:sld>
 </file>
 
-<file path=ppt/slides/slide23.xml><?xml version="1.0" encoding="utf-8"?>
+<file path=ppt/slides/slide24.xml><?xml version="1.0" encoding="utf-8"?>
 <p:sld xmlns:a="http://schemas.openxmlformats.org/drawingml/2006/main" xmlns:r="http://schemas.openxmlformats.org/officeDocument/2006/relationships" xmlns:p="http://schemas.openxmlformats.org/presentationml/2006/main">
   <p:cSld>
     <p:spTree>
@@ -11800,7 +11863,7 @@
 </p:sld>
 </file>
 
-<file path=ppt/slides/slide24.xml><?xml version="1.0" encoding="utf-8"?>
+<file path=ppt/slides/slide25.xml><?xml version="1.0" encoding="utf-8"?>
 <p:sld xmlns:a="http://schemas.openxmlformats.org/drawingml/2006/main" xmlns:r="http://schemas.openxmlformats.org/officeDocument/2006/relationships" xmlns:p="http://schemas.openxmlformats.org/presentationml/2006/main">
   <p:cSld>
     <p:spTree>
@@ -12027,7 +12090,7 @@
 </p:sld>
 </file>
 
-<file path=ppt/slides/slide25.xml><?xml version="1.0" encoding="utf-8"?>
+<file path=ppt/slides/slide26.xml><?xml version="1.0" encoding="utf-8"?>
 <p:sld xmlns:a="http://schemas.openxmlformats.org/drawingml/2006/main" xmlns:r="http://schemas.openxmlformats.org/officeDocument/2006/relationships" xmlns:p="http://schemas.openxmlformats.org/presentationml/2006/main">
   <p:cSld>
     <p:spTree>
@@ -12506,7 +12569,7 @@
 </p:sld>
 </file>
 
-<file path=ppt/slides/slide26.xml><?xml version="1.0" encoding="utf-8"?>
+<file path=ppt/slides/slide27.xml><?xml version="1.0" encoding="utf-8"?>
 <p:sld xmlns:a="http://schemas.openxmlformats.org/drawingml/2006/main" xmlns:r="http://schemas.openxmlformats.org/officeDocument/2006/relationships" xmlns:p="http://schemas.openxmlformats.org/presentationml/2006/main">
   <p:cSld>
     <p:spTree>
@@ -12714,7 +12777,7 @@
 </p:sld>
 </file>
 
-<file path=ppt/slides/slide27.xml><?xml version="1.0" encoding="utf-8"?>
+<file path=ppt/slides/slide28.xml><?xml version="1.0" encoding="utf-8"?>
 <p:sld xmlns:a="http://schemas.openxmlformats.org/drawingml/2006/main" xmlns:r="http://schemas.openxmlformats.org/officeDocument/2006/relationships" xmlns:p="http://schemas.openxmlformats.org/presentationml/2006/main">
   <p:cSld>
     <p:spTree>
@@ -12791,6 +12854,181 @@
     <p:extLst>
       <p:ext uri="{BB962C8B-B14F-4D97-AF65-F5344CB8AC3E}">
         <p14:creationId xmlns:p14="http://schemas.microsoft.com/office/powerpoint/2010/main" val="2388715852"/>
+      </p:ext>
+    </p:extLst>
+  </p:cSld>
+  <p:clrMapOvr>
+    <a:masterClrMapping/>
+  </p:clrMapOvr>
+</p:sld>
+</file>
+
+<file path=ppt/slides/slide29.xml><?xml version="1.0" encoding="utf-8"?>
+<p:sld xmlns:a="http://schemas.openxmlformats.org/drawingml/2006/main" xmlns:r="http://schemas.openxmlformats.org/officeDocument/2006/relationships" xmlns:p="http://schemas.openxmlformats.org/presentationml/2006/main">
+  <p:cSld>
+    <p:spTree>
+      <p:nvGrpSpPr>
+        <p:cNvPr id="1" name=""/>
+        <p:cNvGrpSpPr/>
+        <p:nvPr/>
+      </p:nvGrpSpPr>
+      <p:grpSpPr>
+        <a:xfrm>
+          <a:off x="0" y="0"/>
+          <a:ext cx="0" cy="0"/>
+          <a:chOff x="0" y="0"/>
+          <a:chExt cx="0" cy="0"/>
+        </a:xfrm>
+      </p:grpSpPr>
+      <p:sp>
+        <p:nvSpPr>
+          <p:cNvPr id="2" name="Title 1">
+            <a:extLst>
+              <a:ext uri="{FF2B5EF4-FFF2-40B4-BE49-F238E27FC236}">
+                <a16:creationId xmlns:a16="http://schemas.microsoft.com/office/drawing/2014/main" id="{C1D82045-685A-F25B-AA4D-571781396AC3}"/>
+              </a:ext>
+            </a:extLst>
+          </p:cNvPr>
+          <p:cNvSpPr>
+            <a:spLocks noGrp="1"/>
+          </p:cNvSpPr>
+          <p:nvPr>
+            <p:ph type="title"/>
+          </p:nvPr>
+        </p:nvSpPr>
+        <p:spPr/>
+        <p:txBody>
+          <a:bodyPr/>
+          <a:lstStyle/>
+          <a:p>
+            <a:endParaRPr lang="en-US"/>
+          </a:p>
+        </p:txBody>
+      </p:sp>
+      <p:sp>
+        <p:nvSpPr>
+          <p:cNvPr id="3" name="Content Placeholder 2">
+            <a:extLst>
+              <a:ext uri="{FF2B5EF4-FFF2-40B4-BE49-F238E27FC236}">
+                <a16:creationId xmlns:a16="http://schemas.microsoft.com/office/drawing/2014/main" id="{AE11A974-1549-0FC1-B456-81F0CE4FC06A}"/>
+              </a:ext>
+            </a:extLst>
+          </p:cNvPr>
+          <p:cNvSpPr>
+            <a:spLocks noGrp="1"/>
+          </p:cNvSpPr>
+          <p:nvPr>
+            <p:ph idx="1"/>
+          </p:nvPr>
+        </p:nvSpPr>
+        <p:spPr/>
+        <p:txBody>
+          <a:bodyPr>
+            <a:normAutofit/>
+          </a:bodyPr>
+          <a:lstStyle/>
+          <a:p>
+            <a:r>
+              <a:rPr lang="en-US" sz="2400" dirty="0"/>
+              <a:t>Thank you to </a:t>
+            </a:r>
+          </a:p>
+          <a:p>
+            <a:pPr lvl="1"/>
+            <a:r>
+              <a:rPr lang="en-US" sz="2400" dirty="0" err="1"/>
+              <a:t>Ensembl</a:t>
+            </a:r>
+            <a:r>
+              <a:rPr lang="en-US" sz="2400" dirty="0"/>
+              <a:t> EMBL-EBI Group</a:t>
+            </a:r>
+          </a:p>
+          <a:p>
+            <a:pPr lvl="1"/>
+            <a:r>
+              <a:rPr lang="en-US" sz="2400" dirty="0" err="1"/>
+              <a:t>Ensembl</a:t>
+            </a:r>
+            <a:r>
+              <a:rPr lang="en-US" sz="2400" dirty="0"/>
+              <a:t> EMBL-EBI </a:t>
+            </a:r>
+            <a:r>
+              <a:rPr lang="en-US" sz="2400" dirty="0" err="1"/>
+              <a:t>Compara</a:t>
+            </a:r>
+            <a:r>
+              <a:rPr lang="en-US" sz="2400" dirty="0"/>
+              <a:t> Team</a:t>
+            </a:r>
+          </a:p>
+        </p:txBody>
+      </p:sp>
+      <p:pic>
+        <p:nvPicPr>
+          <p:cNvPr id="4" name="Picture 3">
+            <a:extLst>
+              <a:ext uri="{FF2B5EF4-FFF2-40B4-BE49-F238E27FC236}">
+                <a16:creationId xmlns:a16="http://schemas.microsoft.com/office/drawing/2014/main" id="{9419217F-A7E7-4B9D-4B63-C8A370A977A9}"/>
+              </a:ext>
+            </a:extLst>
+          </p:cNvPr>
+          <p:cNvPicPr>
+            <a:picLocks noChangeAspect="1"/>
+          </p:cNvPicPr>
+          <p:nvPr/>
+        </p:nvPicPr>
+        <p:blipFill>
+          <a:blip r:embed="rId2"/>
+          <a:stretch>
+            <a:fillRect/>
+          </a:stretch>
+        </p:blipFill>
+        <p:spPr>
+          <a:xfrm>
+            <a:off x="6468552" y="2958480"/>
+            <a:ext cx="4019463" cy="1229253"/>
+          </a:xfrm>
+          <a:prstGeom prst="rect">
+            <a:avLst/>
+          </a:prstGeom>
+        </p:spPr>
+      </p:pic>
+      <p:pic>
+        <p:nvPicPr>
+          <p:cNvPr id="5" name="Picture 4">
+            <a:extLst>
+              <a:ext uri="{FF2B5EF4-FFF2-40B4-BE49-F238E27FC236}">
+                <a16:creationId xmlns:a16="http://schemas.microsoft.com/office/drawing/2014/main" id="{E9B9AE35-21AF-7B11-54A8-6F4F8666A6C4}"/>
+              </a:ext>
+            </a:extLst>
+          </p:cNvPr>
+          <p:cNvPicPr>
+            <a:picLocks noChangeAspect="1"/>
+          </p:cNvPicPr>
+          <p:nvPr/>
+        </p:nvPicPr>
+        <p:blipFill>
+          <a:blip r:embed="rId3"/>
+          <a:stretch>
+            <a:fillRect/>
+          </a:stretch>
+        </p:blipFill>
+        <p:spPr>
+          <a:xfrm>
+            <a:off x="6468552" y="4161555"/>
+            <a:ext cx="3277035" cy="771745"/>
+          </a:xfrm>
+          <a:prstGeom prst="rect">
+            <a:avLst/>
+          </a:prstGeom>
+        </p:spPr>
+      </p:pic>
+    </p:spTree>
+    <p:extLst>
+      <p:ext uri="{BB962C8B-B14F-4D97-AF65-F5344CB8AC3E}">
+        <p14:creationId xmlns:p14="http://schemas.microsoft.com/office/powerpoint/2010/main" val="3482611936"/>
       </p:ext>
     </p:extLst>
   </p:cSld>
@@ -14988,18 +15226,11 @@
           </a:p>
           <a:p>
             <a:r>
-              <a:rPr lang="en-US" sz="2200" dirty="0" err="1">
-                <a:latin typeface="Roboto Mono Light for Powerline" pitchFamily="2" charset="0"/>
-                <a:ea typeface="Roboto Mono Light for Powerline" pitchFamily="2" charset="0"/>
-              </a:rPr>
-              <a:t>mdcat</a:t>
-            </a:r>
-            <a:r>
               <a:rPr lang="en-US" sz="2200" dirty="0">
                 <a:latin typeface="Roboto Mono Light for Powerline" pitchFamily="2" charset="0"/>
                 <a:ea typeface="Roboto Mono Light for Powerline" pitchFamily="2" charset="0"/>
               </a:rPr>
-              <a:t> /workspace/cactus/exercises/01/exercise-01.md</a:t>
+              <a:t>/workspace/cactus/exercises/01/exercise-01.md</a:t>
             </a:r>
           </a:p>
           <a:p>
